--- a/Documents/사이트맵.pptx
+++ b/Documents/사이트맵.pptx
@@ -5,7 +5,8 @@
     <p:sldMasterId id="2147483648" r:id="rId1"/>
   </p:sldMasterIdLst>
   <p:sldIdLst>
-    <p:sldId id="256" r:id="rId2"/>
+    <p:sldId id="272" r:id="rId2"/>
+    <p:sldId id="273" r:id="rId3"/>
   </p:sldIdLst>
   <p:sldSz cx="12192000" cy="6858000"/>
   <p:notesSz cx="6858000" cy="9144000"/>
@@ -104,6 +105,11 @@
       </a:defRPr>
     </a:lvl9pPr>
   </p:defaultTextStyle>
+  <p:extLst>
+    <p:ext uri="{EFAFB233-063F-42B5-8137-9DF3F51BA10A}">
+      <p15:sldGuideLst xmlns:p15="http://schemas.microsoft.com/office/powerpoint/2012/main"/>
+    </p:ext>
+  </p:extLst>
 </p:presentation>
 </file>
 
@@ -254,7 +260,7 @@
           <a:p>
             <a:fld id="{5E9156A5-F3EC-48FB-8574-275309479A4C}" type="datetimeFigureOut">
               <a:rPr lang="ko-KR" altLang="en-US" smtClean="0"/>
-              <a:t>2020-05-13</a:t>
+              <a:t>2020-05-25</a:t>
             </a:fld>
             <a:endParaRPr lang="ko-KR" altLang="en-US"/>
           </a:p>
@@ -452,7 +458,7 @@
           <a:p>
             <a:fld id="{5E9156A5-F3EC-48FB-8574-275309479A4C}" type="datetimeFigureOut">
               <a:rPr lang="ko-KR" altLang="en-US" smtClean="0"/>
-              <a:t>2020-05-13</a:t>
+              <a:t>2020-05-25</a:t>
             </a:fld>
             <a:endParaRPr lang="ko-KR" altLang="en-US"/>
           </a:p>
@@ -660,7 +666,7 @@
           <a:p>
             <a:fld id="{5E9156A5-F3EC-48FB-8574-275309479A4C}" type="datetimeFigureOut">
               <a:rPr lang="ko-KR" altLang="en-US" smtClean="0"/>
-              <a:t>2020-05-13</a:t>
+              <a:t>2020-05-25</a:t>
             </a:fld>
             <a:endParaRPr lang="ko-KR" altLang="en-US"/>
           </a:p>
@@ -858,7 +864,7 @@
           <a:p>
             <a:fld id="{5E9156A5-F3EC-48FB-8574-275309479A4C}" type="datetimeFigureOut">
               <a:rPr lang="ko-KR" altLang="en-US" smtClean="0"/>
-              <a:t>2020-05-13</a:t>
+              <a:t>2020-05-25</a:t>
             </a:fld>
             <a:endParaRPr lang="ko-KR" altLang="en-US"/>
           </a:p>
@@ -1133,7 +1139,7 @@
           <a:p>
             <a:fld id="{5E9156A5-F3EC-48FB-8574-275309479A4C}" type="datetimeFigureOut">
               <a:rPr lang="ko-KR" altLang="en-US" smtClean="0"/>
-              <a:t>2020-05-13</a:t>
+              <a:t>2020-05-25</a:t>
             </a:fld>
             <a:endParaRPr lang="ko-KR" altLang="en-US"/>
           </a:p>
@@ -1398,7 +1404,7 @@
           <a:p>
             <a:fld id="{5E9156A5-F3EC-48FB-8574-275309479A4C}" type="datetimeFigureOut">
               <a:rPr lang="ko-KR" altLang="en-US" smtClean="0"/>
-              <a:t>2020-05-13</a:t>
+              <a:t>2020-05-25</a:t>
             </a:fld>
             <a:endParaRPr lang="ko-KR" altLang="en-US"/>
           </a:p>
@@ -1810,7 +1816,7 @@
           <a:p>
             <a:fld id="{5E9156A5-F3EC-48FB-8574-275309479A4C}" type="datetimeFigureOut">
               <a:rPr lang="ko-KR" altLang="en-US" smtClean="0"/>
-              <a:t>2020-05-13</a:t>
+              <a:t>2020-05-25</a:t>
             </a:fld>
             <a:endParaRPr lang="ko-KR" altLang="en-US"/>
           </a:p>
@@ -1951,7 +1957,7 @@
           <a:p>
             <a:fld id="{5E9156A5-F3EC-48FB-8574-275309479A4C}" type="datetimeFigureOut">
               <a:rPr lang="ko-KR" altLang="en-US" smtClean="0"/>
-              <a:t>2020-05-13</a:t>
+              <a:t>2020-05-25</a:t>
             </a:fld>
             <a:endParaRPr lang="ko-KR" altLang="en-US"/>
           </a:p>
@@ -2064,7 +2070,7 @@
           <a:p>
             <a:fld id="{5E9156A5-F3EC-48FB-8574-275309479A4C}" type="datetimeFigureOut">
               <a:rPr lang="ko-KR" altLang="en-US" smtClean="0"/>
-              <a:t>2020-05-13</a:t>
+              <a:t>2020-05-25</a:t>
             </a:fld>
             <a:endParaRPr lang="ko-KR" altLang="en-US"/>
           </a:p>
@@ -2375,7 +2381,7 @@
           <a:p>
             <a:fld id="{5E9156A5-F3EC-48FB-8574-275309479A4C}" type="datetimeFigureOut">
               <a:rPr lang="ko-KR" altLang="en-US" smtClean="0"/>
-              <a:t>2020-05-13</a:t>
+              <a:t>2020-05-25</a:t>
             </a:fld>
             <a:endParaRPr lang="ko-KR" altLang="en-US"/>
           </a:p>
@@ -2663,7 +2669,7 @@
           <a:p>
             <a:fld id="{5E9156A5-F3EC-48FB-8574-275309479A4C}" type="datetimeFigureOut">
               <a:rPr lang="ko-KR" altLang="en-US" smtClean="0"/>
-              <a:t>2020-05-13</a:t>
+              <a:t>2020-05-25</a:t>
             </a:fld>
             <a:endParaRPr lang="ko-KR" altLang="en-US"/>
           </a:p>
@@ -2904,7 +2910,7 @@
           <a:p>
             <a:fld id="{5E9156A5-F3EC-48FB-8574-275309479A4C}" type="datetimeFigureOut">
               <a:rPr lang="ko-KR" altLang="en-US" smtClean="0"/>
-              <a:t>2020-05-13</a:t>
+              <a:t>2020-05-25</a:t>
             </a:fld>
             <a:endParaRPr lang="ko-KR" altLang="en-US"/>
           </a:p>
@@ -3321,65 +3327,62 @@
           <a:chExt cx="0" cy="0"/>
         </a:xfrm>
       </p:grpSpPr>
-      <p:cxnSp>
-        <p:nvCxnSpPr>
-          <p:cNvPr id="5" name="직선 연결선 4">
-            <a:extLst>
-              <a:ext uri="{FF2B5EF4-FFF2-40B4-BE49-F238E27FC236}">
-                <a16:creationId xmlns:a16="http://schemas.microsoft.com/office/drawing/2014/main" id="{329CC943-02E4-4CBD-B346-3166967F2C37}"/>
-              </a:ext>
-            </a:extLst>
-          </p:cNvPr>
-          <p:cNvCxnSpPr>
-            <a:cxnSpLocks/>
-          </p:cNvCxnSpPr>
+      <p:sp>
+        <p:nvSpPr>
+          <p:cNvPr id="4" name="직사각형 3"/>
+          <p:cNvSpPr/>
           <p:nvPr/>
-        </p:nvCxnSpPr>
+        </p:nvSpPr>
         <p:spPr>
           <a:xfrm>
-            <a:off x="292961" y="593598"/>
-            <a:ext cx="11487705" cy="0"/>
+            <a:off x="1227993" y="1081453"/>
+            <a:ext cx="10964007" cy="79131"/>
           </a:xfrm>
-          <a:prstGeom prst="line">
+          <a:prstGeom prst="rect">
             <a:avLst/>
           </a:prstGeom>
-          <a:ln w="12700">
-            <a:solidFill>
-              <a:srgbClr val="FF0000"/>
-            </a:solidFill>
+          <a:solidFill>
+            <a:srgbClr val="FF0000"/>
+          </a:solidFill>
+          <a:ln>
+            <a:noFill/>
           </a:ln>
         </p:spPr>
         <p:style>
-          <a:lnRef idx="1">
-            <a:schemeClr val="accent1"/>
+          <a:lnRef idx="2">
+            <a:schemeClr val="accent1">
+              <a:shade val="50000"/>
+            </a:schemeClr>
           </a:lnRef>
-          <a:fillRef idx="0">
+          <a:fillRef idx="1">
             <a:schemeClr val="accent1"/>
           </a:fillRef>
           <a:effectRef idx="0">
             <a:schemeClr val="accent1"/>
           </a:effectRef>
           <a:fontRef idx="minor">
-            <a:schemeClr val="tx1"/>
+            <a:schemeClr val="lt1"/>
           </a:fontRef>
         </p:style>
-      </p:cxnSp>
-      <p:sp>
-        <p:nvSpPr>
-          <p:cNvPr id="6" name="TextBox 5">
-            <a:extLst>
-              <a:ext uri="{FF2B5EF4-FFF2-40B4-BE49-F238E27FC236}">
-                <a16:creationId xmlns:a16="http://schemas.microsoft.com/office/drawing/2014/main" id="{634863CD-EF5A-4504-B700-A7E5633D555F}"/>
-              </a:ext>
-            </a:extLst>
-          </p:cNvPr>
+        <p:txBody>
+          <a:bodyPr rtlCol="0" anchor="ctr"/>
+          <a:lstStyle/>
+          <a:p>
+            <a:pPr algn="ctr"/>
+            <a:endParaRPr lang="ko-KR" altLang="en-US"/>
+          </a:p>
+        </p:txBody>
+      </p:sp>
+      <p:sp>
+        <p:nvSpPr>
+          <p:cNvPr id="5" name="TextBox 4"/>
           <p:cNvSpPr txBox="1"/>
           <p:nvPr/>
         </p:nvSpPr>
         <p:spPr>
           <a:xfrm>
-            <a:off x="292962" y="175732"/>
-            <a:ext cx="1300356" cy="400110"/>
+            <a:off x="1227993" y="1318846"/>
+            <a:ext cx="4749121" cy="707886"/>
           </a:xfrm>
           <a:prstGeom prst="rect">
             <a:avLst/>
@@ -3387,34 +3390,451 @@
           <a:noFill/>
         </p:spPr>
         <p:txBody>
-          <a:bodyPr wrap="none" rtlCol="0">
+          <a:bodyPr wrap="square" rtlCol="0">
             <a:spAutoFit/>
           </a:bodyPr>
           <a:lstStyle/>
           <a:p>
             <a:r>
-              <a:rPr lang="ko-KR" altLang="en-US" sz="2000" b="1" dirty="0"/>
-              <a:t>사이트 맵</a:t>
-            </a:r>
-          </a:p>
-        </p:txBody>
-      </p:sp>
-      <p:sp>
-        <p:nvSpPr>
-          <p:cNvPr id="9" name="TextBox 8">
-            <a:extLst>
-              <a:ext uri="{FF2B5EF4-FFF2-40B4-BE49-F238E27FC236}">
-                <a16:creationId xmlns:a16="http://schemas.microsoft.com/office/drawing/2014/main" id="{54791AB8-83C8-46D4-B345-32397948E124}"/>
-              </a:ext>
-            </a:extLst>
-          </p:cNvPr>
+              <a:rPr lang="en-US" altLang="ko-KR" sz="4000" b="1" dirty="0" err="1"/>
+              <a:t>Taemin’s</a:t>
+            </a:r>
+            <a:r>
+              <a:rPr lang="en-US" altLang="ko-KR" sz="4000" b="1" dirty="0"/>
+              <a:t> Portfolio</a:t>
+            </a:r>
+            <a:endParaRPr lang="ko-KR" altLang="en-US" b="1" dirty="0"/>
+          </a:p>
+        </p:txBody>
+      </p:sp>
+      <p:graphicFrame>
+        <p:nvGraphicFramePr>
+          <p:cNvPr id="6" name="표 5"/>
+          <p:cNvGraphicFramePr>
+            <a:graphicFrameLocks noGrp="1"/>
+          </p:cNvGraphicFramePr>
+          <p:nvPr>
+            <p:extLst>
+              <p:ext uri="{D42A27DB-BD31-4B8C-83A1-F6EECF244321}">
+                <p14:modId xmlns:p14="http://schemas.microsoft.com/office/powerpoint/2010/main" val="2607507504"/>
+              </p:ext>
+            </p:extLst>
+          </p:nvPr>
+        </p:nvGraphicFramePr>
+        <p:xfrm>
+          <a:off x="325319" y="5527236"/>
+          <a:ext cx="11550162" cy="741680"/>
+        </p:xfrm>
+        <a:graphic>
+          <a:graphicData uri="http://schemas.openxmlformats.org/drawingml/2006/table">
+            <a:tbl>
+              <a:tblPr firstRow="1" bandRow="1">
+                <a:tableStyleId>{5C22544A-7EE6-4342-B048-85BDC9FD1C3A}</a:tableStyleId>
+              </a:tblPr>
+              <a:tblGrid>
+                <a:gridCol w="3850054">
+                  <a:extLst>
+                    <a:ext uri="{9D8B030D-6E8A-4147-A177-3AD203B41FA5}">
+                      <a16:colId xmlns:a16="http://schemas.microsoft.com/office/drawing/2014/main" val="4019793381"/>
+                    </a:ext>
+                  </a:extLst>
+                </a:gridCol>
+                <a:gridCol w="3850054">
+                  <a:extLst>
+                    <a:ext uri="{9D8B030D-6E8A-4147-A177-3AD203B41FA5}">
+                      <a16:colId xmlns:a16="http://schemas.microsoft.com/office/drawing/2014/main" val="144326858"/>
+                    </a:ext>
+                  </a:extLst>
+                </a:gridCol>
+                <a:gridCol w="3850054">
+                  <a:extLst>
+                    <a:ext uri="{9D8B030D-6E8A-4147-A177-3AD203B41FA5}">
+                      <a16:colId xmlns:a16="http://schemas.microsoft.com/office/drawing/2014/main" val="3945122818"/>
+                    </a:ext>
+                  </a:extLst>
+                </a:gridCol>
+              </a:tblGrid>
+              <a:tr h="370840">
+                <a:tc>
+                  <a:txBody>
+                    <a:bodyPr/>
+                    <a:lstStyle/>
+                    <a:p>
+                      <a:pPr algn="ctr" latinLnBrk="1"/>
+                      <a:r>
+                        <a:rPr lang="en-US" altLang="ko-KR" dirty="0">
+                          <a:solidFill>
+                            <a:schemeClr val="tx1"/>
+                          </a:solidFill>
+                        </a:rPr>
+                        <a:t>Document</a:t>
+                      </a:r>
+                      <a:r>
+                        <a:rPr lang="en-US" altLang="ko-KR" baseline="0" dirty="0">
+                          <a:solidFill>
+                            <a:schemeClr val="tx1"/>
+                          </a:solidFill>
+                        </a:rPr>
+                        <a:t> Version</a:t>
+                      </a:r>
+                      <a:endParaRPr lang="ko-KR" altLang="en-US" dirty="0">
+                        <a:solidFill>
+                          <a:schemeClr val="tx1"/>
+                        </a:solidFill>
+                      </a:endParaRPr>
+                    </a:p>
+                  </a:txBody>
+                  <a:tcPr>
+                    <a:lnL w="12700" cap="flat" cmpd="sng" algn="ctr">
+                      <a:noFill/>
+                      <a:prstDash val="solid"/>
+                      <a:round/>
+                      <a:headEnd type="none" w="med" len="med"/>
+                      <a:tailEnd type="none" w="med" len="med"/>
+                    </a:lnL>
+                    <a:lnR w="12700" cap="flat" cmpd="sng" algn="ctr">
+                      <a:solidFill>
+                        <a:schemeClr val="tx1"/>
+                      </a:solidFill>
+                      <a:prstDash val="solid"/>
+                      <a:round/>
+                      <a:headEnd type="none" w="med" len="med"/>
+                      <a:tailEnd type="none" w="med" len="med"/>
+                    </a:lnR>
+                    <a:lnT w="12700" cap="flat" cmpd="sng" algn="ctr">
+                      <a:solidFill>
+                        <a:schemeClr val="tx1"/>
+                      </a:solidFill>
+                      <a:prstDash val="solid"/>
+                      <a:round/>
+                      <a:headEnd type="none" w="med" len="med"/>
+                      <a:tailEnd type="none" w="med" len="med"/>
+                    </a:lnT>
+                    <a:lnB w="12700" cap="flat" cmpd="sng" algn="ctr">
+                      <a:solidFill>
+                        <a:schemeClr val="tx1"/>
+                      </a:solidFill>
+                      <a:prstDash val="solid"/>
+                      <a:round/>
+                      <a:headEnd type="none" w="med" len="med"/>
+                      <a:tailEnd type="none" w="med" len="med"/>
+                    </a:lnB>
+                    <a:solidFill>
+                      <a:schemeClr val="bg1">
+                        <a:lumMod val="85000"/>
+                      </a:schemeClr>
+                    </a:solidFill>
+                  </a:tcPr>
+                </a:tc>
+                <a:tc>
+                  <a:txBody>
+                    <a:bodyPr/>
+                    <a:lstStyle/>
+                    <a:p>
+                      <a:pPr algn="ctr" latinLnBrk="1"/>
+                      <a:r>
+                        <a:rPr lang="en-US" altLang="ko-KR" dirty="0">
+                          <a:solidFill>
+                            <a:schemeClr val="tx1"/>
+                          </a:solidFill>
+                        </a:rPr>
+                        <a:t>Last Updated</a:t>
+                      </a:r>
+                      <a:endParaRPr lang="ko-KR" altLang="en-US" dirty="0">
+                        <a:solidFill>
+                          <a:schemeClr val="tx1"/>
+                        </a:solidFill>
+                      </a:endParaRPr>
+                    </a:p>
+                  </a:txBody>
+                  <a:tcPr>
+                    <a:lnL w="12700" cap="flat" cmpd="sng" algn="ctr">
+                      <a:solidFill>
+                        <a:schemeClr val="tx1"/>
+                      </a:solidFill>
+                      <a:prstDash val="solid"/>
+                      <a:round/>
+                      <a:headEnd type="none" w="med" len="med"/>
+                      <a:tailEnd type="none" w="med" len="med"/>
+                    </a:lnL>
+                    <a:lnR w="12700" cap="flat" cmpd="sng" algn="ctr">
+                      <a:solidFill>
+                        <a:schemeClr val="tx1"/>
+                      </a:solidFill>
+                      <a:prstDash val="solid"/>
+                      <a:round/>
+                      <a:headEnd type="none" w="med" len="med"/>
+                      <a:tailEnd type="none" w="med" len="med"/>
+                    </a:lnR>
+                    <a:lnT w="12700" cap="flat" cmpd="sng" algn="ctr">
+                      <a:solidFill>
+                        <a:schemeClr val="tx1"/>
+                      </a:solidFill>
+                      <a:prstDash val="solid"/>
+                      <a:round/>
+                      <a:headEnd type="none" w="med" len="med"/>
+                      <a:tailEnd type="none" w="med" len="med"/>
+                    </a:lnT>
+                    <a:lnB w="12700" cap="flat" cmpd="sng" algn="ctr">
+                      <a:solidFill>
+                        <a:schemeClr val="tx1"/>
+                      </a:solidFill>
+                      <a:prstDash val="solid"/>
+                      <a:round/>
+                      <a:headEnd type="none" w="med" len="med"/>
+                      <a:tailEnd type="none" w="med" len="med"/>
+                    </a:lnB>
+                    <a:solidFill>
+                      <a:schemeClr val="bg1">
+                        <a:lumMod val="85000"/>
+                      </a:schemeClr>
+                    </a:solidFill>
+                  </a:tcPr>
+                </a:tc>
+                <a:tc>
+                  <a:txBody>
+                    <a:bodyPr/>
+                    <a:lstStyle/>
+                    <a:p>
+                      <a:pPr algn="ctr" latinLnBrk="1"/>
+                      <a:r>
+                        <a:rPr lang="en-US" altLang="ko-KR" dirty="0">
+                          <a:solidFill>
+                            <a:schemeClr val="tx1"/>
+                          </a:solidFill>
+                        </a:rPr>
+                        <a:t>Author</a:t>
+                      </a:r>
+                      <a:endParaRPr lang="ko-KR" altLang="en-US" dirty="0">
+                        <a:solidFill>
+                          <a:schemeClr val="tx1"/>
+                        </a:solidFill>
+                      </a:endParaRPr>
+                    </a:p>
+                  </a:txBody>
+                  <a:tcPr>
+                    <a:lnL w="12700" cap="flat" cmpd="sng" algn="ctr">
+                      <a:solidFill>
+                        <a:schemeClr val="tx1"/>
+                      </a:solidFill>
+                      <a:prstDash val="solid"/>
+                      <a:round/>
+                      <a:headEnd type="none" w="med" len="med"/>
+                      <a:tailEnd type="none" w="med" len="med"/>
+                    </a:lnL>
+                    <a:lnR w="12700" cap="flat" cmpd="sng" algn="ctr">
+                      <a:noFill/>
+                      <a:prstDash val="solid"/>
+                      <a:round/>
+                      <a:headEnd type="none" w="med" len="med"/>
+                      <a:tailEnd type="none" w="med" len="med"/>
+                    </a:lnR>
+                    <a:lnT w="12700" cap="flat" cmpd="sng" algn="ctr">
+                      <a:solidFill>
+                        <a:schemeClr val="tx1"/>
+                      </a:solidFill>
+                      <a:prstDash val="solid"/>
+                      <a:round/>
+                      <a:headEnd type="none" w="med" len="med"/>
+                      <a:tailEnd type="none" w="med" len="med"/>
+                    </a:lnT>
+                    <a:lnB w="12700" cap="flat" cmpd="sng" algn="ctr">
+                      <a:solidFill>
+                        <a:schemeClr val="tx1"/>
+                      </a:solidFill>
+                      <a:prstDash val="solid"/>
+                      <a:round/>
+                      <a:headEnd type="none" w="med" len="med"/>
+                      <a:tailEnd type="none" w="med" len="med"/>
+                    </a:lnB>
+                    <a:solidFill>
+                      <a:schemeClr val="bg1">
+                        <a:lumMod val="85000"/>
+                      </a:schemeClr>
+                    </a:solidFill>
+                  </a:tcPr>
+                </a:tc>
+                <a:extLst>
+                  <a:ext uri="{0D108BD9-81ED-4DB2-BD59-A6C34878D82A}">
+                    <a16:rowId xmlns:a16="http://schemas.microsoft.com/office/drawing/2014/main" val="3302749033"/>
+                  </a:ext>
+                </a:extLst>
+              </a:tr>
+              <a:tr h="370840">
+                <a:tc>
+                  <a:txBody>
+                    <a:bodyPr/>
+                    <a:lstStyle/>
+                    <a:p>
+                      <a:pPr algn="ctr" latinLnBrk="1"/>
+                      <a:r>
+                        <a:rPr lang="en-US" altLang="ko-KR" dirty="0"/>
+                        <a:t>0.1</a:t>
+                      </a:r>
+                      <a:endParaRPr lang="ko-KR" altLang="en-US" dirty="0"/>
+                    </a:p>
+                  </a:txBody>
+                  <a:tcPr>
+                    <a:lnL w="12700" cap="flat" cmpd="sng" algn="ctr">
+                      <a:noFill/>
+                      <a:prstDash val="solid"/>
+                      <a:round/>
+                      <a:headEnd type="none" w="med" len="med"/>
+                      <a:tailEnd type="none" w="med" len="med"/>
+                    </a:lnL>
+                    <a:lnR w="12700" cap="flat" cmpd="sng" algn="ctr">
+                      <a:solidFill>
+                        <a:schemeClr val="tx1"/>
+                      </a:solidFill>
+                      <a:prstDash val="solid"/>
+                      <a:round/>
+                      <a:headEnd type="none" w="med" len="med"/>
+                      <a:tailEnd type="none" w="med" len="med"/>
+                    </a:lnR>
+                    <a:lnT w="12700" cap="flat" cmpd="sng" algn="ctr">
+                      <a:solidFill>
+                        <a:schemeClr val="tx1"/>
+                      </a:solidFill>
+                      <a:prstDash val="solid"/>
+                      <a:round/>
+                      <a:headEnd type="none" w="med" len="med"/>
+                      <a:tailEnd type="none" w="med" len="med"/>
+                    </a:lnT>
+                    <a:lnB w="12700" cap="flat" cmpd="sng" algn="ctr">
+                      <a:solidFill>
+                        <a:schemeClr val="tx1"/>
+                      </a:solidFill>
+                      <a:prstDash val="solid"/>
+                      <a:round/>
+                      <a:headEnd type="none" w="med" len="med"/>
+                      <a:tailEnd type="none" w="med" len="med"/>
+                    </a:lnB>
+                    <a:noFill/>
+                  </a:tcPr>
+                </a:tc>
+                <a:tc>
+                  <a:txBody>
+                    <a:bodyPr/>
+                    <a:lstStyle/>
+                    <a:p>
+                      <a:pPr algn="ctr" latinLnBrk="1"/>
+                      <a:r>
+                        <a:rPr lang="en-US" altLang="ko-KR" dirty="0"/>
+                        <a:t>2020-05-14</a:t>
+                      </a:r>
+                      <a:endParaRPr lang="ko-KR" altLang="en-US" dirty="0"/>
+                    </a:p>
+                  </a:txBody>
+                  <a:tcPr>
+                    <a:lnL w="12700" cap="flat" cmpd="sng" algn="ctr">
+                      <a:solidFill>
+                        <a:schemeClr val="tx1"/>
+                      </a:solidFill>
+                      <a:prstDash val="solid"/>
+                      <a:round/>
+                      <a:headEnd type="none" w="med" len="med"/>
+                      <a:tailEnd type="none" w="med" len="med"/>
+                    </a:lnL>
+                    <a:lnR w="12700" cap="flat" cmpd="sng" algn="ctr">
+                      <a:solidFill>
+                        <a:schemeClr val="tx1"/>
+                      </a:solidFill>
+                      <a:prstDash val="solid"/>
+                      <a:round/>
+                      <a:headEnd type="none" w="med" len="med"/>
+                      <a:tailEnd type="none" w="med" len="med"/>
+                    </a:lnR>
+                    <a:lnT w="12700" cap="flat" cmpd="sng" algn="ctr">
+                      <a:solidFill>
+                        <a:schemeClr val="tx1"/>
+                      </a:solidFill>
+                      <a:prstDash val="solid"/>
+                      <a:round/>
+                      <a:headEnd type="none" w="med" len="med"/>
+                      <a:tailEnd type="none" w="med" len="med"/>
+                    </a:lnT>
+                    <a:lnB w="12700" cap="flat" cmpd="sng" algn="ctr">
+                      <a:solidFill>
+                        <a:schemeClr val="tx1"/>
+                      </a:solidFill>
+                      <a:prstDash val="solid"/>
+                      <a:round/>
+                      <a:headEnd type="none" w="med" len="med"/>
+                      <a:tailEnd type="none" w="med" len="med"/>
+                    </a:lnB>
+                    <a:noFill/>
+                  </a:tcPr>
+                </a:tc>
+                <a:tc>
+                  <a:txBody>
+                    <a:bodyPr/>
+                    <a:lstStyle/>
+                    <a:p>
+                      <a:pPr algn="ctr" latinLnBrk="1"/>
+                      <a:r>
+                        <a:rPr lang="ko-KR" altLang="en-US" dirty="0"/>
+                        <a:t>하 태민</a:t>
+                      </a:r>
+                    </a:p>
+                  </a:txBody>
+                  <a:tcPr>
+                    <a:lnL w="12700" cap="flat" cmpd="sng" algn="ctr">
+                      <a:solidFill>
+                        <a:schemeClr val="tx1"/>
+                      </a:solidFill>
+                      <a:prstDash val="solid"/>
+                      <a:round/>
+                      <a:headEnd type="none" w="med" len="med"/>
+                      <a:tailEnd type="none" w="med" len="med"/>
+                    </a:lnL>
+                    <a:lnR w="12700" cap="flat" cmpd="sng" algn="ctr">
+                      <a:noFill/>
+                      <a:prstDash val="solid"/>
+                      <a:round/>
+                      <a:headEnd type="none" w="med" len="med"/>
+                      <a:tailEnd type="none" w="med" len="med"/>
+                    </a:lnR>
+                    <a:lnT w="12700" cap="flat" cmpd="sng" algn="ctr">
+                      <a:solidFill>
+                        <a:schemeClr val="tx1"/>
+                      </a:solidFill>
+                      <a:prstDash val="solid"/>
+                      <a:round/>
+                      <a:headEnd type="none" w="med" len="med"/>
+                      <a:tailEnd type="none" w="med" len="med"/>
+                    </a:lnT>
+                    <a:lnB w="12700" cap="flat" cmpd="sng" algn="ctr">
+                      <a:solidFill>
+                        <a:schemeClr val="tx1"/>
+                      </a:solidFill>
+                      <a:prstDash val="solid"/>
+                      <a:round/>
+                      <a:headEnd type="none" w="med" len="med"/>
+                      <a:tailEnd type="none" w="med" len="med"/>
+                    </a:lnB>
+                    <a:noFill/>
+                  </a:tcPr>
+                </a:tc>
+                <a:extLst>
+                  <a:ext uri="{0D108BD9-81ED-4DB2-BD59-A6C34878D82A}">
+                    <a16:rowId xmlns:a16="http://schemas.microsoft.com/office/drawing/2014/main" val="320913956"/>
+                  </a:ext>
+                </a:extLst>
+              </a:tr>
+            </a:tbl>
+          </a:graphicData>
+        </a:graphic>
+      </p:graphicFrame>
+      <p:sp>
+        <p:nvSpPr>
+          <p:cNvPr id="7" name="TextBox 6"/>
           <p:cNvSpPr txBox="1"/>
           <p:nvPr/>
         </p:nvSpPr>
         <p:spPr>
           <a:xfrm>
-            <a:off x="10821749" y="194652"/>
-            <a:ext cx="958917" cy="369332"/>
+            <a:off x="3488890" y="2026732"/>
+            <a:ext cx="4341573" cy="523220"/>
           </a:xfrm>
           <a:prstGeom prst="rect">
             <a:avLst/>
@@ -3428,18 +3848,131 @@
           <a:lstStyle/>
           <a:p>
             <a:r>
-              <a:rPr lang="ko-KR" altLang="en-US" dirty="0"/>
-              <a:t>하 태민</a:t>
-            </a:r>
+              <a:rPr lang="en-US" altLang="ko-KR" sz="2800" dirty="0"/>
+              <a:t>Publisher Website Project</a:t>
+            </a:r>
+            <a:endParaRPr lang="ko-KR" altLang="en-US" sz="2800" dirty="0"/>
+          </a:p>
+        </p:txBody>
+      </p:sp>
+    </p:spTree>
+    <p:extLst>
+      <p:ext uri="{BB962C8B-B14F-4D97-AF65-F5344CB8AC3E}">
+        <p14:creationId xmlns:p14="http://schemas.microsoft.com/office/powerpoint/2010/main" val="2611940829"/>
+      </p:ext>
+    </p:extLst>
+  </p:cSld>
+  <p:clrMapOvr>
+    <a:masterClrMapping/>
+  </p:clrMapOvr>
+</p:sld>
+</file>
+
+<file path=ppt/slides/slide2.xml><?xml version="1.0" encoding="utf-8"?>
+<p:sld xmlns:a="http://schemas.openxmlformats.org/drawingml/2006/main" xmlns:r="http://schemas.openxmlformats.org/officeDocument/2006/relationships" xmlns:p="http://schemas.openxmlformats.org/presentationml/2006/main">
+  <p:cSld>
+    <p:spTree>
+      <p:nvGrpSpPr>
+        <p:cNvPr id="1" name=""/>
+        <p:cNvGrpSpPr/>
+        <p:nvPr/>
+      </p:nvGrpSpPr>
+      <p:grpSpPr>
+        <a:xfrm>
+          <a:off x="0" y="0"/>
+          <a:ext cx="0" cy="0"/>
+          <a:chOff x="0" y="0"/>
+          <a:chExt cx="0" cy="0"/>
+        </a:xfrm>
+      </p:grpSpPr>
+      <p:sp>
+        <p:nvSpPr>
+          <p:cNvPr id="4" name="직사각형 3"/>
+          <p:cNvSpPr/>
+          <p:nvPr/>
+        </p:nvSpPr>
+        <p:spPr>
+          <a:xfrm>
+            <a:off x="1227993" y="1081453"/>
+            <a:ext cx="10964007" cy="79131"/>
+          </a:xfrm>
+          <a:prstGeom prst="rect">
+            <a:avLst/>
+          </a:prstGeom>
+          <a:solidFill>
+            <a:srgbClr val="FF0000"/>
+          </a:solidFill>
+          <a:ln>
+            <a:noFill/>
+          </a:ln>
+        </p:spPr>
+        <p:style>
+          <a:lnRef idx="2">
+            <a:schemeClr val="accent1">
+              <a:shade val="50000"/>
+            </a:schemeClr>
+          </a:lnRef>
+          <a:fillRef idx="1">
+            <a:schemeClr val="accent1"/>
+          </a:fillRef>
+          <a:effectRef idx="0">
+            <a:schemeClr val="accent1"/>
+          </a:effectRef>
+          <a:fontRef idx="minor">
+            <a:schemeClr val="lt1"/>
+          </a:fontRef>
+        </p:style>
+        <p:txBody>
+          <a:bodyPr rtlCol="0" anchor="ctr"/>
+          <a:lstStyle/>
+          <a:p>
+            <a:pPr algn="ctr"/>
+            <a:endParaRPr lang="ko-KR" altLang="en-US"/>
+          </a:p>
+        </p:txBody>
+      </p:sp>
+      <p:sp>
+        <p:nvSpPr>
+          <p:cNvPr id="8" name="TextBox 7">
+            <a:extLst>
+              <a:ext uri="{FF2B5EF4-FFF2-40B4-BE49-F238E27FC236}">
+                <a16:creationId xmlns:a16="http://schemas.microsoft.com/office/drawing/2014/main" id="{C6DBD711-28D1-4456-9CC6-F5F3D8C1C5F1}"/>
+              </a:ext>
+            </a:extLst>
+          </p:cNvPr>
+          <p:cNvSpPr txBox="1"/>
+          <p:nvPr/>
+        </p:nvSpPr>
+        <p:spPr>
+          <a:xfrm>
+            <a:off x="1227993" y="237392"/>
+            <a:ext cx="4749121" cy="707886"/>
+          </a:xfrm>
+          <a:prstGeom prst="rect">
+            <a:avLst/>
+          </a:prstGeom>
+          <a:noFill/>
+        </p:spPr>
+        <p:txBody>
+          <a:bodyPr wrap="square" rtlCol="0">
+            <a:spAutoFit/>
+          </a:bodyPr>
+          <a:lstStyle/>
+          <a:p>
+            <a:r>
+              <a:rPr lang="ko-KR" altLang="en-US" sz="4000" b="1" dirty="0"/>
+              <a:t>사이트 맵</a:t>
+            </a:r>
+            <a:endParaRPr lang="ko-KR" altLang="en-US" b="1" dirty="0"/>
           </a:p>
         </p:txBody>
       </p:sp>
       <p:graphicFrame>
         <p:nvGraphicFramePr>
-          <p:cNvPr id="10" name="표 10">
-            <a:extLst>
-              <a:ext uri="{FF2B5EF4-FFF2-40B4-BE49-F238E27FC236}">
-                <a16:creationId xmlns:a16="http://schemas.microsoft.com/office/drawing/2014/main" id="{F52FFC88-0327-48E9-9F65-732C2DC6871E}"/>
+          <p:cNvPr id="9" name="표 10">
+            <a:extLst>
+              <a:ext uri="{FF2B5EF4-FFF2-40B4-BE49-F238E27FC236}">
+                <a16:creationId xmlns:a16="http://schemas.microsoft.com/office/drawing/2014/main" id="{1ACA14CC-5A0A-452B-BD44-990B19551792}"/>
               </a:ext>
             </a:extLst>
           </p:cNvPr>
@@ -3449,13 +3982,13 @@
           <p:nvPr>
             <p:extLst>
               <p:ext uri="{D42A27DB-BD31-4B8C-83A1-F6EECF244321}">
-                <p14:modId xmlns:p14="http://schemas.microsoft.com/office/powerpoint/2010/main" val="3001613393"/>
+                <p14:modId xmlns:p14="http://schemas.microsoft.com/office/powerpoint/2010/main" val="1458949083"/>
               </p:ext>
             </p:extLst>
           </p:nvPr>
         </p:nvGraphicFramePr>
         <p:xfrm>
-          <a:off x="292962" y="907341"/>
+          <a:off x="292962" y="1475508"/>
           <a:ext cx="11487705" cy="1436637"/>
         </p:xfrm>
         <a:graphic>
@@ -4151,10 +4684,10 @@
       </p:graphicFrame>
       <p:graphicFrame>
         <p:nvGraphicFramePr>
-          <p:cNvPr id="12" name="표 11">
-            <a:extLst>
-              <a:ext uri="{FF2B5EF4-FFF2-40B4-BE49-F238E27FC236}">
-                <a16:creationId xmlns:a16="http://schemas.microsoft.com/office/drawing/2014/main" id="{61551320-D963-4DB2-8BA6-7F3068912D69}"/>
+          <p:cNvPr id="10" name="표 9">
+            <a:extLst>
+              <a:ext uri="{FF2B5EF4-FFF2-40B4-BE49-F238E27FC236}">
+                <a16:creationId xmlns:a16="http://schemas.microsoft.com/office/drawing/2014/main" id="{6A5E0E08-D771-4E79-9ADF-0566233FD9B4}"/>
               </a:ext>
             </a:extLst>
           </p:cNvPr>
@@ -4164,13 +4697,13 @@
           <p:nvPr>
             <p:extLst>
               <p:ext uri="{D42A27DB-BD31-4B8C-83A1-F6EECF244321}">
-                <p14:modId xmlns:p14="http://schemas.microsoft.com/office/powerpoint/2010/main" val="283585489"/>
+                <p14:modId xmlns:p14="http://schemas.microsoft.com/office/powerpoint/2010/main" val="3229635118"/>
               </p:ext>
             </p:extLst>
           </p:nvPr>
         </p:nvGraphicFramePr>
         <p:xfrm>
-          <a:off x="292961" y="2642370"/>
+          <a:off x="292961" y="3210537"/>
           <a:ext cx="11487705" cy="1436637"/>
         </p:xfrm>
         <a:graphic>
@@ -4916,7 +5449,7 @@
     </p:spTree>
     <p:extLst>
       <p:ext uri="{BB962C8B-B14F-4D97-AF65-F5344CB8AC3E}">
-        <p14:creationId xmlns:p14="http://schemas.microsoft.com/office/powerpoint/2010/main" val="830502702"/>
+        <p14:creationId xmlns:p14="http://schemas.microsoft.com/office/powerpoint/2010/main" val="2315671673"/>
       </p:ext>
     </p:extLst>
   </p:cSld>

--- a/Documents/사이트맵.pptx
+++ b/Documents/사이트맵.pptx
@@ -6,7 +6,8 @@
   </p:sldMasterIdLst>
   <p:sldIdLst>
     <p:sldId id="272" r:id="rId2"/>
-    <p:sldId id="273" r:id="rId3"/>
+    <p:sldId id="276" r:id="rId3"/>
+    <p:sldId id="273" r:id="rId4"/>
   </p:sldIdLst>
   <p:sldSz cx="12192000" cy="6858000"/>
   <p:notesSz cx="6858000" cy="9144000"/>
@@ -260,7 +261,7 @@
           <a:p>
             <a:fld id="{5E9156A5-F3EC-48FB-8574-275309479A4C}" type="datetimeFigureOut">
               <a:rPr lang="ko-KR" altLang="en-US" smtClean="0"/>
-              <a:t>2020-05-25</a:t>
+              <a:t>2020-05-27</a:t>
             </a:fld>
             <a:endParaRPr lang="ko-KR" altLang="en-US"/>
           </a:p>
@@ -458,7 +459,7 @@
           <a:p>
             <a:fld id="{5E9156A5-F3EC-48FB-8574-275309479A4C}" type="datetimeFigureOut">
               <a:rPr lang="ko-KR" altLang="en-US" smtClean="0"/>
-              <a:t>2020-05-25</a:t>
+              <a:t>2020-05-27</a:t>
             </a:fld>
             <a:endParaRPr lang="ko-KR" altLang="en-US"/>
           </a:p>
@@ -666,7 +667,7 @@
           <a:p>
             <a:fld id="{5E9156A5-F3EC-48FB-8574-275309479A4C}" type="datetimeFigureOut">
               <a:rPr lang="ko-KR" altLang="en-US" smtClean="0"/>
-              <a:t>2020-05-25</a:t>
+              <a:t>2020-05-27</a:t>
             </a:fld>
             <a:endParaRPr lang="ko-KR" altLang="en-US"/>
           </a:p>
@@ -864,7 +865,7 @@
           <a:p>
             <a:fld id="{5E9156A5-F3EC-48FB-8574-275309479A4C}" type="datetimeFigureOut">
               <a:rPr lang="ko-KR" altLang="en-US" smtClean="0"/>
-              <a:t>2020-05-25</a:t>
+              <a:t>2020-05-27</a:t>
             </a:fld>
             <a:endParaRPr lang="ko-KR" altLang="en-US"/>
           </a:p>
@@ -1139,7 +1140,7 @@
           <a:p>
             <a:fld id="{5E9156A5-F3EC-48FB-8574-275309479A4C}" type="datetimeFigureOut">
               <a:rPr lang="ko-KR" altLang="en-US" smtClean="0"/>
-              <a:t>2020-05-25</a:t>
+              <a:t>2020-05-27</a:t>
             </a:fld>
             <a:endParaRPr lang="ko-KR" altLang="en-US"/>
           </a:p>
@@ -1404,7 +1405,7 @@
           <a:p>
             <a:fld id="{5E9156A5-F3EC-48FB-8574-275309479A4C}" type="datetimeFigureOut">
               <a:rPr lang="ko-KR" altLang="en-US" smtClean="0"/>
-              <a:t>2020-05-25</a:t>
+              <a:t>2020-05-27</a:t>
             </a:fld>
             <a:endParaRPr lang="ko-KR" altLang="en-US"/>
           </a:p>
@@ -1816,7 +1817,7 @@
           <a:p>
             <a:fld id="{5E9156A5-F3EC-48FB-8574-275309479A4C}" type="datetimeFigureOut">
               <a:rPr lang="ko-KR" altLang="en-US" smtClean="0"/>
-              <a:t>2020-05-25</a:t>
+              <a:t>2020-05-27</a:t>
             </a:fld>
             <a:endParaRPr lang="ko-KR" altLang="en-US"/>
           </a:p>
@@ -1957,7 +1958,7 @@
           <a:p>
             <a:fld id="{5E9156A5-F3EC-48FB-8574-275309479A4C}" type="datetimeFigureOut">
               <a:rPr lang="ko-KR" altLang="en-US" smtClean="0"/>
-              <a:t>2020-05-25</a:t>
+              <a:t>2020-05-27</a:t>
             </a:fld>
             <a:endParaRPr lang="ko-KR" altLang="en-US"/>
           </a:p>
@@ -2070,7 +2071,7 @@
           <a:p>
             <a:fld id="{5E9156A5-F3EC-48FB-8574-275309479A4C}" type="datetimeFigureOut">
               <a:rPr lang="ko-KR" altLang="en-US" smtClean="0"/>
-              <a:t>2020-05-25</a:t>
+              <a:t>2020-05-27</a:t>
             </a:fld>
             <a:endParaRPr lang="ko-KR" altLang="en-US"/>
           </a:p>
@@ -2381,7 +2382,7 @@
           <a:p>
             <a:fld id="{5E9156A5-F3EC-48FB-8574-275309479A4C}" type="datetimeFigureOut">
               <a:rPr lang="ko-KR" altLang="en-US" smtClean="0"/>
-              <a:t>2020-05-25</a:t>
+              <a:t>2020-05-27</a:t>
             </a:fld>
             <a:endParaRPr lang="ko-KR" altLang="en-US"/>
           </a:p>
@@ -2669,7 +2670,7 @@
           <a:p>
             <a:fld id="{5E9156A5-F3EC-48FB-8574-275309479A4C}" type="datetimeFigureOut">
               <a:rPr lang="ko-KR" altLang="en-US" smtClean="0"/>
-              <a:t>2020-05-25</a:t>
+              <a:t>2020-05-27</a:t>
             </a:fld>
             <a:endParaRPr lang="ko-KR" altLang="en-US"/>
           </a:p>
@@ -2910,7 +2911,7 @@
           <a:p>
             <a:fld id="{5E9156A5-F3EC-48FB-8574-275309479A4C}" type="datetimeFigureOut">
               <a:rPr lang="ko-KR" altLang="en-US" smtClean="0"/>
-              <a:t>2020-05-25</a:t>
+              <a:t>2020-05-27</a:t>
             </a:fld>
             <a:endParaRPr lang="ko-KR" altLang="en-US"/>
           </a:p>
@@ -3416,14 +3417,14 @@
           <p:nvPr>
             <p:extLst>
               <p:ext uri="{D42A27DB-BD31-4B8C-83A1-F6EECF244321}">
-                <p14:modId xmlns:p14="http://schemas.microsoft.com/office/powerpoint/2010/main" val="2607507504"/>
+                <p14:modId xmlns:p14="http://schemas.microsoft.com/office/powerpoint/2010/main" val="1750569827"/>
               </p:ext>
             </p:extLst>
           </p:nvPr>
         </p:nvGraphicFramePr>
         <p:xfrm>
           <a:off x="325319" y="5527236"/>
-          <a:ext cx="11550162" cy="741680"/>
+          <a:ext cx="11550164" cy="741680"/>
         </p:xfrm>
         <a:graphic>
           <a:graphicData uri="http://schemas.openxmlformats.org/drawingml/2006/table">
@@ -3432,21 +3433,28 @@
                 <a:tableStyleId>{5C22544A-7EE6-4342-B048-85BDC9FD1C3A}</a:tableStyleId>
               </a:tblPr>
               <a:tblGrid>
-                <a:gridCol w="3850054">
+                <a:gridCol w="2887541">
+                  <a:extLst>
+                    <a:ext uri="{9D8B030D-6E8A-4147-A177-3AD203B41FA5}">
+                      <a16:colId xmlns:a16="http://schemas.microsoft.com/office/drawing/2014/main" val="2952067407"/>
+                    </a:ext>
+                  </a:extLst>
+                </a:gridCol>
+                <a:gridCol w="2887541">
                   <a:extLst>
                     <a:ext uri="{9D8B030D-6E8A-4147-A177-3AD203B41FA5}">
                       <a16:colId xmlns:a16="http://schemas.microsoft.com/office/drawing/2014/main" val="4019793381"/>
                     </a:ext>
                   </a:extLst>
                 </a:gridCol>
-                <a:gridCol w="3850054">
+                <a:gridCol w="2887541">
                   <a:extLst>
                     <a:ext uri="{9D8B030D-6E8A-4147-A177-3AD203B41FA5}">
                       <a16:colId xmlns:a16="http://schemas.microsoft.com/office/drawing/2014/main" val="144326858"/>
                     </a:ext>
                   </a:extLst>
                 </a:gridCol>
-                <a:gridCol w="3850054">
+                <a:gridCol w="2887541">
                   <a:extLst>
                     <a:ext uri="{9D8B030D-6E8A-4147-A177-3AD203B41FA5}">
                       <a16:colId xmlns:a16="http://schemas.microsoft.com/office/drawing/2014/main" val="3945122818"/>
@@ -3467,15 +3475,7 @@
                             <a:schemeClr val="tx1"/>
                           </a:solidFill>
                         </a:rPr>
-                        <a:t>Document</a:t>
-                      </a:r>
-                      <a:r>
-                        <a:rPr lang="en-US" altLang="ko-KR" baseline="0" dirty="0">
-                          <a:solidFill>
-                            <a:schemeClr val="tx1"/>
-                          </a:solidFill>
-                        </a:rPr>
-                        <a:t> Version</a:t>
+                        <a:t>Document Name</a:t>
                       </a:r>
                       <a:endParaRPr lang="ko-KR" altLang="en-US" dirty="0">
                         <a:solidFill>
@@ -3487,6 +3487,79 @@
                   <a:tcPr>
                     <a:lnL w="12700" cap="flat" cmpd="sng" algn="ctr">
                       <a:noFill/>
+                      <a:prstDash val="solid"/>
+                      <a:round/>
+                      <a:headEnd type="none" w="med" len="med"/>
+                      <a:tailEnd type="none" w="med" len="med"/>
+                    </a:lnL>
+                    <a:lnR w="12700" cap="flat" cmpd="sng" algn="ctr">
+                      <a:solidFill>
+                        <a:schemeClr val="tx1"/>
+                      </a:solidFill>
+                      <a:prstDash val="solid"/>
+                      <a:round/>
+                      <a:headEnd type="none" w="med" len="med"/>
+                      <a:tailEnd type="none" w="med" len="med"/>
+                    </a:lnR>
+                    <a:lnT w="12700" cap="flat" cmpd="sng" algn="ctr">
+                      <a:solidFill>
+                        <a:schemeClr val="tx1"/>
+                      </a:solidFill>
+                      <a:prstDash val="solid"/>
+                      <a:round/>
+                      <a:headEnd type="none" w="med" len="med"/>
+                      <a:tailEnd type="none" w="med" len="med"/>
+                    </a:lnT>
+                    <a:lnB w="12700" cap="flat" cmpd="sng" algn="ctr">
+                      <a:solidFill>
+                        <a:schemeClr val="tx1"/>
+                      </a:solidFill>
+                      <a:prstDash val="solid"/>
+                      <a:round/>
+                      <a:headEnd type="none" w="med" len="med"/>
+                      <a:tailEnd type="none" w="med" len="med"/>
+                    </a:lnB>
+                    <a:solidFill>
+                      <a:schemeClr val="bg1">
+                        <a:lumMod val="85000"/>
+                      </a:schemeClr>
+                    </a:solidFill>
+                  </a:tcPr>
+                </a:tc>
+                <a:tc>
+                  <a:txBody>
+                    <a:bodyPr/>
+                    <a:lstStyle/>
+                    <a:p>
+                      <a:pPr algn="ctr" latinLnBrk="1"/>
+                      <a:r>
+                        <a:rPr lang="en-US" altLang="ko-KR" dirty="0">
+                          <a:solidFill>
+                            <a:schemeClr val="tx1"/>
+                          </a:solidFill>
+                        </a:rPr>
+                        <a:t>Document</a:t>
+                      </a:r>
+                      <a:r>
+                        <a:rPr lang="en-US" altLang="ko-KR" baseline="0" dirty="0">
+                          <a:solidFill>
+                            <a:schemeClr val="tx1"/>
+                          </a:solidFill>
+                        </a:rPr>
+                        <a:t> Version</a:t>
+                      </a:r>
+                      <a:endParaRPr lang="ko-KR" altLang="en-US" dirty="0">
+                        <a:solidFill>
+                          <a:schemeClr val="tx1"/>
+                        </a:solidFill>
+                      </a:endParaRPr>
+                    </a:p>
+                  </a:txBody>
+                  <a:tcPr>
+                    <a:lnL w="12700" cap="flat" cmpd="sng" algn="ctr">
+                      <a:solidFill>
+                        <a:schemeClr val="tx1"/>
+                      </a:solidFill>
                       <a:prstDash val="solid"/>
                       <a:round/>
                       <a:headEnd type="none" w="med" len="med"/>
@@ -3668,8 +3741,8 @@
                     <a:p>
                       <a:pPr algn="ctr" latinLnBrk="1"/>
                       <a:r>
-                        <a:rPr lang="en-US" altLang="ko-KR" dirty="0"/>
-                        <a:t>0.1</a:t>
+                        <a:rPr lang="ko-KR" altLang="en-US" dirty="0" err="1"/>
+                        <a:t>사이트맵</a:t>
                       </a:r>
                       <a:endParaRPr lang="ko-KR" altLang="en-US" dirty="0"/>
                     </a:p>
@@ -3720,7 +3793,60 @@
                       <a:pPr algn="ctr" latinLnBrk="1"/>
                       <a:r>
                         <a:rPr lang="en-US" altLang="ko-KR" dirty="0"/>
-                        <a:t>2020-05-14</a:t>
+                        <a:t>0.2</a:t>
+                      </a:r>
+                      <a:endParaRPr lang="ko-KR" altLang="en-US" dirty="0"/>
+                    </a:p>
+                  </a:txBody>
+                  <a:tcPr>
+                    <a:lnL w="12700" cap="flat" cmpd="sng" algn="ctr">
+                      <a:solidFill>
+                        <a:schemeClr val="tx1"/>
+                      </a:solidFill>
+                      <a:prstDash val="solid"/>
+                      <a:round/>
+                      <a:headEnd type="none" w="med" len="med"/>
+                      <a:tailEnd type="none" w="med" len="med"/>
+                    </a:lnL>
+                    <a:lnR w="12700" cap="flat" cmpd="sng" algn="ctr">
+                      <a:solidFill>
+                        <a:schemeClr val="tx1"/>
+                      </a:solidFill>
+                      <a:prstDash val="solid"/>
+                      <a:round/>
+                      <a:headEnd type="none" w="med" len="med"/>
+                      <a:tailEnd type="none" w="med" len="med"/>
+                    </a:lnR>
+                    <a:lnT w="12700" cap="flat" cmpd="sng" algn="ctr">
+                      <a:solidFill>
+                        <a:schemeClr val="tx1"/>
+                      </a:solidFill>
+                      <a:prstDash val="solid"/>
+                      <a:round/>
+                      <a:headEnd type="none" w="med" len="med"/>
+                      <a:tailEnd type="none" w="med" len="med"/>
+                    </a:lnT>
+                    <a:lnB w="12700" cap="flat" cmpd="sng" algn="ctr">
+                      <a:solidFill>
+                        <a:schemeClr val="tx1"/>
+                      </a:solidFill>
+                      <a:prstDash val="solid"/>
+                      <a:round/>
+                      <a:headEnd type="none" w="med" len="med"/>
+                      <a:tailEnd type="none" w="med" len="med"/>
+                    </a:lnB>
+                    <a:noFill/>
+                  </a:tcPr>
+                </a:tc>
+                <a:tc>
+                  <a:txBody>
+                    <a:bodyPr/>
+                    <a:lstStyle/>
+                    <a:p>
+                      <a:pPr algn="ctr" latinLnBrk="1"/>
+                      <a:r>
+                        <a:rPr lang="en-US" altLang="ko-KR" dirty="0"/>
+                        <a:t>2020-05-27</a:t>
                       </a:r>
                       <a:endParaRPr lang="ko-KR" altLang="en-US" dirty="0"/>
                     </a:p>
@@ -3933,6 +4059,2413 @@
       </p:sp>
       <p:sp>
         <p:nvSpPr>
+          <p:cNvPr id="8" name="TextBox 7"/>
+          <p:cNvSpPr txBox="1"/>
+          <p:nvPr/>
+        </p:nvSpPr>
+        <p:spPr>
+          <a:xfrm>
+            <a:off x="1227993" y="237392"/>
+            <a:ext cx="4749121" cy="707886"/>
+          </a:xfrm>
+          <a:prstGeom prst="rect">
+            <a:avLst/>
+          </a:prstGeom>
+          <a:noFill/>
+        </p:spPr>
+        <p:txBody>
+          <a:bodyPr wrap="square" rtlCol="0">
+            <a:spAutoFit/>
+          </a:bodyPr>
+          <a:lstStyle/>
+          <a:p>
+            <a:r>
+              <a:rPr lang="en-US" altLang="ko-KR" sz="4000" b="1" dirty="0"/>
+              <a:t>Document History</a:t>
+            </a:r>
+            <a:endParaRPr lang="ko-KR" altLang="en-US" sz="4000" b="1" dirty="0"/>
+          </a:p>
+        </p:txBody>
+      </p:sp>
+      <p:graphicFrame>
+        <p:nvGraphicFramePr>
+          <p:cNvPr id="6" name="표 5"/>
+          <p:cNvGraphicFramePr>
+            <a:graphicFrameLocks noGrp="1"/>
+          </p:cNvGraphicFramePr>
+          <p:nvPr>
+            <p:extLst>
+              <p:ext uri="{D42A27DB-BD31-4B8C-83A1-F6EECF244321}">
+                <p14:modId xmlns:p14="http://schemas.microsoft.com/office/powerpoint/2010/main" val="722918080"/>
+              </p:ext>
+            </p:extLst>
+          </p:nvPr>
+        </p:nvGraphicFramePr>
+        <p:xfrm>
+          <a:off x="219403" y="1485899"/>
+          <a:ext cx="11884673" cy="1112520"/>
+        </p:xfrm>
+        <a:graphic>
+          <a:graphicData uri="http://schemas.openxmlformats.org/drawingml/2006/table">
+            <a:tbl>
+              <a:tblPr firstRow="1" bandRow="1">
+                <a:tableStyleId>{5C22544A-7EE6-4342-B048-85BDC9FD1C3A}</a:tableStyleId>
+              </a:tblPr>
+              <a:tblGrid>
+                <a:gridCol w="2492016">
+                  <a:extLst>
+                    <a:ext uri="{9D8B030D-6E8A-4147-A177-3AD203B41FA5}">
+                      <a16:colId xmlns:a16="http://schemas.microsoft.com/office/drawing/2014/main" val="1146555182"/>
+                    </a:ext>
+                  </a:extLst>
+                </a:gridCol>
+                <a:gridCol w="4724452">
+                  <a:extLst>
+                    <a:ext uri="{9D8B030D-6E8A-4147-A177-3AD203B41FA5}">
+                      <a16:colId xmlns:a16="http://schemas.microsoft.com/office/drawing/2014/main" val="1783202403"/>
+                    </a:ext>
+                  </a:extLst>
+                </a:gridCol>
+                <a:gridCol w="2453080">
+                  <a:extLst>
+                    <a:ext uri="{9D8B030D-6E8A-4147-A177-3AD203B41FA5}">
+                      <a16:colId xmlns:a16="http://schemas.microsoft.com/office/drawing/2014/main" val="3182021886"/>
+                    </a:ext>
+                  </a:extLst>
+                </a:gridCol>
+                <a:gridCol w="2215125">
+                  <a:extLst>
+                    <a:ext uri="{9D8B030D-6E8A-4147-A177-3AD203B41FA5}">
+                      <a16:colId xmlns:a16="http://schemas.microsoft.com/office/drawing/2014/main" val="1635392293"/>
+                    </a:ext>
+                  </a:extLst>
+                </a:gridCol>
+              </a:tblGrid>
+              <a:tr h="370840">
+                <a:tc gridSpan="4">
+                  <a:txBody>
+                    <a:bodyPr/>
+                    <a:lstStyle/>
+                    <a:p>
+                      <a:pPr algn="ctr" latinLnBrk="1"/>
+                      <a:r>
+                        <a:rPr lang="en-US" altLang="ko-KR" dirty="0">
+                          <a:solidFill>
+                            <a:schemeClr val="tx1"/>
+                          </a:solidFill>
+                        </a:rPr>
+                        <a:t>Storyboard</a:t>
+                      </a:r>
+                      <a:endParaRPr lang="ko-KR" altLang="en-US" dirty="0">
+                        <a:solidFill>
+                          <a:schemeClr val="tx1"/>
+                        </a:solidFill>
+                      </a:endParaRPr>
+                    </a:p>
+                  </a:txBody>
+                  <a:tcPr>
+                    <a:lnL w="12700" cap="flat" cmpd="sng" algn="ctr">
+                      <a:solidFill>
+                        <a:schemeClr val="tx1"/>
+                      </a:solidFill>
+                      <a:prstDash val="solid"/>
+                      <a:round/>
+                      <a:headEnd type="none" w="med" len="med"/>
+                      <a:tailEnd type="none" w="med" len="med"/>
+                    </a:lnL>
+                    <a:lnR w="12700" cap="flat" cmpd="sng" algn="ctr">
+                      <a:noFill/>
+                      <a:prstDash val="solid"/>
+                      <a:round/>
+                      <a:headEnd type="none" w="med" len="med"/>
+                      <a:tailEnd type="none" w="med" len="med"/>
+                    </a:lnR>
+                    <a:lnT w="12700" cap="flat" cmpd="sng" algn="ctr">
+                      <a:solidFill>
+                        <a:schemeClr val="tx1"/>
+                      </a:solidFill>
+                      <a:prstDash val="solid"/>
+                      <a:round/>
+                      <a:headEnd type="none" w="med" len="med"/>
+                      <a:tailEnd type="none" w="med" len="med"/>
+                    </a:lnT>
+                    <a:lnB w="12700" cap="flat" cmpd="sng" algn="ctr">
+                      <a:solidFill>
+                        <a:schemeClr val="tx1"/>
+                      </a:solidFill>
+                      <a:prstDash val="solid"/>
+                      <a:round/>
+                      <a:headEnd type="none" w="med" len="med"/>
+                      <a:tailEnd type="none" w="med" len="med"/>
+                    </a:lnB>
+                    <a:solidFill>
+                      <a:schemeClr val="bg1">
+                        <a:lumMod val="85000"/>
+                      </a:schemeClr>
+                    </a:solidFill>
+                  </a:tcPr>
+                </a:tc>
+                <a:tc hMerge="1">
+                  <a:txBody>
+                    <a:bodyPr/>
+                    <a:lstStyle/>
+                    <a:p>
+                      <a:pPr latinLnBrk="1"/>
+                      <a:endParaRPr lang="ko-KR" altLang="en-US" dirty="0"/>
+                    </a:p>
+                  </a:txBody>
+                  <a:tcPr>
+                    <a:lnL w="12700" cap="flat" cmpd="sng" algn="ctr">
+                      <a:solidFill>
+                        <a:schemeClr val="tx1"/>
+                      </a:solidFill>
+                      <a:prstDash val="solid"/>
+                      <a:round/>
+                      <a:headEnd type="none" w="med" len="med"/>
+                      <a:tailEnd type="none" w="med" len="med"/>
+                    </a:lnL>
+                    <a:lnR w="12700" cap="flat" cmpd="sng" algn="ctr">
+                      <a:solidFill>
+                        <a:schemeClr val="tx1"/>
+                      </a:solidFill>
+                      <a:prstDash val="solid"/>
+                      <a:round/>
+                      <a:headEnd type="none" w="med" len="med"/>
+                      <a:tailEnd type="none" w="med" len="med"/>
+                    </a:lnR>
+                    <a:lnT w="12700" cap="flat" cmpd="sng" algn="ctr">
+                      <a:solidFill>
+                        <a:schemeClr val="tx1"/>
+                      </a:solidFill>
+                      <a:prstDash val="solid"/>
+                      <a:round/>
+                      <a:headEnd type="none" w="med" len="med"/>
+                      <a:tailEnd type="none" w="med" len="med"/>
+                    </a:lnT>
+                    <a:lnB w="12700" cap="flat" cmpd="sng" algn="ctr">
+                      <a:solidFill>
+                        <a:schemeClr val="tx1"/>
+                      </a:solidFill>
+                      <a:prstDash val="solid"/>
+                      <a:round/>
+                      <a:headEnd type="none" w="med" len="med"/>
+                      <a:tailEnd type="none" w="med" len="med"/>
+                    </a:lnB>
+                    <a:noFill/>
+                  </a:tcPr>
+                </a:tc>
+                <a:tc hMerge="1">
+                  <a:txBody>
+                    <a:bodyPr/>
+                    <a:lstStyle/>
+                    <a:p>
+                      <a:pPr latinLnBrk="1"/>
+                      <a:endParaRPr lang="ko-KR" altLang="en-US" dirty="0"/>
+                    </a:p>
+                  </a:txBody>
+                  <a:tcPr>
+                    <a:lnL w="12700" cap="flat" cmpd="sng" algn="ctr">
+                      <a:solidFill>
+                        <a:schemeClr val="tx1"/>
+                      </a:solidFill>
+                      <a:prstDash val="solid"/>
+                      <a:round/>
+                      <a:headEnd type="none" w="med" len="med"/>
+                      <a:tailEnd type="none" w="med" len="med"/>
+                    </a:lnL>
+                    <a:lnR w="12700" cap="flat" cmpd="sng" algn="ctr">
+                      <a:solidFill>
+                        <a:schemeClr val="tx1"/>
+                      </a:solidFill>
+                      <a:prstDash val="solid"/>
+                      <a:round/>
+                      <a:headEnd type="none" w="med" len="med"/>
+                      <a:tailEnd type="none" w="med" len="med"/>
+                    </a:lnR>
+                    <a:lnT w="12700" cap="flat" cmpd="sng" algn="ctr">
+                      <a:solidFill>
+                        <a:schemeClr val="tx1"/>
+                      </a:solidFill>
+                      <a:prstDash val="solid"/>
+                      <a:round/>
+                      <a:headEnd type="none" w="med" len="med"/>
+                      <a:tailEnd type="none" w="med" len="med"/>
+                    </a:lnT>
+                    <a:lnB w="12700" cap="flat" cmpd="sng" algn="ctr">
+                      <a:solidFill>
+                        <a:schemeClr val="tx1"/>
+                      </a:solidFill>
+                      <a:prstDash val="solid"/>
+                      <a:round/>
+                      <a:headEnd type="none" w="med" len="med"/>
+                      <a:tailEnd type="none" w="med" len="med"/>
+                    </a:lnB>
+                    <a:noFill/>
+                  </a:tcPr>
+                </a:tc>
+                <a:tc hMerge="1">
+                  <a:txBody>
+                    <a:bodyPr/>
+                    <a:lstStyle/>
+                    <a:p>
+                      <a:pPr latinLnBrk="1"/>
+                      <a:endParaRPr lang="ko-KR" altLang="en-US" dirty="0"/>
+                    </a:p>
+                  </a:txBody>
+                  <a:tcPr>
+                    <a:lnL w="12700" cap="flat" cmpd="sng" algn="ctr">
+                      <a:solidFill>
+                        <a:schemeClr val="tx1"/>
+                      </a:solidFill>
+                      <a:prstDash val="solid"/>
+                      <a:round/>
+                      <a:headEnd type="none" w="med" len="med"/>
+                      <a:tailEnd type="none" w="med" len="med"/>
+                    </a:lnL>
+                    <a:lnR w="12700" cap="flat" cmpd="sng" algn="ctr">
+                      <a:solidFill>
+                        <a:schemeClr val="tx1"/>
+                      </a:solidFill>
+                      <a:prstDash val="solid"/>
+                      <a:round/>
+                      <a:headEnd type="none" w="med" len="med"/>
+                      <a:tailEnd type="none" w="med" len="med"/>
+                    </a:lnR>
+                    <a:lnT w="12700" cap="flat" cmpd="sng" algn="ctr">
+                      <a:solidFill>
+                        <a:schemeClr val="tx1"/>
+                      </a:solidFill>
+                      <a:prstDash val="solid"/>
+                      <a:round/>
+                      <a:headEnd type="none" w="med" len="med"/>
+                      <a:tailEnd type="none" w="med" len="med"/>
+                    </a:lnT>
+                    <a:lnB w="12700" cap="flat" cmpd="sng" algn="ctr">
+                      <a:solidFill>
+                        <a:schemeClr val="tx1"/>
+                      </a:solidFill>
+                      <a:prstDash val="solid"/>
+                      <a:round/>
+                      <a:headEnd type="none" w="med" len="med"/>
+                      <a:tailEnd type="none" w="med" len="med"/>
+                    </a:lnB>
+                    <a:noFill/>
+                  </a:tcPr>
+                </a:tc>
+                <a:extLst>
+                  <a:ext uri="{0D108BD9-81ED-4DB2-BD59-A6C34878D82A}">
+                    <a16:rowId xmlns:a16="http://schemas.microsoft.com/office/drawing/2014/main" val="1411856405"/>
+                  </a:ext>
+                </a:extLst>
+              </a:tr>
+              <a:tr h="370840">
+                <a:tc>
+                  <a:txBody>
+                    <a:bodyPr/>
+                    <a:lstStyle/>
+                    <a:p>
+                      <a:pPr algn="ctr" latinLnBrk="1"/>
+                      <a:r>
+                        <a:rPr lang="ko-KR" altLang="en-US" sz="1600" dirty="0">
+                          <a:solidFill>
+                            <a:schemeClr val="tx1"/>
+                          </a:solidFill>
+                        </a:rPr>
+                        <a:t>문서 명</a:t>
+                      </a:r>
+                    </a:p>
+                  </a:txBody>
+                  <a:tcPr>
+                    <a:lnL w="12700" cap="flat" cmpd="sng" algn="ctr">
+                      <a:solidFill>
+                        <a:schemeClr val="tx1"/>
+                      </a:solidFill>
+                      <a:prstDash val="solid"/>
+                      <a:round/>
+                      <a:headEnd type="none" w="med" len="med"/>
+                      <a:tailEnd type="none" w="med" len="med"/>
+                    </a:lnL>
+                    <a:lnR w="12700" cap="flat" cmpd="sng" algn="ctr">
+                      <a:solidFill>
+                        <a:schemeClr val="tx1"/>
+                      </a:solidFill>
+                      <a:prstDash val="solid"/>
+                      <a:round/>
+                      <a:headEnd type="none" w="med" len="med"/>
+                      <a:tailEnd type="none" w="med" len="med"/>
+                    </a:lnR>
+                    <a:lnT w="12700" cap="flat" cmpd="sng" algn="ctr">
+                      <a:solidFill>
+                        <a:schemeClr val="tx1"/>
+                      </a:solidFill>
+                      <a:prstDash val="solid"/>
+                      <a:round/>
+                      <a:headEnd type="none" w="med" len="med"/>
+                      <a:tailEnd type="none" w="med" len="med"/>
+                    </a:lnT>
+                    <a:lnB w="12700" cap="flat" cmpd="sng" algn="ctr">
+                      <a:solidFill>
+                        <a:schemeClr val="tx1"/>
+                      </a:solidFill>
+                      <a:prstDash val="solid"/>
+                      <a:round/>
+                      <a:headEnd type="none" w="med" len="med"/>
+                      <a:tailEnd type="none" w="med" len="med"/>
+                    </a:lnB>
+                    <a:noFill/>
+                  </a:tcPr>
+                </a:tc>
+                <a:tc>
+                  <a:txBody>
+                    <a:bodyPr/>
+                    <a:lstStyle/>
+                    <a:p>
+                      <a:pPr algn="ctr" latinLnBrk="1"/>
+                      <a:r>
+                        <a:rPr lang="ko-KR" altLang="en-US" sz="1600" dirty="0" err="1">
+                          <a:solidFill>
+                            <a:schemeClr val="tx1"/>
+                          </a:solidFill>
+                        </a:rPr>
+                        <a:t>사이트맵</a:t>
+                      </a:r>
+                      <a:endParaRPr lang="ko-KR" altLang="en-US" sz="1600" dirty="0">
+                        <a:solidFill>
+                          <a:schemeClr val="tx1"/>
+                        </a:solidFill>
+                      </a:endParaRPr>
+                    </a:p>
+                  </a:txBody>
+                  <a:tcPr>
+                    <a:lnL w="12700" cap="flat" cmpd="sng" algn="ctr">
+                      <a:solidFill>
+                        <a:schemeClr val="tx1"/>
+                      </a:solidFill>
+                      <a:prstDash val="solid"/>
+                      <a:round/>
+                      <a:headEnd type="none" w="med" len="med"/>
+                      <a:tailEnd type="none" w="med" len="med"/>
+                    </a:lnL>
+                    <a:lnR w="12700" cap="flat" cmpd="sng" algn="ctr">
+                      <a:solidFill>
+                        <a:schemeClr val="tx1"/>
+                      </a:solidFill>
+                      <a:prstDash val="solid"/>
+                      <a:round/>
+                      <a:headEnd type="none" w="med" len="med"/>
+                      <a:tailEnd type="none" w="med" len="med"/>
+                    </a:lnR>
+                    <a:lnT w="12700" cap="flat" cmpd="sng" algn="ctr">
+                      <a:solidFill>
+                        <a:schemeClr val="tx1"/>
+                      </a:solidFill>
+                      <a:prstDash val="solid"/>
+                      <a:round/>
+                      <a:headEnd type="none" w="med" len="med"/>
+                      <a:tailEnd type="none" w="med" len="med"/>
+                    </a:lnT>
+                    <a:lnB w="12700" cap="flat" cmpd="sng" algn="ctr">
+                      <a:solidFill>
+                        <a:schemeClr val="tx1"/>
+                      </a:solidFill>
+                      <a:prstDash val="solid"/>
+                      <a:round/>
+                      <a:headEnd type="none" w="med" len="med"/>
+                      <a:tailEnd type="none" w="med" len="med"/>
+                    </a:lnB>
+                    <a:noFill/>
+                  </a:tcPr>
+                </a:tc>
+                <a:tc>
+                  <a:txBody>
+                    <a:bodyPr/>
+                    <a:lstStyle/>
+                    <a:p>
+                      <a:pPr algn="ctr" latinLnBrk="1"/>
+                      <a:r>
+                        <a:rPr lang="ko-KR" altLang="en-US" sz="1600" dirty="0">
+                          <a:solidFill>
+                            <a:schemeClr val="tx1"/>
+                          </a:solidFill>
+                        </a:rPr>
+                        <a:t>작성일</a:t>
+                      </a:r>
+                    </a:p>
+                  </a:txBody>
+                  <a:tcPr>
+                    <a:lnL w="12700" cap="flat" cmpd="sng" algn="ctr">
+                      <a:solidFill>
+                        <a:schemeClr val="tx1"/>
+                      </a:solidFill>
+                      <a:prstDash val="solid"/>
+                      <a:round/>
+                      <a:headEnd type="none" w="med" len="med"/>
+                      <a:tailEnd type="none" w="med" len="med"/>
+                    </a:lnL>
+                    <a:lnR w="12700" cap="flat" cmpd="sng" algn="ctr">
+                      <a:solidFill>
+                        <a:schemeClr val="tx1"/>
+                      </a:solidFill>
+                      <a:prstDash val="solid"/>
+                      <a:round/>
+                      <a:headEnd type="none" w="med" len="med"/>
+                      <a:tailEnd type="none" w="med" len="med"/>
+                    </a:lnR>
+                    <a:lnT w="12700" cap="flat" cmpd="sng" algn="ctr">
+                      <a:solidFill>
+                        <a:schemeClr val="tx1"/>
+                      </a:solidFill>
+                      <a:prstDash val="solid"/>
+                      <a:round/>
+                      <a:headEnd type="none" w="med" len="med"/>
+                      <a:tailEnd type="none" w="med" len="med"/>
+                    </a:lnT>
+                    <a:lnB w="12700" cap="flat" cmpd="sng" algn="ctr">
+                      <a:solidFill>
+                        <a:schemeClr val="tx1"/>
+                      </a:solidFill>
+                      <a:prstDash val="solid"/>
+                      <a:round/>
+                      <a:headEnd type="none" w="med" len="med"/>
+                      <a:tailEnd type="none" w="med" len="med"/>
+                    </a:lnB>
+                    <a:noFill/>
+                  </a:tcPr>
+                </a:tc>
+                <a:tc>
+                  <a:txBody>
+                    <a:bodyPr/>
+                    <a:lstStyle/>
+                    <a:p>
+                      <a:pPr algn="ctr" latinLnBrk="1"/>
+                      <a:r>
+                        <a:rPr lang="en-US" altLang="ko-KR" sz="1600" dirty="0">
+                          <a:solidFill>
+                            <a:schemeClr val="tx1"/>
+                          </a:solidFill>
+                        </a:rPr>
+                        <a:t>2020-05-27</a:t>
+                      </a:r>
+                      <a:endParaRPr lang="ko-KR" altLang="en-US" sz="1600" dirty="0">
+                        <a:solidFill>
+                          <a:schemeClr val="tx1"/>
+                        </a:solidFill>
+                      </a:endParaRPr>
+                    </a:p>
+                  </a:txBody>
+                  <a:tcPr>
+                    <a:lnL w="12700" cap="flat" cmpd="sng" algn="ctr">
+                      <a:solidFill>
+                        <a:schemeClr val="tx1"/>
+                      </a:solidFill>
+                      <a:prstDash val="solid"/>
+                      <a:round/>
+                      <a:headEnd type="none" w="med" len="med"/>
+                      <a:tailEnd type="none" w="med" len="med"/>
+                    </a:lnL>
+                    <a:lnR w="12700" cap="flat" cmpd="sng" algn="ctr">
+                      <a:noFill/>
+                      <a:prstDash val="solid"/>
+                      <a:round/>
+                      <a:headEnd type="none" w="med" len="med"/>
+                      <a:tailEnd type="none" w="med" len="med"/>
+                    </a:lnR>
+                    <a:lnT w="12700" cap="flat" cmpd="sng" algn="ctr">
+                      <a:solidFill>
+                        <a:schemeClr val="tx1"/>
+                      </a:solidFill>
+                      <a:prstDash val="solid"/>
+                      <a:round/>
+                      <a:headEnd type="none" w="med" len="med"/>
+                      <a:tailEnd type="none" w="med" len="med"/>
+                    </a:lnT>
+                    <a:lnB w="12700" cap="flat" cmpd="sng" algn="ctr">
+                      <a:solidFill>
+                        <a:schemeClr val="tx1"/>
+                      </a:solidFill>
+                      <a:prstDash val="solid"/>
+                      <a:round/>
+                      <a:headEnd type="none" w="med" len="med"/>
+                      <a:tailEnd type="none" w="med" len="med"/>
+                    </a:lnB>
+                    <a:noFill/>
+                  </a:tcPr>
+                </a:tc>
+                <a:extLst>
+                  <a:ext uri="{0D108BD9-81ED-4DB2-BD59-A6C34878D82A}">
+                    <a16:rowId xmlns:a16="http://schemas.microsoft.com/office/drawing/2014/main" val="1508986795"/>
+                  </a:ext>
+                </a:extLst>
+              </a:tr>
+              <a:tr h="370840">
+                <a:tc>
+                  <a:txBody>
+                    <a:bodyPr/>
+                    <a:lstStyle/>
+                    <a:p>
+                      <a:pPr algn="ctr" latinLnBrk="1"/>
+                      <a:r>
+                        <a:rPr lang="ko-KR" altLang="en-US" sz="1600" dirty="0">
+                          <a:solidFill>
+                            <a:schemeClr val="tx1"/>
+                          </a:solidFill>
+                        </a:rPr>
+                        <a:t>문서번호</a:t>
+                      </a:r>
+                    </a:p>
+                  </a:txBody>
+                  <a:tcPr>
+                    <a:lnL w="12700" cap="flat" cmpd="sng" algn="ctr">
+                      <a:solidFill>
+                        <a:schemeClr val="tx1"/>
+                      </a:solidFill>
+                      <a:prstDash val="solid"/>
+                      <a:round/>
+                      <a:headEnd type="none" w="med" len="med"/>
+                      <a:tailEnd type="none" w="med" len="med"/>
+                    </a:lnL>
+                    <a:lnR w="12700" cap="flat" cmpd="sng" algn="ctr">
+                      <a:solidFill>
+                        <a:schemeClr val="tx1"/>
+                      </a:solidFill>
+                      <a:prstDash val="solid"/>
+                      <a:round/>
+                      <a:headEnd type="none" w="med" len="med"/>
+                      <a:tailEnd type="none" w="med" len="med"/>
+                    </a:lnR>
+                    <a:lnT w="12700" cap="flat" cmpd="sng" algn="ctr">
+                      <a:solidFill>
+                        <a:schemeClr val="tx1"/>
+                      </a:solidFill>
+                      <a:prstDash val="solid"/>
+                      <a:round/>
+                      <a:headEnd type="none" w="med" len="med"/>
+                      <a:tailEnd type="none" w="med" len="med"/>
+                    </a:lnT>
+                    <a:lnB w="12700" cap="flat" cmpd="sng" algn="ctr">
+                      <a:solidFill>
+                        <a:schemeClr val="tx1"/>
+                      </a:solidFill>
+                      <a:prstDash val="solid"/>
+                      <a:round/>
+                      <a:headEnd type="none" w="med" len="med"/>
+                      <a:tailEnd type="none" w="med" len="med"/>
+                    </a:lnB>
+                    <a:noFill/>
+                  </a:tcPr>
+                </a:tc>
+                <a:tc>
+                  <a:txBody>
+                    <a:bodyPr/>
+                    <a:lstStyle/>
+                    <a:p>
+                      <a:pPr algn="ctr" latinLnBrk="1"/>
+                      <a:endParaRPr lang="ko-KR" altLang="en-US" sz="1600" dirty="0">
+                        <a:solidFill>
+                          <a:schemeClr val="tx1"/>
+                        </a:solidFill>
+                      </a:endParaRPr>
+                    </a:p>
+                  </a:txBody>
+                  <a:tcPr>
+                    <a:lnL w="12700" cap="flat" cmpd="sng" algn="ctr">
+                      <a:solidFill>
+                        <a:schemeClr val="tx1"/>
+                      </a:solidFill>
+                      <a:prstDash val="solid"/>
+                      <a:round/>
+                      <a:headEnd type="none" w="med" len="med"/>
+                      <a:tailEnd type="none" w="med" len="med"/>
+                    </a:lnL>
+                    <a:lnR w="12700" cap="flat" cmpd="sng" algn="ctr">
+                      <a:solidFill>
+                        <a:schemeClr val="tx1"/>
+                      </a:solidFill>
+                      <a:prstDash val="solid"/>
+                      <a:round/>
+                      <a:headEnd type="none" w="med" len="med"/>
+                      <a:tailEnd type="none" w="med" len="med"/>
+                    </a:lnR>
+                    <a:lnT w="12700" cap="flat" cmpd="sng" algn="ctr">
+                      <a:solidFill>
+                        <a:schemeClr val="tx1"/>
+                      </a:solidFill>
+                      <a:prstDash val="solid"/>
+                      <a:round/>
+                      <a:headEnd type="none" w="med" len="med"/>
+                      <a:tailEnd type="none" w="med" len="med"/>
+                    </a:lnT>
+                    <a:lnB w="12700" cap="flat" cmpd="sng" algn="ctr">
+                      <a:solidFill>
+                        <a:schemeClr val="tx1"/>
+                      </a:solidFill>
+                      <a:prstDash val="solid"/>
+                      <a:round/>
+                      <a:headEnd type="none" w="med" len="med"/>
+                      <a:tailEnd type="none" w="med" len="med"/>
+                    </a:lnB>
+                    <a:noFill/>
+                  </a:tcPr>
+                </a:tc>
+                <a:tc>
+                  <a:txBody>
+                    <a:bodyPr/>
+                    <a:lstStyle/>
+                    <a:p>
+                      <a:pPr algn="ctr" latinLnBrk="1"/>
+                      <a:r>
+                        <a:rPr lang="ko-KR" altLang="en-US" sz="1600" dirty="0">
+                          <a:solidFill>
+                            <a:schemeClr val="tx1"/>
+                          </a:solidFill>
+                        </a:rPr>
+                        <a:t>버 전</a:t>
+                      </a:r>
+                    </a:p>
+                  </a:txBody>
+                  <a:tcPr>
+                    <a:lnL w="12700" cap="flat" cmpd="sng" algn="ctr">
+                      <a:solidFill>
+                        <a:schemeClr val="tx1"/>
+                      </a:solidFill>
+                      <a:prstDash val="solid"/>
+                      <a:round/>
+                      <a:headEnd type="none" w="med" len="med"/>
+                      <a:tailEnd type="none" w="med" len="med"/>
+                    </a:lnL>
+                    <a:lnR w="12700" cap="flat" cmpd="sng" algn="ctr">
+                      <a:solidFill>
+                        <a:schemeClr val="tx1"/>
+                      </a:solidFill>
+                      <a:prstDash val="solid"/>
+                      <a:round/>
+                      <a:headEnd type="none" w="med" len="med"/>
+                      <a:tailEnd type="none" w="med" len="med"/>
+                    </a:lnR>
+                    <a:lnT w="12700" cap="flat" cmpd="sng" algn="ctr">
+                      <a:solidFill>
+                        <a:schemeClr val="tx1"/>
+                      </a:solidFill>
+                      <a:prstDash val="solid"/>
+                      <a:round/>
+                      <a:headEnd type="none" w="med" len="med"/>
+                      <a:tailEnd type="none" w="med" len="med"/>
+                    </a:lnT>
+                    <a:lnB w="12700" cap="flat" cmpd="sng" algn="ctr">
+                      <a:solidFill>
+                        <a:schemeClr val="tx1"/>
+                      </a:solidFill>
+                      <a:prstDash val="solid"/>
+                      <a:round/>
+                      <a:headEnd type="none" w="med" len="med"/>
+                      <a:tailEnd type="none" w="med" len="med"/>
+                    </a:lnB>
+                    <a:noFill/>
+                  </a:tcPr>
+                </a:tc>
+                <a:tc>
+                  <a:txBody>
+                    <a:bodyPr/>
+                    <a:lstStyle/>
+                    <a:p>
+                      <a:pPr algn="ctr" latinLnBrk="1"/>
+                      <a:r>
+                        <a:rPr lang="en-US" altLang="ko-KR" sz="1600" dirty="0">
+                          <a:solidFill>
+                            <a:schemeClr val="tx1"/>
+                          </a:solidFill>
+                        </a:rPr>
+                        <a:t>0.2</a:t>
+                      </a:r>
+                      <a:endParaRPr lang="ko-KR" altLang="en-US" sz="1600" dirty="0">
+                        <a:solidFill>
+                          <a:schemeClr val="tx1"/>
+                        </a:solidFill>
+                      </a:endParaRPr>
+                    </a:p>
+                  </a:txBody>
+                  <a:tcPr>
+                    <a:lnL w="12700" cap="flat" cmpd="sng" algn="ctr">
+                      <a:solidFill>
+                        <a:schemeClr val="tx1"/>
+                      </a:solidFill>
+                      <a:prstDash val="solid"/>
+                      <a:round/>
+                      <a:headEnd type="none" w="med" len="med"/>
+                      <a:tailEnd type="none" w="med" len="med"/>
+                    </a:lnL>
+                    <a:lnR w="12700" cap="flat" cmpd="sng" algn="ctr">
+                      <a:noFill/>
+                      <a:prstDash val="solid"/>
+                      <a:round/>
+                      <a:headEnd type="none" w="med" len="med"/>
+                      <a:tailEnd type="none" w="med" len="med"/>
+                    </a:lnR>
+                    <a:lnT w="12700" cap="flat" cmpd="sng" algn="ctr">
+                      <a:solidFill>
+                        <a:schemeClr val="tx1"/>
+                      </a:solidFill>
+                      <a:prstDash val="solid"/>
+                      <a:round/>
+                      <a:headEnd type="none" w="med" len="med"/>
+                      <a:tailEnd type="none" w="med" len="med"/>
+                    </a:lnT>
+                    <a:lnB w="12700" cap="flat" cmpd="sng" algn="ctr">
+                      <a:solidFill>
+                        <a:schemeClr val="tx1"/>
+                      </a:solidFill>
+                      <a:prstDash val="solid"/>
+                      <a:round/>
+                      <a:headEnd type="none" w="med" len="med"/>
+                      <a:tailEnd type="none" w="med" len="med"/>
+                    </a:lnB>
+                    <a:noFill/>
+                  </a:tcPr>
+                </a:tc>
+                <a:extLst>
+                  <a:ext uri="{0D108BD9-81ED-4DB2-BD59-A6C34878D82A}">
+                    <a16:rowId xmlns:a16="http://schemas.microsoft.com/office/drawing/2014/main" val="3730392813"/>
+                  </a:ext>
+                </a:extLst>
+              </a:tr>
+            </a:tbl>
+          </a:graphicData>
+        </a:graphic>
+      </p:graphicFrame>
+      <p:graphicFrame>
+        <p:nvGraphicFramePr>
+          <p:cNvPr id="7" name="표 6"/>
+          <p:cNvGraphicFramePr>
+            <a:graphicFrameLocks noGrp="1"/>
+          </p:cNvGraphicFramePr>
+          <p:nvPr>
+            <p:extLst>
+              <p:ext uri="{D42A27DB-BD31-4B8C-83A1-F6EECF244321}">
+                <p14:modId xmlns:p14="http://schemas.microsoft.com/office/powerpoint/2010/main" val="3247703383"/>
+              </p:ext>
+            </p:extLst>
+          </p:nvPr>
+        </p:nvGraphicFramePr>
+        <p:xfrm>
+          <a:off x="219403" y="2714092"/>
+          <a:ext cx="11884673" cy="2110705"/>
+        </p:xfrm>
+        <a:graphic>
+          <a:graphicData uri="http://schemas.openxmlformats.org/drawingml/2006/table">
+            <a:tbl>
+              <a:tblPr firstRow="1" bandRow="1">
+                <a:tableStyleId>{5C22544A-7EE6-4342-B048-85BDC9FD1C3A}</a:tableStyleId>
+              </a:tblPr>
+              <a:tblGrid>
+                <a:gridCol w="1439873">
+                  <a:extLst>
+                    <a:ext uri="{9D8B030D-6E8A-4147-A177-3AD203B41FA5}">
+                      <a16:colId xmlns:a16="http://schemas.microsoft.com/office/drawing/2014/main" val="2587860644"/>
+                    </a:ext>
+                  </a:extLst>
+                </a:gridCol>
+                <a:gridCol w="1568434">
+                  <a:extLst>
+                    <a:ext uri="{9D8B030D-6E8A-4147-A177-3AD203B41FA5}">
+                      <a16:colId xmlns:a16="http://schemas.microsoft.com/office/drawing/2014/main" val="3077660191"/>
+                    </a:ext>
+                  </a:extLst>
+                </a:gridCol>
+                <a:gridCol w="7413638">
+                  <a:extLst>
+                    <a:ext uri="{9D8B030D-6E8A-4147-A177-3AD203B41FA5}">
+                      <a16:colId xmlns:a16="http://schemas.microsoft.com/office/drawing/2014/main" val="1147936979"/>
+                    </a:ext>
+                  </a:extLst>
+                </a:gridCol>
+                <a:gridCol w="1462728">
+                  <a:extLst>
+                    <a:ext uri="{9D8B030D-6E8A-4147-A177-3AD203B41FA5}">
+                      <a16:colId xmlns:a16="http://schemas.microsoft.com/office/drawing/2014/main" val="811645528"/>
+                    </a:ext>
+                  </a:extLst>
+                </a:gridCol>
+              </a:tblGrid>
+              <a:tr h="348989">
+                <a:tc>
+                  <a:txBody>
+                    <a:bodyPr/>
+                    <a:lstStyle/>
+                    <a:p>
+                      <a:pPr algn="ctr" latinLnBrk="1"/>
+                      <a:r>
+                        <a:rPr lang="ko-KR" altLang="en-US" dirty="0">
+                          <a:solidFill>
+                            <a:schemeClr val="tx1"/>
+                          </a:solidFill>
+                        </a:rPr>
+                        <a:t>버 전</a:t>
+                      </a:r>
+                    </a:p>
+                  </a:txBody>
+                  <a:tcPr>
+                    <a:lnL w="12700" cap="flat" cmpd="sng" algn="ctr">
+                      <a:noFill/>
+                      <a:prstDash val="solid"/>
+                      <a:round/>
+                      <a:headEnd type="none" w="med" len="med"/>
+                      <a:tailEnd type="none" w="med" len="med"/>
+                    </a:lnL>
+                    <a:lnR w="12700" cap="flat" cmpd="sng" algn="ctr">
+                      <a:solidFill>
+                        <a:schemeClr val="tx1"/>
+                      </a:solidFill>
+                      <a:prstDash val="solid"/>
+                      <a:round/>
+                      <a:headEnd type="none" w="med" len="med"/>
+                      <a:tailEnd type="none" w="med" len="med"/>
+                    </a:lnR>
+                    <a:lnT w="12700" cap="flat" cmpd="sng" algn="ctr">
+                      <a:solidFill>
+                        <a:schemeClr val="tx1"/>
+                      </a:solidFill>
+                      <a:prstDash val="solid"/>
+                      <a:round/>
+                      <a:headEnd type="none" w="med" len="med"/>
+                      <a:tailEnd type="none" w="med" len="med"/>
+                    </a:lnT>
+                    <a:lnB w="12700" cap="flat" cmpd="sng" algn="ctr">
+                      <a:solidFill>
+                        <a:schemeClr val="tx1"/>
+                      </a:solidFill>
+                      <a:prstDash val="solid"/>
+                      <a:round/>
+                      <a:headEnd type="none" w="med" len="med"/>
+                      <a:tailEnd type="none" w="med" len="med"/>
+                    </a:lnB>
+                    <a:solidFill>
+                      <a:schemeClr val="bg1">
+                        <a:lumMod val="85000"/>
+                      </a:schemeClr>
+                    </a:solidFill>
+                  </a:tcPr>
+                </a:tc>
+                <a:tc>
+                  <a:txBody>
+                    <a:bodyPr/>
+                    <a:lstStyle/>
+                    <a:p>
+                      <a:pPr algn="ctr" latinLnBrk="1"/>
+                      <a:r>
+                        <a:rPr lang="ko-KR" altLang="en-US" sz="1600" dirty="0">
+                          <a:solidFill>
+                            <a:schemeClr val="tx1"/>
+                          </a:solidFill>
+                        </a:rPr>
+                        <a:t>일 자</a:t>
+                      </a:r>
+                    </a:p>
+                  </a:txBody>
+                  <a:tcPr>
+                    <a:lnL w="12700" cap="flat" cmpd="sng" algn="ctr">
+                      <a:solidFill>
+                        <a:schemeClr val="tx1"/>
+                      </a:solidFill>
+                      <a:prstDash val="solid"/>
+                      <a:round/>
+                      <a:headEnd type="none" w="med" len="med"/>
+                      <a:tailEnd type="none" w="med" len="med"/>
+                    </a:lnL>
+                    <a:lnR w="12700" cap="flat" cmpd="sng" algn="ctr">
+                      <a:solidFill>
+                        <a:schemeClr val="tx1"/>
+                      </a:solidFill>
+                      <a:prstDash val="solid"/>
+                      <a:round/>
+                      <a:headEnd type="none" w="med" len="med"/>
+                      <a:tailEnd type="none" w="med" len="med"/>
+                    </a:lnR>
+                    <a:lnT w="12700" cap="flat" cmpd="sng" algn="ctr">
+                      <a:solidFill>
+                        <a:schemeClr val="tx1"/>
+                      </a:solidFill>
+                      <a:prstDash val="solid"/>
+                      <a:round/>
+                      <a:headEnd type="none" w="med" len="med"/>
+                      <a:tailEnd type="none" w="med" len="med"/>
+                    </a:lnT>
+                    <a:lnB w="12700" cap="flat" cmpd="sng" algn="ctr">
+                      <a:solidFill>
+                        <a:schemeClr val="tx1"/>
+                      </a:solidFill>
+                      <a:prstDash val="solid"/>
+                      <a:round/>
+                      <a:headEnd type="none" w="med" len="med"/>
+                      <a:tailEnd type="none" w="med" len="med"/>
+                    </a:lnB>
+                    <a:solidFill>
+                      <a:schemeClr val="bg1">
+                        <a:lumMod val="85000"/>
+                      </a:schemeClr>
+                    </a:solidFill>
+                  </a:tcPr>
+                </a:tc>
+                <a:tc>
+                  <a:txBody>
+                    <a:bodyPr/>
+                    <a:lstStyle/>
+                    <a:p>
+                      <a:pPr algn="ctr" latinLnBrk="1"/>
+                      <a:r>
+                        <a:rPr lang="ko-KR" altLang="en-US" dirty="0">
+                          <a:solidFill>
+                            <a:schemeClr val="tx1"/>
+                          </a:solidFill>
+                        </a:rPr>
+                        <a:t>설 명</a:t>
+                      </a:r>
+                    </a:p>
+                  </a:txBody>
+                  <a:tcPr>
+                    <a:lnL w="12700" cap="flat" cmpd="sng" algn="ctr">
+                      <a:solidFill>
+                        <a:schemeClr val="tx1"/>
+                      </a:solidFill>
+                      <a:prstDash val="solid"/>
+                      <a:round/>
+                      <a:headEnd type="none" w="med" len="med"/>
+                      <a:tailEnd type="none" w="med" len="med"/>
+                    </a:lnL>
+                    <a:lnR w="12700" cap="flat" cmpd="sng" algn="ctr">
+                      <a:solidFill>
+                        <a:schemeClr val="tx1"/>
+                      </a:solidFill>
+                      <a:prstDash val="solid"/>
+                      <a:round/>
+                      <a:headEnd type="none" w="med" len="med"/>
+                      <a:tailEnd type="none" w="med" len="med"/>
+                    </a:lnR>
+                    <a:lnT w="12700" cap="flat" cmpd="sng" algn="ctr">
+                      <a:solidFill>
+                        <a:schemeClr val="tx1"/>
+                      </a:solidFill>
+                      <a:prstDash val="solid"/>
+                      <a:round/>
+                      <a:headEnd type="none" w="med" len="med"/>
+                      <a:tailEnd type="none" w="med" len="med"/>
+                    </a:lnT>
+                    <a:lnB w="12700" cap="flat" cmpd="sng" algn="ctr">
+                      <a:solidFill>
+                        <a:schemeClr val="tx1"/>
+                      </a:solidFill>
+                      <a:prstDash val="solid"/>
+                      <a:round/>
+                      <a:headEnd type="none" w="med" len="med"/>
+                      <a:tailEnd type="none" w="med" len="med"/>
+                    </a:lnB>
+                    <a:solidFill>
+                      <a:schemeClr val="bg1">
+                        <a:lumMod val="85000"/>
+                      </a:schemeClr>
+                    </a:solidFill>
+                  </a:tcPr>
+                </a:tc>
+                <a:tc>
+                  <a:txBody>
+                    <a:bodyPr/>
+                    <a:lstStyle/>
+                    <a:p>
+                      <a:pPr algn="ctr" latinLnBrk="1"/>
+                      <a:r>
+                        <a:rPr lang="ko-KR" altLang="en-US" sz="1600" dirty="0">
+                          <a:solidFill>
+                            <a:schemeClr val="tx1"/>
+                          </a:solidFill>
+                        </a:rPr>
+                        <a:t>작성자</a:t>
+                      </a:r>
+                    </a:p>
+                  </a:txBody>
+                  <a:tcPr>
+                    <a:lnL w="12700" cap="flat" cmpd="sng" algn="ctr">
+                      <a:solidFill>
+                        <a:schemeClr val="tx1"/>
+                      </a:solidFill>
+                      <a:prstDash val="solid"/>
+                      <a:round/>
+                      <a:headEnd type="none" w="med" len="med"/>
+                      <a:tailEnd type="none" w="med" len="med"/>
+                    </a:lnL>
+                    <a:lnR w="12700" cap="flat" cmpd="sng" algn="ctr">
+                      <a:noFill/>
+                      <a:prstDash val="solid"/>
+                      <a:round/>
+                      <a:headEnd type="none" w="med" len="med"/>
+                      <a:tailEnd type="none" w="med" len="med"/>
+                    </a:lnR>
+                    <a:lnT w="12700" cap="flat" cmpd="sng" algn="ctr">
+                      <a:solidFill>
+                        <a:schemeClr val="tx1"/>
+                      </a:solidFill>
+                      <a:prstDash val="solid"/>
+                      <a:round/>
+                      <a:headEnd type="none" w="med" len="med"/>
+                      <a:tailEnd type="none" w="med" len="med"/>
+                    </a:lnT>
+                    <a:lnB w="12700" cap="flat" cmpd="sng" algn="ctr">
+                      <a:solidFill>
+                        <a:schemeClr val="tx1"/>
+                      </a:solidFill>
+                      <a:prstDash val="solid"/>
+                      <a:round/>
+                      <a:headEnd type="none" w="med" len="med"/>
+                      <a:tailEnd type="none" w="med" len="med"/>
+                    </a:lnB>
+                    <a:solidFill>
+                      <a:schemeClr val="bg1">
+                        <a:lumMod val="85000"/>
+                      </a:schemeClr>
+                    </a:solidFill>
+                  </a:tcPr>
+                </a:tc>
+                <a:extLst>
+                  <a:ext uri="{0D108BD9-81ED-4DB2-BD59-A6C34878D82A}">
+                    <a16:rowId xmlns:a16="http://schemas.microsoft.com/office/drawing/2014/main" val="3887869805"/>
+                  </a:ext>
+                </a:extLst>
+              </a:tr>
+              <a:tr h="348989">
+                <a:tc>
+                  <a:txBody>
+                    <a:bodyPr/>
+                    <a:lstStyle/>
+                    <a:p>
+                      <a:pPr algn="ctr" latinLnBrk="1"/>
+                      <a:r>
+                        <a:rPr lang="en-US" altLang="ko-KR" sz="1600" dirty="0">
+                          <a:solidFill>
+                            <a:schemeClr val="tx1"/>
+                          </a:solidFill>
+                        </a:rPr>
+                        <a:t>0.1</a:t>
+                      </a:r>
+                      <a:endParaRPr lang="ko-KR" altLang="en-US" sz="1600" dirty="0">
+                        <a:solidFill>
+                          <a:schemeClr val="tx1"/>
+                        </a:solidFill>
+                      </a:endParaRPr>
+                    </a:p>
+                  </a:txBody>
+                  <a:tcPr>
+                    <a:lnL w="12700" cap="flat" cmpd="sng" algn="ctr">
+                      <a:noFill/>
+                      <a:prstDash val="solid"/>
+                      <a:round/>
+                      <a:headEnd type="none" w="med" len="med"/>
+                      <a:tailEnd type="none" w="med" len="med"/>
+                    </a:lnL>
+                    <a:lnR w="12700" cap="flat" cmpd="sng" algn="ctr">
+                      <a:solidFill>
+                        <a:schemeClr val="tx1"/>
+                      </a:solidFill>
+                      <a:prstDash val="solid"/>
+                      <a:round/>
+                      <a:headEnd type="none" w="med" len="med"/>
+                      <a:tailEnd type="none" w="med" len="med"/>
+                    </a:lnR>
+                    <a:lnT w="12700" cap="flat" cmpd="sng" algn="ctr">
+                      <a:solidFill>
+                        <a:schemeClr val="tx1"/>
+                      </a:solidFill>
+                      <a:prstDash val="solid"/>
+                      <a:round/>
+                      <a:headEnd type="none" w="med" len="med"/>
+                      <a:tailEnd type="none" w="med" len="med"/>
+                    </a:lnT>
+                    <a:lnB w="12700" cap="flat" cmpd="sng" algn="ctr">
+                      <a:solidFill>
+                        <a:schemeClr val="tx1"/>
+                      </a:solidFill>
+                      <a:prstDash val="solid"/>
+                      <a:round/>
+                      <a:headEnd type="none" w="med" len="med"/>
+                      <a:tailEnd type="none" w="med" len="med"/>
+                    </a:lnB>
+                    <a:noFill/>
+                  </a:tcPr>
+                </a:tc>
+                <a:tc>
+                  <a:txBody>
+                    <a:bodyPr/>
+                    <a:lstStyle/>
+                    <a:p>
+                      <a:pPr algn="ctr" latinLnBrk="1"/>
+                      <a:r>
+                        <a:rPr lang="en-US" altLang="ko-KR" sz="1600" dirty="0">
+                          <a:solidFill>
+                            <a:schemeClr val="tx1"/>
+                          </a:solidFill>
+                        </a:rPr>
+                        <a:t>2020-05-14</a:t>
+                      </a:r>
+                      <a:endParaRPr lang="ko-KR" altLang="en-US" sz="1600" dirty="0">
+                        <a:solidFill>
+                          <a:schemeClr val="tx1"/>
+                        </a:solidFill>
+                      </a:endParaRPr>
+                    </a:p>
+                  </a:txBody>
+                  <a:tcPr>
+                    <a:lnL w="12700" cap="flat" cmpd="sng" algn="ctr">
+                      <a:solidFill>
+                        <a:schemeClr val="tx1"/>
+                      </a:solidFill>
+                      <a:prstDash val="solid"/>
+                      <a:round/>
+                      <a:headEnd type="none" w="med" len="med"/>
+                      <a:tailEnd type="none" w="med" len="med"/>
+                    </a:lnL>
+                    <a:lnR w="12700" cap="flat" cmpd="sng" algn="ctr">
+                      <a:solidFill>
+                        <a:schemeClr val="tx1"/>
+                      </a:solidFill>
+                      <a:prstDash val="solid"/>
+                      <a:round/>
+                      <a:headEnd type="none" w="med" len="med"/>
+                      <a:tailEnd type="none" w="med" len="med"/>
+                    </a:lnR>
+                    <a:lnT w="12700" cap="flat" cmpd="sng" algn="ctr">
+                      <a:solidFill>
+                        <a:schemeClr val="tx1"/>
+                      </a:solidFill>
+                      <a:prstDash val="solid"/>
+                      <a:round/>
+                      <a:headEnd type="none" w="med" len="med"/>
+                      <a:tailEnd type="none" w="med" len="med"/>
+                    </a:lnT>
+                    <a:lnB w="12700" cap="flat" cmpd="sng" algn="ctr">
+                      <a:solidFill>
+                        <a:schemeClr val="tx1"/>
+                      </a:solidFill>
+                      <a:prstDash val="solid"/>
+                      <a:round/>
+                      <a:headEnd type="none" w="med" len="med"/>
+                      <a:tailEnd type="none" w="med" len="med"/>
+                    </a:lnB>
+                    <a:noFill/>
+                  </a:tcPr>
+                </a:tc>
+                <a:tc>
+                  <a:txBody>
+                    <a:bodyPr/>
+                    <a:lstStyle/>
+                    <a:p>
+                      <a:pPr marL="285750" indent="-285750" algn="l" latinLnBrk="1">
+                        <a:buFont typeface="Arial" panose="020B0604020202020204" pitchFamily="34" charset="0"/>
+                        <a:buChar char="•"/>
+                      </a:pPr>
+                      <a:r>
+                        <a:rPr lang="ko-KR" altLang="en-US" sz="1600" baseline="0" dirty="0">
+                          <a:solidFill>
+                            <a:schemeClr val="tx1"/>
+                          </a:solidFill>
+                        </a:rPr>
+                        <a:t>사이트 맵 </a:t>
+                      </a:r>
+                      <a:r>
+                        <a:rPr lang="ko-KR" altLang="en-US" sz="1600" dirty="0">
+                          <a:solidFill>
+                            <a:schemeClr val="tx1"/>
+                          </a:solidFill>
+                        </a:rPr>
+                        <a:t>작성</a:t>
+                      </a:r>
+                      <a:r>
+                        <a:rPr lang="en-US" altLang="ko-KR" sz="1600" dirty="0">
+                          <a:solidFill>
+                            <a:schemeClr val="tx1"/>
+                          </a:solidFill>
+                        </a:rPr>
+                        <a:t>.</a:t>
+                      </a:r>
+                      <a:endParaRPr lang="ko-KR" altLang="en-US" sz="1600" dirty="0">
+                        <a:solidFill>
+                          <a:schemeClr val="tx1"/>
+                        </a:solidFill>
+                      </a:endParaRPr>
+                    </a:p>
+                  </a:txBody>
+                  <a:tcPr>
+                    <a:lnL w="12700" cap="flat" cmpd="sng" algn="ctr">
+                      <a:solidFill>
+                        <a:schemeClr val="tx1"/>
+                      </a:solidFill>
+                      <a:prstDash val="solid"/>
+                      <a:round/>
+                      <a:headEnd type="none" w="med" len="med"/>
+                      <a:tailEnd type="none" w="med" len="med"/>
+                    </a:lnL>
+                    <a:lnR w="12700" cap="flat" cmpd="sng" algn="ctr">
+                      <a:solidFill>
+                        <a:schemeClr val="tx1"/>
+                      </a:solidFill>
+                      <a:prstDash val="solid"/>
+                      <a:round/>
+                      <a:headEnd type="none" w="med" len="med"/>
+                      <a:tailEnd type="none" w="med" len="med"/>
+                    </a:lnR>
+                    <a:lnT w="12700" cap="flat" cmpd="sng" algn="ctr">
+                      <a:solidFill>
+                        <a:schemeClr val="tx1"/>
+                      </a:solidFill>
+                      <a:prstDash val="solid"/>
+                      <a:round/>
+                      <a:headEnd type="none" w="med" len="med"/>
+                      <a:tailEnd type="none" w="med" len="med"/>
+                    </a:lnT>
+                    <a:lnB w="12700" cap="flat" cmpd="sng" algn="ctr">
+                      <a:solidFill>
+                        <a:schemeClr val="tx1"/>
+                      </a:solidFill>
+                      <a:prstDash val="solid"/>
+                      <a:round/>
+                      <a:headEnd type="none" w="med" len="med"/>
+                      <a:tailEnd type="none" w="med" len="med"/>
+                    </a:lnB>
+                    <a:noFill/>
+                  </a:tcPr>
+                </a:tc>
+                <a:tc>
+                  <a:txBody>
+                    <a:bodyPr/>
+                    <a:lstStyle/>
+                    <a:p>
+                      <a:pPr algn="ctr" latinLnBrk="1"/>
+                      <a:r>
+                        <a:rPr lang="ko-KR" altLang="en-US" sz="1600" dirty="0">
+                          <a:solidFill>
+                            <a:schemeClr val="tx1"/>
+                          </a:solidFill>
+                        </a:rPr>
+                        <a:t>하 태민</a:t>
+                      </a:r>
+                    </a:p>
+                  </a:txBody>
+                  <a:tcPr>
+                    <a:lnL w="12700" cap="flat" cmpd="sng" algn="ctr">
+                      <a:solidFill>
+                        <a:schemeClr val="tx1"/>
+                      </a:solidFill>
+                      <a:prstDash val="solid"/>
+                      <a:round/>
+                      <a:headEnd type="none" w="med" len="med"/>
+                      <a:tailEnd type="none" w="med" len="med"/>
+                    </a:lnL>
+                    <a:lnR w="12700" cap="flat" cmpd="sng" algn="ctr">
+                      <a:noFill/>
+                      <a:prstDash val="solid"/>
+                      <a:round/>
+                      <a:headEnd type="none" w="med" len="med"/>
+                      <a:tailEnd type="none" w="med" len="med"/>
+                    </a:lnR>
+                    <a:lnT w="12700" cap="flat" cmpd="sng" algn="ctr">
+                      <a:solidFill>
+                        <a:schemeClr val="tx1"/>
+                      </a:solidFill>
+                      <a:prstDash val="solid"/>
+                      <a:round/>
+                      <a:headEnd type="none" w="med" len="med"/>
+                      <a:tailEnd type="none" w="med" len="med"/>
+                    </a:lnT>
+                    <a:lnB w="12700" cap="flat" cmpd="sng" algn="ctr">
+                      <a:solidFill>
+                        <a:schemeClr val="tx1"/>
+                      </a:solidFill>
+                      <a:prstDash val="solid"/>
+                      <a:round/>
+                      <a:headEnd type="none" w="med" len="med"/>
+                      <a:tailEnd type="none" w="med" len="med"/>
+                    </a:lnB>
+                    <a:noFill/>
+                  </a:tcPr>
+                </a:tc>
+                <a:extLst>
+                  <a:ext uri="{0D108BD9-81ED-4DB2-BD59-A6C34878D82A}">
+                    <a16:rowId xmlns:a16="http://schemas.microsoft.com/office/drawing/2014/main" val="3262275596"/>
+                  </a:ext>
+                </a:extLst>
+              </a:tr>
+              <a:tr h="348989">
+                <a:tc>
+                  <a:txBody>
+                    <a:bodyPr/>
+                    <a:lstStyle/>
+                    <a:p>
+                      <a:pPr algn="ctr" latinLnBrk="1"/>
+                      <a:r>
+                        <a:rPr lang="en-US" altLang="ko-KR" sz="1600" dirty="0">
+                          <a:solidFill>
+                            <a:schemeClr val="tx1"/>
+                          </a:solidFill>
+                        </a:rPr>
+                        <a:t>0.2</a:t>
+                      </a:r>
+                      <a:endParaRPr lang="ko-KR" altLang="en-US" sz="1600" dirty="0">
+                        <a:solidFill>
+                          <a:schemeClr val="tx1"/>
+                        </a:solidFill>
+                      </a:endParaRPr>
+                    </a:p>
+                  </a:txBody>
+                  <a:tcPr>
+                    <a:lnL w="12700" cap="flat" cmpd="sng" algn="ctr">
+                      <a:noFill/>
+                      <a:prstDash val="solid"/>
+                      <a:round/>
+                      <a:headEnd type="none" w="med" len="med"/>
+                      <a:tailEnd type="none" w="med" len="med"/>
+                    </a:lnL>
+                    <a:lnR w="12700" cap="flat" cmpd="sng" algn="ctr">
+                      <a:solidFill>
+                        <a:schemeClr val="tx1"/>
+                      </a:solidFill>
+                      <a:prstDash val="solid"/>
+                      <a:round/>
+                      <a:headEnd type="none" w="med" len="med"/>
+                      <a:tailEnd type="none" w="med" len="med"/>
+                    </a:lnR>
+                    <a:lnT w="12700" cap="flat" cmpd="sng" algn="ctr">
+                      <a:solidFill>
+                        <a:schemeClr val="tx1"/>
+                      </a:solidFill>
+                      <a:prstDash val="solid"/>
+                      <a:round/>
+                      <a:headEnd type="none" w="med" len="med"/>
+                      <a:tailEnd type="none" w="med" len="med"/>
+                    </a:lnT>
+                    <a:lnB w="12700" cap="flat" cmpd="sng" algn="ctr">
+                      <a:solidFill>
+                        <a:schemeClr val="tx1"/>
+                      </a:solidFill>
+                      <a:prstDash val="solid"/>
+                      <a:round/>
+                      <a:headEnd type="none" w="med" len="med"/>
+                      <a:tailEnd type="none" w="med" len="med"/>
+                    </a:lnB>
+                    <a:noFill/>
+                  </a:tcPr>
+                </a:tc>
+                <a:tc>
+                  <a:txBody>
+                    <a:bodyPr/>
+                    <a:lstStyle/>
+                    <a:p>
+                      <a:pPr algn="ctr" latinLnBrk="1"/>
+                      <a:r>
+                        <a:rPr lang="en-US" altLang="ko-KR" sz="1600" dirty="0">
+                          <a:solidFill>
+                            <a:schemeClr val="tx1"/>
+                          </a:solidFill>
+                        </a:rPr>
+                        <a:t>2020-05-27</a:t>
+                      </a:r>
+                      <a:endParaRPr lang="ko-KR" altLang="en-US" sz="1600" dirty="0">
+                        <a:solidFill>
+                          <a:schemeClr val="tx1"/>
+                        </a:solidFill>
+                      </a:endParaRPr>
+                    </a:p>
+                  </a:txBody>
+                  <a:tcPr>
+                    <a:lnL w="12700" cap="flat" cmpd="sng" algn="ctr">
+                      <a:solidFill>
+                        <a:schemeClr val="tx1"/>
+                      </a:solidFill>
+                      <a:prstDash val="solid"/>
+                      <a:round/>
+                      <a:headEnd type="none" w="med" len="med"/>
+                      <a:tailEnd type="none" w="med" len="med"/>
+                    </a:lnL>
+                    <a:lnR w="12700" cap="flat" cmpd="sng" algn="ctr">
+                      <a:solidFill>
+                        <a:schemeClr val="tx1"/>
+                      </a:solidFill>
+                      <a:prstDash val="solid"/>
+                      <a:round/>
+                      <a:headEnd type="none" w="med" len="med"/>
+                      <a:tailEnd type="none" w="med" len="med"/>
+                    </a:lnR>
+                    <a:lnT w="12700" cap="flat" cmpd="sng" algn="ctr">
+                      <a:solidFill>
+                        <a:schemeClr val="tx1"/>
+                      </a:solidFill>
+                      <a:prstDash val="solid"/>
+                      <a:round/>
+                      <a:headEnd type="none" w="med" len="med"/>
+                      <a:tailEnd type="none" w="med" len="med"/>
+                    </a:lnT>
+                    <a:lnB w="12700" cap="flat" cmpd="sng" algn="ctr">
+                      <a:solidFill>
+                        <a:schemeClr val="tx1"/>
+                      </a:solidFill>
+                      <a:prstDash val="solid"/>
+                      <a:round/>
+                      <a:headEnd type="none" w="med" len="med"/>
+                      <a:tailEnd type="none" w="med" len="med"/>
+                    </a:lnB>
+                    <a:noFill/>
+                  </a:tcPr>
+                </a:tc>
+                <a:tc>
+                  <a:txBody>
+                    <a:bodyPr/>
+                    <a:lstStyle/>
+                    <a:p>
+                      <a:pPr marL="285750" indent="-285750" algn="l" latinLnBrk="1">
+                        <a:buFont typeface="Arial" panose="020B0604020202020204" pitchFamily="34" charset="0"/>
+                        <a:buChar char="•"/>
+                      </a:pPr>
+                      <a:r>
+                        <a:rPr lang="ko-KR" altLang="en-US" sz="1600" dirty="0">
+                          <a:solidFill>
+                            <a:schemeClr val="tx1"/>
+                          </a:solidFill>
+                        </a:rPr>
+                        <a:t>상세 페이지 추가</a:t>
+                      </a:r>
+                      <a:r>
+                        <a:rPr lang="en-US" altLang="ko-KR" sz="1600" dirty="0">
+                          <a:solidFill>
+                            <a:schemeClr val="tx1"/>
+                          </a:solidFill>
+                        </a:rPr>
+                        <a:t>. (</a:t>
+                      </a:r>
+                      <a:r>
+                        <a:rPr lang="ko-KR" altLang="en-US" sz="1600" dirty="0">
+                          <a:solidFill>
+                            <a:schemeClr val="tx1"/>
+                          </a:solidFill>
+                        </a:rPr>
+                        <a:t>도서</a:t>
+                      </a:r>
+                      <a:r>
+                        <a:rPr lang="en-US" altLang="ko-KR" sz="1600" dirty="0">
+                          <a:solidFill>
+                            <a:schemeClr val="tx1"/>
+                          </a:solidFill>
+                        </a:rPr>
+                        <a:t>, </a:t>
+                      </a:r>
+                      <a:r>
+                        <a:rPr lang="ko-KR" altLang="en-US" sz="1600" dirty="0">
+                          <a:solidFill>
+                            <a:schemeClr val="tx1"/>
+                          </a:solidFill>
+                        </a:rPr>
+                        <a:t>자료실</a:t>
+                      </a:r>
+                      <a:r>
+                        <a:rPr lang="en-US" altLang="ko-KR" sz="1600" dirty="0">
+                          <a:solidFill>
+                            <a:schemeClr val="tx1"/>
+                          </a:solidFill>
+                        </a:rPr>
+                        <a:t>, </a:t>
+                      </a:r>
+                      <a:r>
+                        <a:rPr lang="ko-KR" altLang="en-US" sz="1600" dirty="0">
+                          <a:solidFill>
+                            <a:schemeClr val="tx1"/>
+                          </a:solidFill>
+                        </a:rPr>
+                        <a:t>질문답변</a:t>
+                      </a:r>
+                      <a:r>
+                        <a:rPr lang="en-US" altLang="ko-KR" sz="1600" dirty="0">
+                          <a:solidFill>
+                            <a:schemeClr val="tx1"/>
+                          </a:solidFill>
+                        </a:rPr>
+                        <a:t>, </a:t>
+                      </a:r>
+                      <a:r>
+                        <a:rPr lang="ko-KR" altLang="en-US" sz="1600" dirty="0">
+                          <a:solidFill>
+                            <a:schemeClr val="tx1"/>
+                          </a:solidFill>
+                        </a:rPr>
+                        <a:t>동영상 강의</a:t>
+                      </a:r>
+                      <a:r>
+                        <a:rPr lang="en-US" altLang="ko-KR" sz="1600" dirty="0">
+                          <a:solidFill>
+                            <a:schemeClr val="tx1"/>
+                          </a:solidFill>
+                        </a:rPr>
+                        <a:t>, </a:t>
+                      </a:r>
+                      <a:r>
+                        <a:rPr lang="ko-KR" altLang="en-US" sz="1600" dirty="0">
+                          <a:solidFill>
+                            <a:schemeClr val="tx1"/>
+                          </a:solidFill>
+                        </a:rPr>
+                        <a:t>공지사항</a:t>
+                      </a:r>
+                      <a:r>
+                        <a:rPr lang="en-US" altLang="ko-KR" sz="1600" dirty="0">
+                          <a:solidFill>
+                            <a:schemeClr val="tx1"/>
+                          </a:solidFill>
+                        </a:rPr>
+                        <a:t>/</a:t>
+                      </a:r>
+                      <a:r>
+                        <a:rPr lang="ko-KR" altLang="en-US" sz="1600" dirty="0">
+                          <a:solidFill>
+                            <a:schemeClr val="tx1"/>
+                          </a:solidFill>
+                        </a:rPr>
+                        <a:t>이벤트</a:t>
+                      </a:r>
+                      <a:r>
+                        <a:rPr lang="en-US" altLang="ko-KR" sz="1600" dirty="0">
+                          <a:solidFill>
+                            <a:schemeClr val="tx1"/>
+                          </a:solidFill>
+                        </a:rPr>
+                        <a:t>)</a:t>
+                      </a:r>
+                      <a:endParaRPr lang="ko-KR" altLang="en-US" sz="1600" dirty="0">
+                        <a:solidFill>
+                          <a:schemeClr val="tx1"/>
+                        </a:solidFill>
+                      </a:endParaRPr>
+                    </a:p>
+                  </a:txBody>
+                  <a:tcPr>
+                    <a:lnL w="12700" cap="flat" cmpd="sng" algn="ctr">
+                      <a:solidFill>
+                        <a:schemeClr val="tx1"/>
+                      </a:solidFill>
+                      <a:prstDash val="solid"/>
+                      <a:round/>
+                      <a:headEnd type="none" w="med" len="med"/>
+                      <a:tailEnd type="none" w="med" len="med"/>
+                    </a:lnL>
+                    <a:lnR w="12700" cap="flat" cmpd="sng" algn="ctr">
+                      <a:solidFill>
+                        <a:schemeClr val="tx1"/>
+                      </a:solidFill>
+                      <a:prstDash val="solid"/>
+                      <a:round/>
+                      <a:headEnd type="none" w="med" len="med"/>
+                      <a:tailEnd type="none" w="med" len="med"/>
+                    </a:lnR>
+                    <a:lnT w="12700" cap="flat" cmpd="sng" algn="ctr">
+                      <a:solidFill>
+                        <a:schemeClr val="tx1"/>
+                      </a:solidFill>
+                      <a:prstDash val="solid"/>
+                      <a:round/>
+                      <a:headEnd type="none" w="med" len="med"/>
+                      <a:tailEnd type="none" w="med" len="med"/>
+                    </a:lnT>
+                    <a:lnB w="12700" cap="flat" cmpd="sng" algn="ctr">
+                      <a:solidFill>
+                        <a:schemeClr val="tx1"/>
+                      </a:solidFill>
+                      <a:prstDash val="solid"/>
+                      <a:round/>
+                      <a:headEnd type="none" w="med" len="med"/>
+                      <a:tailEnd type="none" w="med" len="med"/>
+                    </a:lnB>
+                    <a:noFill/>
+                  </a:tcPr>
+                </a:tc>
+                <a:tc>
+                  <a:txBody>
+                    <a:bodyPr/>
+                    <a:lstStyle/>
+                    <a:p>
+                      <a:pPr algn="ctr" latinLnBrk="1"/>
+                      <a:r>
+                        <a:rPr lang="ko-KR" altLang="en-US" sz="1600" dirty="0">
+                          <a:solidFill>
+                            <a:schemeClr val="tx1"/>
+                          </a:solidFill>
+                        </a:rPr>
+                        <a:t>하 태민</a:t>
+                      </a:r>
+                    </a:p>
+                  </a:txBody>
+                  <a:tcPr>
+                    <a:lnL w="12700" cap="flat" cmpd="sng" algn="ctr">
+                      <a:solidFill>
+                        <a:schemeClr val="tx1"/>
+                      </a:solidFill>
+                      <a:prstDash val="solid"/>
+                      <a:round/>
+                      <a:headEnd type="none" w="med" len="med"/>
+                      <a:tailEnd type="none" w="med" len="med"/>
+                    </a:lnL>
+                    <a:lnR w="12700" cap="flat" cmpd="sng" algn="ctr">
+                      <a:noFill/>
+                      <a:prstDash val="solid"/>
+                      <a:round/>
+                      <a:headEnd type="none" w="med" len="med"/>
+                      <a:tailEnd type="none" w="med" len="med"/>
+                    </a:lnR>
+                    <a:lnT w="12700" cap="flat" cmpd="sng" algn="ctr">
+                      <a:solidFill>
+                        <a:schemeClr val="tx1"/>
+                      </a:solidFill>
+                      <a:prstDash val="solid"/>
+                      <a:round/>
+                      <a:headEnd type="none" w="med" len="med"/>
+                      <a:tailEnd type="none" w="med" len="med"/>
+                    </a:lnT>
+                    <a:lnB w="12700" cap="flat" cmpd="sng" algn="ctr">
+                      <a:solidFill>
+                        <a:schemeClr val="tx1"/>
+                      </a:solidFill>
+                      <a:prstDash val="solid"/>
+                      <a:round/>
+                      <a:headEnd type="none" w="med" len="med"/>
+                      <a:tailEnd type="none" w="med" len="med"/>
+                    </a:lnB>
+                    <a:noFill/>
+                  </a:tcPr>
+                </a:tc>
+                <a:extLst>
+                  <a:ext uri="{0D108BD9-81ED-4DB2-BD59-A6C34878D82A}">
+                    <a16:rowId xmlns:a16="http://schemas.microsoft.com/office/drawing/2014/main" val="595913625"/>
+                  </a:ext>
+                </a:extLst>
+              </a:tr>
+              <a:tr h="348989">
+                <a:tc>
+                  <a:txBody>
+                    <a:bodyPr/>
+                    <a:lstStyle/>
+                    <a:p>
+                      <a:pPr algn="ctr" latinLnBrk="1"/>
+                      <a:endParaRPr lang="ko-KR" altLang="en-US" sz="1600" dirty="0">
+                        <a:solidFill>
+                          <a:schemeClr val="tx1"/>
+                        </a:solidFill>
+                      </a:endParaRPr>
+                    </a:p>
+                  </a:txBody>
+                  <a:tcPr>
+                    <a:lnL w="12700" cap="flat" cmpd="sng" algn="ctr">
+                      <a:noFill/>
+                      <a:prstDash val="solid"/>
+                      <a:round/>
+                      <a:headEnd type="none" w="med" len="med"/>
+                      <a:tailEnd type="none" w="med" len="med"/>
+                    </a:lnL>
+                    <a:lnR w="12700" cap="flat" cmpd="sng" algn="ctr">
+                      <a:solidFill>
+                        <a:schemeClr val="tx1"/>
+                      </a:solidFill>
+                      <a:prstDash val="solid"/>
+                      <a:round/>
+                      <a:headEnd type="none" w="med" len="med"/>
+                      <a:tailEnd type="none" w="med" len="med"/>
+                    </a:lnR>
+                    <a:lnT w="12700" cap="flat" cmpd="sng" algn="ctr">
+                      <a:solidFill>
+                        <a:schemeClr val="tx1"/>
+                      </a:solidFill>
+                      <a:prstDash val="solid"/>
+                      <a:round/>
+                      <a:headEnd type="none" w="med" len="med"/>
+                      <a:tailEnd type="none" w="med" len="med"/>
+                    </a:lnT>
+                    <a:lnB w="12700" cap="flat" cmpd="sng" algn="ctr">
+                      <a:solidFill>
+                        <a:schemeClr val="tx1"/>
+                      </a:solidFill>
+                      <a:prstDash val="solid"/>
+                      <a:round/>
+                      <a:headEnd type="none" w="med" len="med"/>
+                      <a:tailEnd type="none" w="med" len="med"/>
+                    </a:lnB>
+                    <a:noFill/>
+                  </a:tcPr>
+                </a:tc>
+                <a:tc>
+                  <a:txBody>
+                    <a:bodyPr/>
+                    <a:lstStyle/>
+                    <a:p>
+                      <a:pPr algn="ctr" latinLnBrk="1"/>
+                      <a:endParaRPr lang="ko-KR" altLang="en-US" sz="1600" dirty="0">
+                        <a:solidFill>
+                          <a:schemeClr val="tx1"/>
+                        </a:solidFill>
+                      </a:endParaRPr>
+                    </a:p>
+                  </a:txBody>
+                  <a:tcPr>
+                    <a:lnL w="12700" cap="flat" cmpd="sng" algn="ctr">
+                      <a:solidFill>
+                        <a:schemeClr val="tx1"/>
+                      </a:solidFill>
+                      <a:prstDash val="solid"/>
+                      <a:round/>
+                      <a:headEnd type="none" w="med" len="med"/>
+                      <a:tailEnd type="none" w="med" len="med"/>
+                    </a:lnL>
+                    <a:lnR w="12700" cap="flat" cmpd="sng" algn="ctr">
+                      <a:solidFill>
+                        <a:schemeClr val="tx1"/>
+                      </a:solidFill>
+                      <a:prstDash val="solid"/>
+                      <a:round/>
+                      <a:headEnd type="none" w="med" len="med"/>
+                      <a:tailEnd type="none" w="med" len="med"/>
+                    </a:lnR>
+                    <a:lnT w="12700" cap="flat" cmpd="sng" algn="ctr">
+                      <a:solidFill>
+                        <a:schemeClr val="tx1"/>
+                      </a:solidFill>
+                      <a:prstDash val="solid"/>
+                      <a:round/>
+                      <a:headEnd type="none" w="med" len="med"/>
+                      <a:tailEnd type="none" w="med" len="med"/>
+                    </a:lnT>
+                    <a:lnB w="12700" cap="flat" cmpd="sng" algn="ctr">
+                      <a:solidFill>
+                        <a:schemeClr val="tx1"/>
+                      </a:solidFill>
+                      <a:prstDash val="solid"/>
+                      <a:round/>
+                      <a:headEnd type="none" w="med" len="med"/>
+                      <a:tailEnd type="none" w="med" len="med"/>
+                    </a:lnB>
+                    <a:noFill/>
+                  </a:tcPr>
+                </a:tc>
+                <a:tc>
+                  <a:txBody>
+                    <a:bodyPr/>
+                    <a:lstStyle/>
+                    <a:p>
+                      <a:pPr algn="l" latinLnBrk="1"/>
+                      <a:endParaRPr lang="ko-KR" altLang="en-US" sz="1600" dirty="0">
+                        <a:solidFill>
+                          <a:schemeClr val="tx1"/>
+                        </a:solidFill>
+                      </a:endParaRPr>
+                    </a:p>
+                  </a:txBody>
+                  <a:tcPr>
+                    <a:lnL w="12700" cap="flat" cmpd="sng" algn="ctr">
+                      <a:solidFill>
+                        <a:schemeClr val="tx1"/>
+                      </a:solidFill>
+                      <a:prstDash val="solid"/>
+                      <a:round/>
+                      <a:headEnd type="none" w="med" len="med"/>
+                      <a:tailEnd type="none" w="med" len="med"/>
+                    </a:lnL>
+                    <a:lnR w="12700" cap="flat" cmpd="sng" algn="ctr">
+                      <a:solidFill>
+                        <a:schemeClr val="tx1"/>
+                      </a:solidFill>
+                      <a:prstDash val="solid"/>
+                      <a:round/>
+                      <a:headEnd type="none" w="med" len="med"/>
+                      <a:tailEnd type="none" w="med" len="med"/>
+                    </a:lnR>
+                    <a:lnT w="12700" cap="flat" cmpd="sng" algn="ctr">
+                      <a:solidFill>
+                        <a:schemeClr val="tx1"/>
+                      </a:solidFill>
+                      <a:prstDash val="solid"/>
+                      <a:round/>
+                      <a:headEnd type="none" w="med" len="med"/>
+                      <a:tailEnd type="none" w="med" len="med"/>
+                    </a:lnT>
+                    <a:lnB w="12700" cap="flat" cmpd="sng" algn="ctr">
+                      <a:solidFill>
+                        <a:schemeClr val="tx1"/>
+                      </a:solidFill>
+                      <a:prstDash val="solid"/>
+                      <a:round/>
+                      <a:headEnd type="none" w="med" len="med"/>
+                      <a:tailEnd type="none" w="med" len="med"/>
+                    </a:lnB>
+                    <a:noFill/>
+                  </a:tcPr>
+                </a:tc>
+                <a:tc>
+                  <a:txBody>
+                    <a:bodyPr/>
+                    <a:lstStyle/>
+                    <a:p>
+                      <a:pPr algn="ctr" latinLnBrk="1"/>
+                      <a:endParaRPr lang="ko-KR" altLang="en-US" sz="1600" dirty="0">
+                        <a:solidFill>
+                          <a:schemeClr val="tx1"/>
+                        </a:solidFill>
+                      </a:endParaRPr>
+                    </a:p>
+                  </a:txBody>
+                  <a:tcPr>
+                    <a:lnL w="12700" cap="flat" cmpd="sng" algn="ctr">
+                      <a:solidFill>
+                        <a:schemeClr val="tx1"/>
+                      </a:solidFill>
+                      <a:prstDash val="solid"/>
+                      <a:round/>
+                      <a:headEnd type="none" w="med" len="med"/>
+                      <a:tailEnd type="none" w="med" len="med"/>
+                    </a:lnL>
+                    <a:lnR w="12700" cap="flat" cmpd="sng" algn="ctr">
+                      <a:noFill/>
+                      <a:prstDash val="solid"/>
+                      <a:round/>
+                      <a:headEnd type="none" w="med" len="med"/>
+                      <a:tailEnd type="none" w="med" len="med"/>
+                    </a:lnR>
+                    <a:lnT w="12700" cap="flat" cmpd="sng" algn="ctr">
+                      <a:solidFill>
+                        <a:schemeClr val="tx1"/>
+                      </a:solidFill>
+                      <a:prstDash val="solid"/>
+                      <a:round/>
+                      <a:headEnd type="none" w="med" len="med"/>
+                      <a:tailEnd type="none" w="med" len="med"/>
+                    </a:lnT>
+                    <a:lnB w="12700" cap="flat" cmpd="sng" algn="ctr">
+                      <a:solidFill>
+                        <a:schemeClr val="tx1"/>
+                      </a:solidFill>
+                      <a:prstDash val="solid"/>
+                      <a:round/>
+                      <a:headEnd type="none" w="med" len="med"/>
+                      <a:tailEnd type="none" w="med" len="med"/>
+                    </a:lnB>
+                    <a:noFill/>
+                  </a:tcPr>
+                </a:tc>
+                <a:extLst>
+                  <a:ext uri="{0D108BD9-81ED-4DB2-BD59-A6C34878D82A}">
+                    <a16:rowId xmlns:a16="http://schemas.microsoft.com/office/drawing/2014/main" val="2474558192"/>
+                  </a:ext>
+                </a:extLst>
+              </a:tr>
+              <a:tr h="348989">
+                <a:tc>
+                  <a:txBody>
+                    <a:bodyPr/>
+                    <a:lstStyle/>
+                    <a:p>
+                      <a:pPr algn="ctr" latinLnBrk="1"/>
+                      <a:endParaRPr lang="ko-KR" altLang="en-US" sz="1600" dirty="0">
+                        <a:solidFill>
+                          <a:schemeClr val="tx1"/>
+                        </a:solidFill>
+                      </a:endParaRPr>
+                    </a:p>
+                  </a:txBody>
+                  <a:tcPr>
+                    <a:lnL w="12700" cap="flat" cmpd="sng" algn="ctr">
+                      <a:noFill/>
+                      <a:prstDash val="solid"/>
+                      <a:round/>
+                      <a:headEnd type="none" w="med" len="med"/>
+                      <a:tailEnd type="none" w="med" len="med"/>
+                    </a:lnL>
+                    <a:lnR w="12700" cap="flat" cmpd="sng" algn="ctr">
+                      <a:solidFill>
+                        <a:schemeClr val="tx1"/>
+                      </a:solidFill>
+                      <a:prstDash val="solid"/>
+                      <a:round/>
+                      <a:headEnd type="none" w="med" len="med"/>
+                      <a:tailEnd type="none" w="med" len="med"/>
+                    </a:lnR>
+                    <a:lnT w="12700" cap="flat" cmpd="sng" algn="ctr">
+                      <a:solidFill>
+                        <a:schemeClr val="tx1"/>
+                      </a:solidFill>
+                      <a:prstDash val="solid"/>
+                      <a:round/>
+                      <a:headEnd type="none" w="med" len="med"/>
+                      <a:tailEnd type="none" w="med" len="med"/>
+                    </a:lnT>
+                    <a:lnB w="12700" cap="flat" cmpd="sng" algn="ctr">
+                      <a:solidFill>
+                        <a:schemeClr val="tx1"/>
+                      </a:solidFill>
+                      <a:prstDash val="solid"/>
+                      <a:round/>
+                      <a:headEnd type="none" w="med" len="med"/>
+                      <a:tailEnd type="none" w="med" len="med"/>
+                    </a:lnB>
+                    <a:noFill/>
+                  </a:tcPr>
+                </a:tc>
+                <a:tc>
+                  <a:txBody>
+                    <a:bodyPr/>
+                    <a:lstStyle/>
+                    <a:p>
+                      <a:pPr algn="ctr" latinLnBrk="1"/>
+                      <a:endParaRPr lang="ko-KR" altLang="en-US" sz="1600" dirty="0">
+                        <a:solidFill>
+                          <a:schemeClr val="tx1"/>
+                        </a:solidFill>
+                      </a:endParaRPr>
+                    </a:p>
+                  </a:txBody>
+                  <a:tcPr>
+                    <a:lnL w="12700" cap="flat" cmpd="sng" algn="ctr">
+                      <a:solidFill>
+                        <a:schemeClr val="tx1"/>
+                      </a:solidFill>
+                      <a:prstDash val="solid"/>
+                      <a:round/>
+                      <a:headEnd type="none" w="med" len="med"/>
+                      <a:tailEnd type="none" w="med" len="med"/>
+                    </a:lnL>
+                    <a:lnR w="12700" cap="flat" cmpd="sng" algn="ctr">
+                      <a:solidFill>
+                        <a:schemeClr val="tx1"/>
+                      </a:solidFill>
+                      <a:prstDash val="solid"/>
+                      <a:round/>
+                      <a:headEnd type="none" w="med" len="med"/>
+                      <a:tailEnd type="none" w="med" len="med"/>
+                    </a:lnR>
+                    <a:lnT w="12700" cap="flat" cmpd="sng" algn="ctr">
+                      <a:solidFill>
+                        <a:schemeClr val="tx1"/>
+                      </a:solidFill>
+                      <a:prstDash val="solid"/>
+                      <a:round/>
+                      <a:headEnd type="none" w="med" len="med"/>
+                      <a:tailEnd type="none" w="med" len="med"/>
+                    </a:lnT>
+                    <a:lnB w="12700" cap="flat" cmpd="sng" algn="ctr">
+                      <a:solidFill>
+                        <a:schemeClr val="tx1"/>
+                      </a:solidFill>
+                      <a:prstDash val="solid"/>
+                      <a:round/>
+                      <a:headEnd type="none" w="med" len="med"/>
+                      <a:tailEnd type="none" w="med" len="med"/>
+                    </a:lnB>
+                    <a:noFill/>
+                  </a:tcPr>
+                </a:tc>
+                <a:tc>
+                  <a:txBody>
+                    <a:bodyPr/>
+                    <a:lstStyle/>
+                    <a:p>
+                      <a:pPr algn="l" latinLnBrk="1"/>
+                      <a:endParaRPr lang="ko-KR" altLang="en-US" sz="1600" dirty="0">
+                        <a:solidFill>
+                          <a:schemeClr val="tx1"/>
+                        </a:solidFill>
+                      </a:endParaRPr>
+                    </a:p>
+                  </a:txBody>
+                  <a:tcPr>
+                    <a:lnL w="12700" cap="flat" cmpd="sng" algn="ctr">
+                      <a:solidFill>
+                        <a:schemeClr val="tx1"/>
+                      </a:solidFill>
+                      <a:prstDash val="solid"/>
+                      <a:round/>
+                      <a:headEnd type="none" w="med" len="med"/>
+                      <a:tailEnd type="none" w="med" len="med"/>
+                    </a:lnL>
+                    <a:lnR w="12700" cap="flat" cmpd="sng" algn="ctr">
+                      <a:solidFill>
+                        <a:schemeClr val="tx1"/>
+                      </a:solidFill>
+                      <a:prstDash val="solid"/>
+                      <a:round/>
+                      <a:headEnd type="none" w="med" len="med"/>
+                      <a:tailEnd type="none" w="med" len="med"/>
+                    </a:lnR>
+                    <a:lnT w="12700" cap="flat" cmpd="sng" algn="ctr">
+                      <a:solidFill>
+                        <a:schemeClr val="tx1"/>
+                      </a:solidFill>
+                      <a:prstDash val="solid"/>
+                      <a:round/>
+                      <a:headEnd type="none" w="med" len="med"/>
+                      <a:tailEnd type="none" w="med" len="med"/>
+                    </a:lnT>
+                    <a:lnB w="12700" cap="flat" cmpd="sng" algn="ctr">
+                      <a:solidFill>
+                        <a:schemeClr val="tx1"/>
+                      </a:solidFill>
+                      <a:prstDash val="solid"/>
+                      <a:round/>
+                      <a:headEnd type="none" w="med" len="med"/>
+                      <a:tailEnd type="none" w="med" len="med"/>
+                    </a:lnB>
+                    <a:noFill/>
+                  </a:tcPr>
+                </a:tc>
+                <a:tc>
+                  <a:txBody>
+                    <a:bodyPr/>
+                    <a:lstStyle/>
+                    <a:p>
+                      <a:pPr algn="ctr" latinLnBrk="1"/>
+                      <a:endParaRPr lang="ko-KR" altLang="en-US" sz="1600" dirty="0">
+                        <a:solidFill>
+                          <a:schemeClr val="tx1"/>
+                        </a:solidFill>
+                      </a:endParaRPr>
+                    </a:p>
+                  </a:txBody>
+                  <a:tcPr>
+                    <a:lnL w="12700" cap="flat" cmpd="sng" algn="ctr">
+                      <a:solidFill>
+                        <a:schemeClr val="tx1"/>
+                      </a:solidFill>
+                      <a:prstDash val="solid"/>
+                      <a:round/>
+                      <a:headEnd type="none" w="med" len="med"/>
+                      <a:tailEnd type="none" w="med" len="med"/>
+                    </a:lnL>
+                    <a:lnR w="12700" cap="flat" cmpd="sng" algn="ctr">
+                      <a:noFill/>
+                      <a:prstDash val="solid"/>
+                      <a:round/>
+                      <a:headEnd type="none" w="med" len="med"/>
+                      <a:tailEnd type="none" w="med" len="med"/>
+                    </a:lnR>
+                    <a:lnT w="12700" cap="flat" cmpd="sng" algn="ctr">
+                      <a:solidFill>
+                        <a:schemeClr val="tx1"/>
+                      </a:solidFill>
+                      <a:prstDash val="solid"/>
+                      <a:round/>
+                      <a:headEnd type="none" w="med" len="med"/>
+                      <a:tailEnd type="none" w="med" len="med"/>
+                    </a:lnT>
+                    <a:lnB w="12700" cap="flat" cmpd="sng" algn="ctr">
+                      <a:solidFill>
+                        <a:schemeClr val="tx1"/>
+                      </a:solidFill>
+                      <a:prstDash val="solid"/>
+                      <a:round/>
+                      <a:headEnd type="none" w="med" len="med"/>
+                      <a:tailEnd type="none" w="med" len="med"/>
+                    </a:lnB>
+                    <a:noFill/>
+                  </a:tcPr>
+                </a:tc>
+                <a:extLst>
+                  <a:ext uri="{0D108BD9-81ED-4DB2-BD59-A6C34878D82A}">
+                    <a16:rowId xmlns:a16="http://schemas.microsoft.com/office/drawing/2014/main" val="1389568577"/>
+                  </a:ext>
+                </a:extLst>
+              </a:tr>
+              <a:tr h="348989">
+                <a:tc>
+                  <a:txBody>
+                    <a:bodyPr/>
+                    <a:lstStyle/>
+                    <a:p>
+                      <a:pPr algn="ctr" latinLnBrk="1"/>
+                      <a:endParaRPr lang="ko-KR" altLang="en-US" sz="1600" dirty="0">
+                        <a:solidFill>
+                          <a:schemeClr val="tx1"/>
+                        </a:solidFill>
+                      </a:endParaRPr>
+                    </a:p>
+                  </a:txBody>
+                  <a:tcPr>
+                    <a:lnL w="12700" cap="flat" cmpd="sng" algn="ctr">
+                      <a:noFill/>
+                      <a:prstDash val="solid"/>
+                      <a:round/>
+                      <a:headEnd type="none" w="med" len="med"/>
+                      <a:tailEnd type="none" w="med" len="med"/>
+                    </a:lnL>
+                    <a:lnR w="12700" cap="flat" cmpd="sng" algn="ctr">
+                      <a:solidFill>
+                        <a:schemeClr val="tx1"/>
+                      </a:solidFill>
+                      <a:prstDash val="solid"/>
+                      <a:round/>
+                      <a:headEnd type="none" w="med" len="med"/>
+                      <a:tailEnd type="none" w="med" len="med"/>
+                    </a:lnR>
+                    <a:lnT w="12700" cap="flat" cmpd="sng" algn="ctr">
+                      <a:solidFill>
+                        <a:schemeClr val="tx1"/>
+                      </a:solidFill>
+                      <a:prstDash val="solid"/>
+                      <a:round/>
+                      <a:headEnd type="none" w="med" len="med"/>
+                      <a:tailEnd type="none" w="med" len="med"/>
+                    </a:lnT>
+                    <a:lnB w="12700" cap="flat" cmpd="sng" algn="ctr">
+                      <a:solidFill>
+                        <a:schemeClr val="tx1"/>
+                      </a:solidFill>
+                      <a:prstDash val="solid"/>
+                      <a:round/>
+                      <a:headEnd type="none" w="med" len="med"/>
+                      <a:tailEnd type="none" w="med" len="med"/>
+                    </a:lnB>
+                    <a:noFill/>
+                  </a:tcPr>
+                </a:tc>
+                <a:tc>
+                  <a:txBody>
+                    <a:bodyPr/>
+                    <a:lstStyle/>
+                    <a:p>
+                      <a:pPr algn="ctr" latinLnBrk="1"/>
+                      <a:endParaRPr lang="ko-KR" altLang="en-US" sz="1600" dirty="0">
+                        <a:solidFill>
+                          <a:schemeClr val="tx1"/>
+                        </a:solidFill>
+                      </a:endParaRPr>
+                    </a:p>
+                  </a:txBody>
+                  <a:tcPr>
+                    <a:lnL w="12700" cap="flat" cmpd="sng" algn="ctr">
+                      <a:solidFill>
+                        <a:schemeClr val="tx1"/>
+                      </a:solidFill>
+                      <a:prstDash val="solid"/>
+                      <a:round/>
+                      <a:headEnd type="none" w="med" len="med"/>
+                      <a:tailEnd type="none" w="med" len="med"/>
+                    </a:lnL>
+                    <a:lnR w="12700" cap="flat" cmpd="sng" algn="ctr">
+                      <a:solidFill>
+                        <a:schemeClr val="tx1"/>
+                      </a:solidFill>
+                      <a:prstDash val="solid"/>
+                      <a:round/>
+                      <a:headEnd type="none" w="med" len="med"/>
+                      <a:tailEnd type="none" w="med" len="med"/>
+                    </a:lnR>
+                    <a:lnT w="12700" cap="flat" cmpd="sng" algn="ctr">
+                      <a:solidFill>
+                        <a:schemeClr val="tx1"/>
+                      </a:solidFill>
+                      <a:prstDash val="solid"/>
+                      <a:round/>
+                      <a:headEnd type="none" w="med" len="med"/>
+                      <a:tailEnd type="none" w="med" len="med"/>
+                    </a:lnT>
+                    <a:lnB w="12700" cap="flat" cmpd="sng" algn="ctr">
+                      <a:solidFill>
+                        <a:schemeClr val="tx1"/>
+                      </a:solidFill>
+                      <a:prstDash val="solid"/>
+                      <a:round/>
+                      <a:headEnd type="none" w="med" len="med"/>
+                      <a:tailEnd type="none" w="med" len="med"/>
+                    </a:lnB>
+                    <a:noFill/>
+                  </a:tcPr>
+                </a:tc>
+                <a:tc>
+                  <a:txBody>
+                    <a:bodyPr/>
+                    <a:lstStyle/>
+                    <a:p>
+                      <a:pPr algn="l" latinLnBrk="1"/>
+                      <a:endParaRPr lang="ko-KR" altLang="en-US" sz="1600" dirty="0">
+                        <a:solidFill>
+                          <a:schemeClr val="tx1"/>
+                        </a:solidFill>
+                      </a:endParaRPr>
+                    </a:p>
+                  </a:txBody>
+                  <a:tcPr>
+                    <a:lnL w="12700" cap="flat" cmpd="sng" algn="ctr">
+                      <a:solidFill>
+                        <a:schemeClr val="tx1"/>
+                      </a:solidFill>
+                      <a:prstDash val="solid"/>
+                      <a:round/>
+                      <a:headEnd type="none" w="med" len="med"/>
+                      <a:tailEnd type="none" w="med" len="med"/>
+                    </a:lnL>
+                    <a:lnR w="12700" cap="flat" cmpd="sng" algn="ctr">
+                      <a:solidFill>
+                        <a:schemeClr val="tx1"/>
+                      </a:solidFill>
+                      <a:prstDash val="solid"/>
+                      <a:round/>
+                      <a:headEnd type="none" w="med" len="med"/>
+                      <a:tailEnd type="none" w="med" len="med"/>
+                    </a:lnR>
+                    <a:lnT w="12700" cap="flat" cmpd="sng" algn="ctr">
+                      <a:solidFill>
+                        <a:schemeClr val="tx1"/>
+                      </a:solidFill>
+                      <a:prstDash val="solid"/>
+                      <a:round/>
+                      <a:headEnd type="none" w="med" len="med"/>
+                      <a:tailEnd type="none" w="med" len="med"/>
+                    </a:lnT>
+                    <a:lnB w="12700" cap="flat" cmpd="sng" algn="ctr">
+                      <a:solidFill>
+                        <a:schemeClr val="tx1"/>
+                      </a:solidFill>
+                      <a:prstDash val="solid"/>
+                      <a:round/>
+                      <a:headEnd type="none" w="med" len="med"/>
+                      <a:tailEnd type="none" w="med" len="med"/>
+                    </a:lnB>
+                    <a:noFill/>
+                  </a:tcPr>
+                </a:tc>
+                <a:tc>
+                  <a:txBody>
+                    <a:bodyPr/>
+                    <a:lstStyle/>
+                    <a:p>
+                      <a:pPr algn="ctr" latinLnBrk="1"/>
+                      <a:endParaRPr lang="ko-KR" altLang="en-US" sz="1600" dirty="0">
+                        <a:solidFill>
+                          <a:schemeClr val="tx1"/>
+                        </a:solidFill>
+                      </a:endParaRPr>
+                    </a:p>
+                  </a:txBody>
+                  <a:tcPr>
+                    <a:lnL w="12700" cap="flat" cmpd="sng" algn="ctr">
+                      <a:solidFill>
+                        <a:schemeClr val="tx1"/>
+                      </a:solidFill>
+                      <a:prstDash val="solid"/>
+                      <a:round/>
+                      <a:headEnd type="none" w="med" len="med"/>
+                      <a:tailEnd type="none" w="med" len="med"/>
+                    </a:lnL>
+                    <a:lnR w="12700" cap="flat" cmpd="sng" algn="ctr">
+                      <a:noFill/>
+                      <a:prstDash val="solid"/>
+                      <a:round/>
+                      <a:headEnd type="none" w="med" len="med"/>
+                      <a:tailEnd type="none" w="med" len="med"/>
+                    </a:lnR>
+                    <a:lnT w="12700" cap="flat" cmpd="sng" algn="ctr">
+                      <a:solidFill>
+                        <a:schemeClr val="tx1"/>
+                      </a:solidFill>
+                      <a:prstDash val="solid"/>
+                      <a:round/>
+                      <a:headEnd type="none" w="med" len="med"/>
+                      <a:tailEnd type="none" w="med" len="med"/>
+                    </a:lnT>
+                    <a:lnB w="12700" cap="flat" cmpd="sng" algn="ctr">
+                      <a:solidFill>
+                        <a:schemeClr val="tx1"/>
+                      </a:solidFill>
+                      <a:prstDash val="solid"/>
+                      <a:round/>
+                      <a:headEnd type="none" w="med" len="med"/>
+                      <a:tailEnd type="none" w="med" len="med"/>
+                    </a:lnB>
+                    <a:noFill/>
+                  </a:tcPr>
+                </a:tc>
+                <a:extLst>
+                  <a:ext uri="{0D108BD9-81ED-4DB2-BD59-A6C34878D82A}">
+                    <a16:rowId xmlns:a16="http://schemas.microsoft.com/office/drawing/2014/main" val="1657820915"/>
+                  </a:ext>
+                </a:extLst>
+              </a:tr>
+            </a:tbl>
+          </a:graphicData>
+        </a:graphic>
+      </p:graphicFrame>
+    </p:spTree>
+    <p:extLst>
+      <p:ext uri="{BB962C8B-B14F-4D97-AF65-F5344CB8AC3E}">
+        <p14:creationId xmlns:p14="http://schemas.microsoft.com/office/powerpoint/2010/main" val="3231610910"/>
+      </p:ext>
+    </p:extLst>
+  </p:cSld>
+  <p:clrMapOvr>
+    <a:masterClrMapping/>
+  </p:clrMapOvr>
+</p:sld>
+</file>
+
+<file path=ppt/slides/slide3.xml><?xml version="1.0" encoding="utf-8"?>
+<p:sld xmlns:a="http://schemas.openxmlformats.org/drawingml/2006/main" xmlns:r="http://schemas.openxmlformats.org/officeDocument/2006/relationships" xmlns:p="http://schemas.openxmlformats.org/presentationml/2006/main">
+  <p:cSld>
+    <p:spTree>
+      <p:nvGrpSpPr>
+        <p:cNvPr id="1" name=""/>
+        <p:cNvGrpSpPr/>
+        <p:nvPr/>
+      </p:nvGrpSpPr>
+      <p:grpSpPr>
+        <a:xfrm>
+          <a:off x="0" y="0"/>
+          <a:ext cx="0" cy="0"/>
+          <a:chOff x="0" y="0"/>
+          <a:chExt cx="0" cy="0"/>
+        </a:xfrm>
+      </p:grpSpPr>
+      <p:sp>
+        <p:nvSpPr>
+          <p:cNvPr id="4" name="직사각형 3"/>
+          <p:cNvSpPr/>
+          <p:nvPr/>
+        </p:nvSpPr>
+        <p:spPr>
+          <a:xfrm>
+            <a:off x="1227993" y="1081453"/>
+            <a:ext cx="10964007" cy="79131"/>
+          </a:xfrm>
+          <a:prstGeom prst="rect">
+            <a:avLst/>
+          </a:prstGeom>
+          <a:solidFill>
+            <a:srgbClr val="FF0000"/>
+          </a:solidFill>
+          <a:ln>
+            <a:noFill/>
+          </a:ln>
+        </p:spPr>
+        <p:style>
+          <a:lnRef idx="2">
+            <a:schemeClr val="accent1">
+              <a:shade val="50000"/>
+            </a:schemeClr>
+          </a:lnRef>
+          <a:fillRef idx="1">
+            <a:schemeClr val="accent1"/>
+          </a:fillRef>
+          <a:effectRef idx="0">
+            <a:schemeClr val="accent1"/>
+          </a:effectRef>
+          <a:fontRef idx="minor">
+            <a:schemeClr val="lt1"/>
+          </a:fontRef>
+        </p:style>
+        <p:txBody>
+          <a:bodyPr rtlCol="0" anchor="ctr"/>
+          <a:lstStyle/>
+          <a:p>
+            <a:pPr algn="ctr"/>
+            <a:endParaRPr lang="ko-KR" altLang="en-US"/>
+          </a:p>
+        </p:txBody>
+      </p:sp>
+      <p:sp>
+        <p:nvSpPr>
           <p:cNvPr id="8" name="TextBox 7">
             <a:extLst>
               <a:ext uri="{FF2B5EF4-FFF2-40B4-BE49-F238E27FC236}">
@@ -3982,14 +6515,14 @@
           <p:nvPr>
             <p:extLst>
               <p:ext uri="{D42A27DB-BD31-4B8C-83A1-F6EECF244321}">
-                <p14:modId xmlns:p14="http://schemas.microsoft.com/office/powerpoint/2010/main" val="1458949083"/>
+                <p14:modId xmlns:p14="http://schemas.microsoft.com/office/powerpoint/2010/main" val="573725362"/>
               </p:ext>
             </p:extLst>
           </p:nvPr>
         </p:nvGraphicFramePr>
         <p:xfrm>
-          <a:off x="292962" y="1475508"/>
-          <a:ext cx="11487705" cy="1436637"/>
+          <a:off x="246782" y="1475508"/>
+          <a:ext cx="11668130" cy="1436637"/>
         </p:xfrm>
         <a:graphic>
           <a:graphicData uri="http://schemas.openxmlformats.org/drawingml/2006/table">
@@ -3998,35 +6531,35 @@
                 <a:tableStyleId>{5C22544A-7EE6-4342-B048-85BDC9FD1C3A}</a:tableStyleId>
               </a:tblPr>
               <a:tblGrid>
-                <a:gridCol w="2297541">
+                <a:gridCol w="2333626">
                   <a:extLst>
                     <a:ext uri="{9D8B030D-6E8A-4147-A177-3AD203B41FA5}">
                       <a16:colId xmlns:a16="http://schemas.microsoft.com/office/drawing/2014/main" val="430404117"/>
                     </a:ext>
                   </a:extLst>
                 </a:gridCol>
-                <a:gridCol w="2297541">
+                <a:gridCol w="2333626">
                   <a:extLst>
                     <a:ext uri="{9D8B030D-6E8A-4147-A177-3AD203B41FA5}">
                       <a16:colId xmlns:a16="http://schemas.microsoft.com/office/drawing/2014/main" val="4046206806"/>
                     </a:ext>
                   </a:extLst>
                 </a:gridCol>
-                <a:gridCol w="2297541">
+                <a:gridCol w="2333626">
                   <a:extLst>
                     <a:ext uri="{9D8B030D-6E8A-4147-A177-3AD203B41FA5}">
                       <a16:colId xmlns:a16="http://schemas.microsoft.com/office/drawing/2014/main" val="855837113"/>
                     </a:ext>
                   </a:extLst>
                 </a:gridCol>
-                <a:gridCol w="2297541">
+                <a:gridCol w="2333626">
                   <a:extLst>
                     <a:ext uri="{9D8B030D-6E8A-4147-A177-3AD203B41FA5}">
                       <a16:colId xmlns:a16="http://schemas.microsoft.com/office/drawing/2014/main" val="3091259341"/>
                     </a:ext>
                   </a:extLst>
                 </a:gridCol>
-                <a:gridCol w="2297541">
+                <a:gridCol w="2333626">
                   <a:extLst>
                     <a:ext uri="{9D8B030D-6E8A-4147-A177-3AD203B41FA5}">
                       <a16:colId xmlns:a16="http://schemas.microsoft.com/office/drawing/2014/main" val="3597849973"/>
@@ -4372,10 +6905,10 @@
                         <a:buChar char="Ø"/>
                       </a:pPr>
                       <a:r>
-                        <a:rPr lang="ko-KR" altLang="en-US" sz="1200" dirty="0"/>
+                        <a:rPr lang="ko-KR" altLang="en-US" sz="1100" dirty="0"/>
                         <a:t>약관 및 개인정보취급동의</a:t>
                       </a:r>
-                      <a:endParaRPr lang="en-US" altLang="ko-KR" sz="1200" dirty="0"/>
+                      <a:endParaRPr lang="en-US" altLang="ko-KR" sz="1100" dirty="0"/>
                     </a:p>
                     <a:p>
                       <a:pPr marL="285750" indent="-285750" latinLnBrk="1">
@@ -4383,10 +6916,10 @@
                         <a:buChar char="Ø"/>
                       </a:pPr>
                       <a:r>
-                        <a:rPr lang="ko-KR" altLang="en-US" sz="1200" dirty="0"/>
+                        <a:rPr lang="ko-KR" altLang="en-US" sz="1100" dirty="0"/>
                         <a:t>회원 가입</a:t>
                       </a:r>
-                      <a:endParaRPr lang="en-US" altLang="ko-KR" sz="1200" dirty="0"/>
+                      <a:endParaRPr lang="en-US" altLang="ko-KR" sz="1100" dirty="0"/>
                     </a:p>
                     <a:p>
                       <a:pPr marL="285750" indent="-285750" latinLnBrk="1">
@@ -4394,7 +6927,7 @@
                         <a:buChar char="Ø"/>
                       </a:pPr>
                       <a:r>
-                        <a:rPr lang="ko-KR" altLang="en-US" sz="1200" dirty="0"/>
+                        <a:rPr lang="ko-KR" altLang="en-US" sz="1100" dirty="0"/>
                         <a:t>가입 완료</a:t>
                       </a:r>
                     </a:p>
@@ -4453,10 +6986,10 @@
                         <a:buChar char="Ø"/>
                       </a:pPr>
                       <a:r>
-                        <a:rPr lang="ko-KR" altLang="en-US" sz="1200" dirty="0"/>
+                        <a:rPr lang="ko-KR" altLang="en-US" sz="1100" dirty="0"/>
                         <a:t>회사소개</a:t>
                       </a:r>
-                      <a:endParaRPr lang="en-US" altLang="ko-KR" sz="1200" dirty="0"/>
+                      <a:endParaRPr lang="en-US" altLang="ko-KR" sz="1100" dirty="0"/>
                     </a:p>
                     <a:p>
                       <a:pPr marL="171450" indent="-171450" latinLnBrk="1">
@@ -4464,7 +6997,7 @@
                         <a:buChar char="Ø"/>
                       </a:pPr>
                       <a:r>
-                        <a:rPr lang="ko-KR" altLang="en-US" sz="1200" dirty="0"/>
+                        <a:rPr lang="ko-KR" altLang="en-US" sz="1100" dirty="0"/>
                         <a:t>찾아오시는 길</a:t>
                       </a:r>
                     </a:p>
@@ -4518,8 +7051,49 @@
                     <a:bodyPr/>
                     <a:lstStyle/>
                     <a:p>
-                      <a:pPr latinLnBrk="1"/>
-                      <a:endParaRPr lang="ko-KR" altLang="en-US" sz="1200" dirty="0"/>
+                      <a:pPr marL="171450" indent="-171450" latinLnBrk="1">
+                        <a:buFont typeface="Wingdings" panose="05000000000000000000" pitchFamily="2" charset="2"/>
+                        <a:buChar char="Ø"/>
+                      </a:pPr>
+                      <a:r>
+                        <a:rPr lang="ko-KR" altLang="en-US" sz="1100" dirty="0"/>
+                        <a:t>도서 </a:t>
+                      </a:r>
+                      <a:r>
+                        <a:rPr lang="en-US" altLang="ko-KR" sz="1100" dirty="0"/>
+                        <a:t>(</a:t>
+                      </a:r>
+                      <a:r>
+                        <a:rPr lang="ko-KR" altLang="en-US" sz="1100" dirty="0"/>
+                        <a:t>목록</a:t>
+                      </a:r>
+                      <a:r>
+                        <a:rPr lang="en-US" altLang="ko-KR" sz="1100" dirty="0"/>
+                        <a:t>)</a:t>
+                      </a:r>
+                    </a:p>
+                    <a:p>
+                      <a:pPr marL="268288" indent="-176213" latinLnBrk="1">
+                        <a:buFont typeface="Arial" panose="020B0604020202020204" pitchFamily="34" charset="0"/>
+                        <a:buChar char="•"/>
+                      </a:pPr>
+                      <a:r>
+                        <a:rPr lang="ko-KR" altLang="en-US" sz="1100" dirty="0"/>
+                        <a:t>도서 </a:t>
+                      </a:r>
+                      <a:r>
+                        <a:rPr lang="en-US" altLang="ko-KR" sz="1100" dirty="0"/>
+                        <a:t>(</a:t>
+                      </a:r>
+                      <a:r>
+                        <a:rPr lang="ko-KR" altLang="en-US" sz="1100" dirty="0"/>
+                        <a:t>상세</a:t>
+                      </a:r>
+                      <a:r>
+                        <a:rPr lang="en-US" altLang="ko-KR" sz="1100" dirty="0"/>
+                        <a:t>)</a:t>
+                      </a:r>
+                      <a:endParaRPr lang="ko-KR" altLang="en-US" sz="1100" dirty="0"/>
                     </a:p>
                   </a:txBody>
                   <a:tcPr>
@@ -4571,8 +7145,33 @@
                     <a:bodyPr/>
                     <a:lstStyle/>
                     <a:p>
-                      <a:pPr latinLnBrk="1"/>
-                      <a:endParaRPr lang="ko-KR" altLang="en-US" sz="1200" dirty="0"/>
+                      <a:pPr marL="171450" indent="-171450" latinLnBrk="1">
+                        <a:buFont typeface="Wingdings" panose="05000000000000000000" pitchFamily="2" charset="2"/>
+                        <a:buChar char="Ø"/>
+                      </a:pPr>
+                      <a:r>
+                        <a:rPr lang="ko-KR" altLang="en-US" sz="1100" dirty="0"/>
+                        <a:t>자료실 </a:t>
+                      </a:r>
+                      <a:r>
+                        <a:rPr lang="en-US" altLang="ko-KR" sz="1100" dirty="0"/>
+                        <a:t>(</a:t>
+                      </a:r>
+                      <a:r>
+                        <a:rPr lang="ko-KR" altLang="en-US" sz="1100" dirty="0"/>
+                        <a:t>목록</a:t>
+                      </a:r>
+                      <a:r>
+                        <a:rPr lang="en-US" altLang="ko-KR" sz="1100" dirty="0"/>
+                        <a:t>)</a:t>
+                      </a:r>
+                    </a:p>
+                    <a:p>
+                      <a:pPr marL="0" indent="0" latinLnBrk="1">
+                        <a:buFont typeface="Wingdings" panose="05000000000000000000" pitchFamily="2" charset="2"/>
+                        <a:buNone/>
+                      </a:pPr>
+                      <a:endParaRPr lang="ko-KR" altLang="en-US" sz="1100" dirty="0"/>
                     </a:p>
                   </a:txBody>
                   <a:tcPr>
@@ -4624,8 +7223,92 @@
                     <a:bodyPr/>
                     <a:lstStyle/>
                     <a:p>
-                      <a:pPr latinLnBrk="1"/>
-                      <a:endParaRPr lang="ko-KR" altLang="en-US" sz="1200" dirty="0"/>
+                      <a:pPr marL="171450" indent="-171450" latinLnBrk="1">
+                        <a:buFont typeface="Wingdings" panose="05000000000000000000" pitchFamily="2" charset="2"/>
+                        <a:buChar char="Ø"/>
+                      </a:pPr>
+                      <a:r>
+                        <a:rPr lang="ko-KR" altLang="en-US" sz="1100" dirty="0"/>
+                        <a:t>질문답변 </a:t>
+                      </a:r>
+                      <a:r>
+                        <a:rPr lang="en-US" altLang="ko-KR" sz="1100" dirty="0"/>
+                        <a:t>(</a:t>
+                      </a:r>
+                      <a:r>
+                        <a:rPr lang="ko-KR" altLang="en-US" sz="1100" dirty="0"/>
+                        <a:t>목록</a:t>
+                      </a:r>
+                      <a:r>
+                        <a:rPr lang="en-US" altLang="ko-KR" sz="1100" dirty="0"/>
+                        <a:t>)</a:t>
+                      </a:r>
+                    </a:p>
+                    <a:p>
+                      <a:pPr marL="268288" indent="-176213" latinLnBrk="1">
+                        <a:buFont typeface="Arial" panose="020B0604020202020204" pitchFamily="34" charset="0"/>
+                        <a:buChar char="•"/>
+                      </a:pPr>
+                      <a:r>
+                        <a:rPr lang="ko-KR" altLang="en-US" sz="1100" dirty="0"/>
+                        <a:t>질문답변 </a:t>
+                      </a:r>
+                      <a:r>
+                        <a:rPr lang="en-US" altLang="ko-KR" sz="1100" dirty="0"/>
+                        <a:t>(</a:t>
+                      </a:r>
+                      <a:r>
+                        <a:rPr lang="ko-KR" altLang="en-US" sz="1100" dirty="0"/>
+                        <a:t>상세</a:t>
+                      </a:r>
+                      <a:r>
+                        <a:rPr lang="en-US" altLang="ko-KR" sz="1100" dirty="0"/>
+                        <a:t>)</a:t>
+                      </a:r>
+                    </a:p>
+                    <a:p>
+                      <a:pPr marL="360363" indent="-184150" latinLnBrk="1">
+                        <a:buFont typeface="Wingdings" panose="05000000000000000000" pitchFamily="2" charset="2"/>
+                        <a:buChar char="ü"/>
+                      </a:pPr>
+                      <a:r>
+                        <a:rPr lang="ko-KR" altLang="en-US" sz="1100" dirty="0"/>
+                        <a:t>질문답변 </a:t>
+                      </a:r>
+                      <a:r>
+                        <a:rPr lang="en-US" altLang="ko-KR" sz="1100" dirty="0"/>
+                        <a:t>(</a:t>
+                      </a:r>
+                      <a:r>
+                        <a:rPr lang="ko-KR" altLang="en-US" sz="1100" dirty="0"/>
+                        <a:t>수정</a:t>
+                      </a:r>
+                      <a:r>
+                        <a:rPr lang="en-US" altLang="ko-KR" sz="1100" dirty="0"/>
+                        <a:t>)</a:t>
+                      </a:r>
+                    </a:p>
+                    <a:p>
+                      <a:pPr marL="268288" indent="-176213" latinLnBrk="1">
+                        <a:buFont typeface="Arial" panose="020B0604020202020204" pitchFamily="34" charset="0"/>
+                        <a:buChar char="•"/>
+                      </a:pPr>
+                      <a:r>
+                        <a:rPr lang="ko-KR" altLang="en-US" sz="1100" dirty="0"/>
+                        <a:t>질문답변 </a:t>
+                      </a:r>
+                      <a:r>
+                        <a:rPr lang="en-US" altLang="ko-KR" sz="1100" dirty="0"/>
+                        <a:t>(</a:t>
+                      </a:r>
+                      <a:r>
+                        <a:rPr lang="ko-KR" altLang="en-US" sz="1100" dirty="0"/>
+                        <a:t>쓰기</a:t>
+                      </a:r>
+                      <a:r>
+                        <a:rPr lang="en-US" altLang="ko-KR" sz="1100" dirty="0"/>
+                        <a:t>)</a:t>
+                      </a:r>
                     </a:p>
                   </a:txBody>
                   <a:tcPr>
@@ -4697,14 +7380,14 @@
           <p:nvPr>
             <p:extLst>
               <p:ext uri="{D42A27DB-BD31-4B8C-83A1-F6EECF244321}">
-                <p14:modId xmlns:p14="http://schemas.microsoft.com/office/powerpoint/2010/main" val="3229635118"/>
+                <p14:modId xmlns:p14="http://schemas.microsoft.com/office/powerpoint/2010/main" val="1905922483"/>
               </p:ext>
             </p:extLst>
           </p:nvPr>
         </p:nvGraphicFramePr>
         <p:xfrm>
-          <a:off x="292961" y="3210537"/>
-          <a:ext cx="11487705" cy="1436637"/>
+          <a:off x="246781" y="3210537"/>
+          <a:ext cx="11668130" cy="1436637"/>
         </p:xfrm>
         <a:graphic>
           <a:graphicData uri="http://schemas.openxmlformats.org/drawingml/2006/table">
@@ -4713,35 +7396,35 @@
                 <a:tableStyleId>{5C22544A-7EE6-4342-B048-85BDC9FD1C3A}</a:tableStyleId>
               </a:tblPr>
               <a:tblGrid>
-                <a:gridCol w="2297541">
+                <a:gridCol w="2333626">
                   <a:extLst>
                     <a:ext uri="{9D8B030D-6E8A-4147-A177-3AD203B41FA5}">
                       <a16:colId xmlns:a16="http://schemas.microsoft.com/office/drawing/2014/main" val="3202646666"/>
                     </a:ext>
                   </a:extLst>
                 </a:gridCol>
-                <a:gridCol w="2297541">
+                <a:gridCol w="2333626">
                   <a:extLst>
                     <a:ext uri="{9D8B030D-6E8A-4147-A177-3AD203B41FA5}">
                       <a16:colId xmlns:a16="http://schemas.microsoft.com/office/drawing/2014/main" val="2570814705"/>
                     </a:ext>
                   </a:extLst>
                 </a:gridCol>
-                <a:gridCol w="2297541">
+                <a:gridCol w="2333626">
                   <a:extLst>
                     <a:ext uri="{9D8B030D-6E8A-4147-A177-3AD203B41FA5}">
                       <a16:colId xmlns:a16="http://schemas.microsoft.com/office/drawing/2014/main" val="306342332"/>
                     </a:ext>
                   </a:extLst>
                 </a:gridCol>
-                <a:gridCol w="2297541">
+                <a:gridCol w="2333626">
                   <a:extLst>
                     <a:ext uri="{9D8B030D-6E8A-4147-A177-3AD203B41FA5}">
                       <a16:colId xmlns:a16="http://schemas.microsoft.com/office/drawing/2014/main" val="2168755913"/>
                     </a:ext>
                   </a:extLst>
                 </a:gridCol>
-                <a:gridCol w="2297541">
+                <a:gridCol w="2333626">
                   <a:extLst>
                     <a:ext uri="{9D8B030D-6E8A-4147-A177-3AD203B41FA5}">
                       <a16:colId xmlns:a16="http://schemas.microsoft.com/office/drawing/2014/main" val="831965974"/>
@@ -5122,61 +7805,55 @@
                     <a:bodyPr/>
                     <a:lstStyle/>
                     <a:p>
-                      <a:pPr latinLnBrk="1"/>
-                      <a:endParaRPr lang="ko-KR" altLang="en-US" sz="1200" dirty="0"/>
+                      <a:pPr marL="171450" indent="-171450" latinLnBrk="1">
+                        <a:buFont typeface="Wingdings" panose="05000000000000000000" pitchFamily="2" charset="2"/>
+                        <a:buChar char="Ø"/>
+                      </a:pPr>
+                      <a:r>
+                        <a:rPr lang="ko-KR" altLang="en-US" sz="1100" dirty="0"/>
+                        <a:t>동영상 강의 </a:t>
+                      </a:r>
+                      <a:r>
+                        <a:rPr lang="en-US" altLang="ko-KR" sz="1100" dirty="0"/>
+                        <a:t>(</a:t>
+                      </a:r>
+                      <a:r>
+                        <a:rPr lang="ko-KR" altLang="en-US" sz="1100" dirty="0"/>
+                        <a:t>목록</a:t>
+                      </a:r>
+                      <a:r>
+                        <a:rPr lang="en-US" altLang="ko-KR" sz="1100" dirty="0"/>
+                        <a:t>)</a:t>
+                      </a:r>
                     </a:p>
-                  </a:txBody>
-                  <a:tcPr>
-                    <a:lnL w="12700" cap="flat" cmpd="sng" algn="ctr">
-                      <a:noFill/>
-                      <a:prstDash val="solid"/>
-                      <a:round/>
-                      <a:headEnd type="none" w="med" len="med"/>
-                      <a:tailEnd type="none" w="med" len="med"/>
-                    </a:lnL>
-                    <a:lnR w="12700" cap="flat" cmpd="sng" algn="ctr">
-                      <a:noFill/>
-                      <a:prstDash val="solid"/>
-                      <a:round/>
-                      <a:headEnd type="none" w="med" len="med"/>
-                      <a:tailEnd type="none" w="med" len="med"/>
-                    </a:lnR>
-                    <a:lnT w="12700" cap="flat" cmpd="sng" algn="ctr">
-                      <a:solidFill>
-                        <a:schemeClr val="tx1"/>
-                      </a:solidFill>
-                      <a:prstDash val="solid"/>
-                      <a:round/>
-                      <a:headEnd type="none" w="med" len="med"/>
-                      <a:tailEnd type="none" w="med" len="med"/>
-                    </a:lnT>
-                    <a:lnB w="12700" cap="flat" cmpd="sng" algn="ctr">
-                      <a:solidFill>
-                        <a:schemeClr val="tx1"/>
-                      </a:solidFill>
-                      <a:prstDash val="solid"/>
-                      <a:round/>
-                      <a:headEnd type="none" w="med" len="med"/>
-                      <a:tailEnd type="none" w="med" len="med"/>
-                    </a:lnB>
-                    <a:lnTlToBr w="12700" cmpd="sng">
-                      <a:noFill/>
-                      <a:prstDash val="solid"/>
-                    </a:lnTlToBr>
-                    <a:lnBlToTr w="12700" cmpd="sng">
-                      <a:noFill/>
-                      <a:prstDash val="solid"/>
-                    </a:lnBlToTr>
-                    <a:noFill/>
-                  </a:tcPr>
-                </a:tc>
-                <a:tc>
-                  <a:txBody>
-                    <a:bodyPr/>
-                    <a:lstStyle/>
                     <a:p>
-                      <a:pPr latinLnBrk="1"/>
-                      <a:endParaRPr lang="en-US" altLang="ko-KR" sz="1200" dirty="0"/>
+                      <a:pPr marL="268288" indent="-176213" latinLnBrk="1">
+                        <a:buFont typeface="Arial" panose="020B0604020202020204" pitchFamily="34" charset="0"/>
+                        <a:buChar char="•"/>
+                      </a:pPr>
+                      <a:r>
+                        <a:rPr lang="ko-KR" altLang="en-US" sz="1100" dirty="0"/>
+                        <a:t>동영상 강의 </a:t>
+                      </a:r>
+                      <a:r>
+                        <a:rPr lang="en-US" altLang="ko-KR" sz="1100" dirty="0"/>
+                        <a:t>(</a:t>
+                      </a:r>
+                      <a:r>
+                        <a:rPr lang="ko-KR" altLang="en-US" sz="1100" dirty="0"/>
+                        <a:t>상세</a:t>
+                      </a:r>
+                      <a:r>
+                        <a:rPr lang="en-US" altLang="ko-KR" sz="1100" dirty="0"/>
+                        <a:t>)</a:t>
+                      </a:r>
+                    </a:p>
+                    <a:p>
+                      <a:pPr marL="0" indent="0" latinLnBrk="1">
+                        <a:buFont typeface="Wingdings" panose="05000000000000000000" pitchFamily="2" charset="2"/>
+                        <a:buNone/>
+                      </a:pPr>
+                      <a:endParaRPr lang="ko-KR" altLang="en-US" sz="1100" dirty="0"/>
                     </a:p>
                   </a:txBody>
                   <a:tcPr>
@@ -5233,10 +7910,119 @@
                         <a:buChar char="Ø"/>
                       </a:pPr>
                       <a:r>
-                        <a:rPr lang="ko-KR" altLang="en-US" sz="1200" dirty="0"/>
+                        <a:rPr lang="ko-KR" altLang="en-US" sz="1100" dirty="0"/>
+                        <a:t>공지사항</a:t>
+                      </a:r>
+                      <a:r>
+                        <a:rPr lang="en-US" altLang="ko-KR" sz="1100" dirty="0"/>
+                        <a:t>/</a:t>
+                      </a:r>
+                      <a:r>
+                        <a:rPr lang="ko-KR" altLang="en-US" sz="1100" dirty="0"/>
+                        <a:t>이벤트 </a:t>
+                      </a:r>
+                      <a:r>
+                        <a:rPr lang="en-US" altLang="ko-KR" sz="1100" dirty="0"/>
+                        <a:t>(</a:t>
+                      </a:r>
+                      <a:r>
+                        <a:rPr lang="ko-KR" altLang="en-US" sz="1100" dirty="0"/>
+                        <a:t>목록</a:t>
+                      </a:r>
+                      <a:r>
+                        <a:rPr lang="en-US" altLang="ko-KR" sz="1100" dirty="0"/>
+                        <a:t>)</a:t>
+                      </a:r>
+                    </a:p>
+                    <a:p>
+                      <a:pPr marL="268288" indent="-176213" latinLnBrk="1">
+                        <a:buFont typeface="Arial" panose="020B0604020202020204" pitchFamily="34" charset="0"/>
+                        <a:buChar char="•"/>
+                      </a:pPr>
+                      <a:r>
+                        <a:rPr lang="ko-KR" altLang="en-US" sz="1100" dirty="0"/>
+                        <a:t>공지사항</a:t>
+                      </a:r>
+                      <a:r>
+                        <a:rPr lang="en-US" altLang="ko-KR" sz="1100" dirty="0"/>
+                        <a:t>/</a:t>
+                      </a:r>
+                      <a:r>
+                        <a:rPr lang="ko-KR" altLang="en-US" sz="1100" dirty="0"/>
+                        <a:t>이벤트 </a:t>
+                      </a:r>
+                      <a:r>
+                        <a:rPr lang="en-US" altLang="ko-KR" sz="1100" dirty="0"/>
+                        <a:t>(</a:t>
+                      </a:r>
+                      <a:r>
+                        <a:rPr lang="ko-KR" altLang="en-US" sz="1100" dirty="0"/>
+                        <a:t>상세</a:t>
+                      </a:r>
+                      <a:r>
+                        <a:rPr lang="en-US" altLang="ko-KR" sz="1100" dirty="0"/>
+                        <a:t>)</a:t>
+                      </a:r>
+                    </a:p>
+                  </a:txBody>
+                  <a:tcPr>
+                    <a:lnL w="12700" cap="flat" cmpd="sng" algn="ctr">
+                      <a:noFill/>
+                      <a:prstDash val="solid"/>
+                      <a:round/>
+                      <a:headEnd type="none" w="med" len="med"/>
+                      <a:tailEnd type="none" w="med" len="med"/>
+                    </a:lnL>
+                    <a:lnR w="12700" cap="flat" cmpd="sng" algn="ctr">
+                      <a:noFill/>
+                      <a:prstDash val="solid"/>
+                      <a:round/>
+                      <a:headEnd type="none" w="med" len="med"/>
+                      <a:tailEnd type="none" w="med" len="med"/>
+                    </a:lnR>
+                    <a:lnT w="12700" cap="flat" cmpd="sng" algn="ctr">
+                      <a:solidFill>
+                        <a:schemeClr val="tx1"/>
+                      </a:solidFill>
+                      <a:prstDash val="solid"/>
+                      <a:round/>
+                      <a:headEnd type="none" w="med" len="med"/>
+                      <a:tailEnd type="none" w="med" len="med"/>
+                    </a:lnT>
+                    <a:lnB w="12700" cap="flat" cmpd="sng" algn="ctr">
+                      <a:solidFill>
+                        <a:schemeClr val="tx1"/>
+                      </a:solidFill>
+                      <a:prstDash val="solid"/>
+                      <a:round/>
+                      <a:headEnd type="none" w="med" len="med"/>
+                      <a:tailEnd type="none" w="med" len="med"/>
+                    </a:lnB>
+                    <a:lnTlToBr w="12700" cmpd="sng">
+                      <a:noFill/>
+                      <a:prstDash val="solid"/>
+                    </a:lnTlToBr>
+                    <a:lnBlToTr w="12700" cmpd="sng">
+                      <a:noFill/>
+                      <a:prstDash val="solid"/>
+                    </a:lnBlToTr>
+                    <a:noFill/>
+                  </a:tcPr>
+                </a:tc>
+                <a:tc>
+                  <a:txBody>
+                    <a:bodyPr/>
+                    <a:lstStyle/>
+                    <a:p>
+                      <a:pPr marL="171450" indent="-171450" latinLnBrk="1">
+                        <a:buFont typeface="Wingdings" panose="05000000000000000000" pitchFamily="2" charset="2"/>
+                        <a:buChar char="Ø"/>
+                      </a:pPr>
+                      <a:r>
+                        <a:rPr lang="ko-KR" altLang="en-US" sz="1100" dirty="0"/>
                         <a:t>아이디 찾기</a:t>
                       </a:r>
-                      <a:endParaRPr lang="en-US" altLang="ko-KR" sz="1200" dirty="0"/>
+                      <a:endParaRPr lang="en-US" altLang="ko-KR" sz="1100" dirty="0"/>
                     </a:p>
                     <a:p>
                       <a:pPr marL="171450" indent="-171450" latinLnBrk="1">
@@ -5244,10 +8030,10 @@
                         <a:buChar char="Ø"/>
                       </a:pPr>
                       <a:r>
-                        <a:rPr lang="ko-KR" altLang="en-US" sz="1200" dirty="0"/>
+                        <a:rPr lang="ko-KR" altLang="en-US" sz="1100" dirty="0"/>
                         <a:t>비밀번호 찾기</a:t>
                       </a:r>
-                      <a:endParaRPr lang="en-US" altLang="ko-KR" sz="1200" dirty="0"/>
+                      <a:endParaRPr lang="en-US" altLang="ko-KR" sz="1100" dirty="0"/>
                     </a:p>
                     <a:p>
                       <a:pPr marL="171450" indent="-171450" latinLnBrk="1">
@@ -5255,10 +8041,10 @@
                         <a:buChar char="Ø"/>
                       </a:pPr>
                       <a:r>
-                        <a:rPr lang="ko-KR" altLang="en-US" sz="1200" dirty="0"/>
+                        <a:rPr lang="ko-KR" altLang="en-US" sz="1100" dirty="0"/>
                         <a:t>회원가입</a:t>
                       </a:r>
-                      <a:endParaRPr lang="en-US" altLang="ko-KR" sz="1200" dirty="0"/>
+                      <a:endParaRPr lang="en-US" altLang="ko-KR" sz="1100" dirty="0"/>
                     </a:p>
                   </a:txBody>
                   <a:tcPr>
@@ -5315,10 +8101,10 @@
                         <a:buChar char="Ø"/>
                       </a:pPr>
                       <a:r>
-                        <a:rPr lang="ko-KR" altLang="en-US" sz="1200" dirty="0"/>
+                        <a:rPr lang="ko-KR" altLang="en-US" sz="1100" dirty="0"/>
                         <a:t>회원정보변경</a:t>
                       </a:r>
-                      <a:endParaRPr lang="en-US" altLang="ko-KR" sz="1200" dirty="0"/>
+                      <a:endParaRPr lang="en-US" altLang="ko-KR" sz="1100" dirty="0"/>
                     </a:p>
                     <a:p>
                       <a:pPr marL="285750" indent="-285750" latinLnBrk="1">
@@ -5326,10 +8112,10 @@
                         <a:buChar char="Ø"/>
                       </a:pPr>
                       <a:r>
-                        <a:rPr lang="ko-KR" altLang="en-US" sz="1200" dirty="0"/>
+                        <a:rPr lang="ko-KR" altLang="en-US" sz="1100" dirty="0"/>
                         <a:t>회원 탈퇴</a:t>
                       </a:r>
-                      <a:endParaRPr lang="en-US" altLang="ko-KR" sz="1200" dirty="0"/>
+                      <a:endParaRPr lang="en-US" altLang="ko-KR" sz="1100" dirty="0"/>
                     </a:p>
                   </a:txBody>
                   <a:tcPr>
@@ -5386,10 +8172,10 @@
                         <a:buChar char="Ø"/>
                       </a:pPr>
                       <a:r>
-                        <a:rPr lang="ko-KR" altLang="en-US" sz="1200" dirty="0"/>
+                        <a:rPr lang="ko-KR" altLang="en-US" sz="1100" dirty="0"/>
                         <a:t>회원 관리</a:t>
                       </a:r>
-                      <a:endParaRPr lang="en-US" altLang="ko-KR" sz="1200" dirty="0"/>
+                      <a:endParaRPr lang="en-US" altLang="ko-KR" sz="1100" dirty="0"/>
                     </a:p>
                   </a:txBody>
                   <a:tcPr>

--- a/Documents/사이트맵.pptx
+++ b/Documents/사이트맵.pptx
@@ -4841,7 +4841,7 @@
           <p:nvPr>
             <p:extLst>
               <p:ext uri="{D42A27DB-BD31-4B8C-83A1-F6EECF244321}">
-                <p14:modId xmlns:p14="http://schemas.microsoft.com/office/powerpoint/2010/main" val="3247703383"/>
+                <p14:modId xmlns:p14="http://schemas.microsoft.com/office/powerpoint/2010/main" val="2107632071"/>
               </p:ext>
             </p:extLst>
           </p:nvPr>
@@ -5521,12 +5521,20 @@
                         <a:buChar char="•"/>
                       </a:pPr>
                       <a:r>
+                        <a:rPr lang="ko-KR" altLang="en-US" sz="1600" dirty="0" smtClean="0">
+                          <a:solidFill>
+                            <a:schemeClr val="tx1"/>
+                          </a:solidFill>
+                        </a:rPr>
+                        <a:t>페이지 </a:t>
+                      </a:r>
+                      <a:r>
                         <a:rPr lang="ko-KR" altLang="en-US" sz="1600" dirty="0">
                           <a:solidFill>
                             <a:schemeClr val="tx1"/>
                           </a:solidFill>
                         </a:rPr>
-                        <a:t>상세 페이지 추가</a:t>
+                        <a:t>추가</a:t>
                       </a:r>
                       <a:r>
                         <a:rPr lang="en-US" altLang="ko-KR" sz="1600" dirty="0">

--- a/Documents/사이트맵.pptx
+++ b/Documents/사이트맵.pptx
@@ -261,7 +261,7 @@
           <a:p>
             <a:fld id="{5E9156A5-F3EC-48FB-8574-275309479A4C}" type="datetimeFigureOut">
               <a:rPr lang="ko-KR" altLang="en-US" smtClean="0"/>
-              <a:t>2020-05-27</a:t>
+              <a:t>2020-05-31</a:t>
             </a:fld>
             <a:endParaRPr lang="ko-KR" altLang="en-US"/>
           </a:p>
@@ -459,7 +459,7 @@
           <a:p>
             <a:fld id="{5E9156A5-F3EC-48FB-8574-275309479A4C}" type="datetimeFigureOut">
               <a:rPr lang="ko-KR" altLang="en-US" smtClean="0"/>
-              <a:t>2020-05-27</a:t>
+              <a:t>2020-05-31</a:t>
             </a:fld>
             <a:endParaRPr lang="ko-KR" altLang="en-US"/>
           </a:p>
@@ -667,7 +667,7 @@
           <a:p>
             <a:fld id="{5E9156A5-F3EC-48FB-8574-275309479A4C}" type="datetimeFigureOut">
               <a:rPr lang="ko-KR" altLang="en-US" smtClean="0"/>
-              <a:t>2020-05-27</a:t>
+              <a:t>2020-05-31</a:t>
             </a:fld>
             <a:endParaRPr lang="ko-KR" altLang="en-US"/>
           </a:p>
@@ -865,7 +865,7 @@
           <a:p>
             <a:fld id="{5E9156A5-F3EC-48FB-8574-275309479A4C}" type="datetimeFigureOut">
               <a:rPr lang="ko-KR" altLang="en-US" smtClean="0"/>
-              <a:t>2020-05-27</a:t>
+              <a:t>2020-05-31</a:t>
             </a:fld>
             <a:endParaRPr lang="ko-KR" altLang="en-US"/>
           </a:p>
@@ -1140,7 +1140,7 @@
           <a:p>
             <a:fld id="{5E9156A5-F3EC-48FB-8574-275309479A4C}" type="datetimeFigureOut">
               <a:rPr lang="ko-KR" altLang="en-US" smtClean="0"/>
-              <a:t>2020-05-27</a:t>
+              <a:t>2020-05-31</a:t>
             </a:fld>
             <a:endParaRPr lang="ko-KR" altLang="en-US"/>
           </a:p>
@@ -1405,7 +1405,7 @@
           <a:p>
             <a:fld id="{5E9156A5-F3EC-48FB-8574-275309479A4C}" type="datetimeFigureOut">
               <a:rPr lang="ko-KR" altLang="en-US" smtClean="0"/>
-              <a:t>2020-05-27</a:t>
+              <a:t>2020-05-31</a:t>
             </a:fld>
             <a:endParaRPr lang="ko-KR" altLang="en-US"/>
           </a:p>
@@ -1817,7 +1817,7 @@
           <a:p>
             <a:fld id="{5E9156A5-F3EC-48FB-8574-275309479A4C}" type="datetimeFigureOut">
               <a:rPr lang="ko-KR" altLang="en-US" smtClean="0"/>
-              <a:t>2020-05-27</a:t>
+              <a:t>2020-05-31</a:t>
             </a:fld>
             <a:endParaRPr lang="ko-KR" altLang="en-US"/>
           </a:p>
@@ -1958,7 +1958,7 @@
           <a:p>
             <a:fld id="{5E9156A5-F3EC-48FB-8574-275309479A4C}" type="datetimeFigureOut">
               <a:rPr lang="ko-KR" altLang="en-US" smtClean="0"/>
-              <a:t>2020-05-27</a:t>
+              <a:t>2020-05-31</a:t>
             </a:fld>
             <a:endParaRPr lang="ko-KR" altLang="en-US"/>
           </a:p>
@@ -2071,7 +2071,7 @@
           <a:p>
             <a:fld id="{5E9156A5-F3EC-48FB-8574-275309479A4C}" type="datetimeFigureOut">
               <a:rPr lang="ko-KR" altLang="en-US" smtClean="0"/>
-              <a:t>2020-05-27</a:t>
+              <a:t>2020-05-31</a:t>
             </a:fld>
             <a:endParaRPr lang="ko-KR" altLang="en-US"/>
           </a:p>
@@ -2382,7 +2382,7 @@
           <a:p>
             <a:fld id="{5E9156A5-F3EC-48FB-8574-275309479A4C}" type="datetimeFigureOut">
               <a:rPr lang="ko-KR" altLang="en-US" smtClean="0"/>
-              <a:t>2020-05-27</a:t>
+              <a:t>2020-05-31</a:t>
             </a:fld>
             <a:endParaRPr lang="ko-KR" altLang="en-US"/>
           </a:p>
@@ -2670,7 +2670,7 @@
           <a:p>
             <a:fld id="{5E9156A5-F3EC-48FB-8574-275309479A4C}" type="datetimeFigureOut">
               <a:rPr lang="ko-KR" altLang="en-US" smtClean="0"/>
-              <a:t>2020-05-27</a:t>
+              <a:t>2020-05-31</a:t>
             </a:fld>
             <a:endParaRPr lang="ko-KR" altLang="en-US"/>
           </a:p>
@@ -2911,7 +2911,7 @@
           <a:p>
             <a:fld id="{5E9156A5-F3EC-48FB-8574-275309479A4C}" type="datetimeFigureOut">
               <a:rPr lang="ko-KR" altLang="en-US" smtClean="0"/>
-              <a:t>2020-05-27</a:t>
+              <a:t>2020-05-31</a:t>
             </a:fld>
             <a:endParaRPr lang="ko-KR" altLang="en-US"/>
           </a:p>
@@ -4841,7 +4841,7 @@
           <p:nvPr>
             <p:extLst>
               <p:ext uri="{D42A27DB-BD31-4B8C-83A1-F6EECF244321}">
-                <p14:modId xmlns:p14="http://schemas.microsoft.com/office/powerpoint/2010/main" val="2107632071"/>
+                <p14:modId xmlns:p14="http://schemas.microsoft.com/office/powerpoint/2010/main" val="430849166"/>
               </p:ext>
             </p:extLst>
           </p:nvPr>

--- a/Documents/사이트맵.pptx
+++ b/Documents/사이트맵.pptx
@@ -261,7 +261,7 @@
           <a:p>
             <a:fld id="{5E9156A5-F3EC-48FB-8574-275309479A4C}" type="datetimeFigureOut">
               <a:rPr lang="ko-KR" altLang="en-US" smtClean="0"/>
-              <a:t>2020-05-31</a:t>
+              <a:t>2020-06-02</a:t>
             </a:fld>
             <a:endParaRPr lang="ko-KR" altLang="en-US"/>
           </a:p>
@@ -459,7 +459,7 @@
           <a:p>
             <a:fld id="{5E9156A5-F3EC-48FB-8574-275309479A4C}" type="datetimeFigureOut">
               <a:rPr lang="ko-KR" altLang="en-US" smtClean="0"/>
-              <a:t>2020-05-31</a:t>
+              <a:t>2020-06-02</a:t>
             </a:fld>
             <a:endParaRPr lang="ko-KR" altLang="en-US"/>
           </a:p>
@@ -667,7 +667,7 @@
           <a:p>
             <a:fld id="{5E9156A5-F3EC-48FB-8574-275309479A4C}" type="datetimeFigureOut">
               <a:rPr lang="ko-KR" altLang="en-US" smtClean="0"/>
-              <a:t>2020-05-31</a:t>
+              <a:t>2020-06-02</a:t>
             </a:fld>
             <a:endParaRPr lang="ko-KR" altLang="en-US"/>
           </a:p>
@@ -865,7 +865,7 @@
           <a:p>
             <a:fld id="{5E9156A5-F3EC-48FB-8574-275309479A4C}" type="datetimeFigureOut">
               <a:rPr lang="ko-KR" altLang="en-US" smtClean="0"/>
-              <a:t>2020-05-31</a:t>
+              <a:t>2020-06-02</a:t>
             </a:fld>
             <a:endParaRPr lang="ko-KR" altLang="en-US"/>
           </a:p>
@@ -1140,7 +1140,7 @@
           <a:p>
             <a:fld id="{5E9156A5-F3EC-48FB-8574-275309479A4C}" type="datetimeFigureOut">
               <a:rPr lang="ko-KR" altLang="en-US" smtClean="0"/>
-              <a:t>2020-05-31</a:t>
+              <a:t>2020-06-02</a:t>
             </a:fld>
             <a:endParaRPr lang="ko-KR" altLang="en-US"/>
           </a:p>
@@ -1405,7 +1405,7 @@
           <a:p>
             <a:fld id="{5E9156A5-F3EC-48FB-8574-275309479A4C}" type="datetimeFigureOut">
               <a:rPr lang="ko-KR" altLang="en-US" smtClean="0"/>
-              <a:t>2020-05-31</a:t>
+              <a:t>2020-06-02</a:t>
             </a:fld>
             <a:endParaRPr lang="ko-KR" altLang="en-US"/>
           </a:p>
@@ -1817,7 +1817,7 @@
           <a:p>
             <a:fld id="{5E9156A5-F3EC-48FB-8574-275309479A4C}" type="datetimeFigureOut">
               <a:rPr lang="ko-KR" altLang="en-US" smtClean="0"/>
-              <a:t>2020-05-31</a:t>
+              <a:t>2020-06-02</a:t>
             </a:fld>
             <a:endParaRPr lang="ko-KR" altLang="en-US"/>
           </a:p>
@@ -1958,7 +1958,7 @@
           <a:p>
             <a:fld id="{5E9156A5-F3EC-48FB-8574-275309479A4C}" type="datetimeFigureOut">
               <a:rPr lang="ko-KR" altLang="en-US" smtClean="0"/>
-              <a:t>2020-05-31</a:t>
+              <a:t>2020-06-02</a:t>
             </a:fld>
             <a:endParaRPr lang="ko-KR" altLang="en-US"/>
           </a:p>
@@ -2071,7 +2071,7 @@
           <a:p>
             <a:fld id="{5E9156A5-F3EC-48FB-8574-275309479A4C}" type="datetimeFigureOut">
               <a:rPr lang="ko-KR" altLang="en-US" smtClean="0"/>
-              <a:t>2020-05-31</a:t>
+              <a:t>2020-06-02</a:t>
             </a:fld>
             <a:endParaRPr lang="ko-KR" altLang="en-US"/>
           </a:p>
@@ -2382,7 +2382,7 @@
           <a:p>
             <a:fld id="{5E9156A5-F3EC-48FB-8574-275309479A4C}" type="datetimeFigureOut">
               <a:rPr lang="ko-KR" altLang="en-US" smtClean="0"/>
-              <a:t>2020-05-31</a:t>
+              <a:t>2020-06-02</a:t>
             </a:fld>
             <a:endParaRPr lang="ko-KR" altLang="en-US"/>
           </a:p>
@@ -2670,7 +2670,7 @@
           <a:p>
             <a:fld id="{5E9156A5-F3EC-48FB-8574-275309479A4C}" type="datetimeFigureOut">
               <a:rPr lang="ko-KR" altLang="en-US" smtClean="0"/>
-              <a:t>2020-05-31</a:t>
+              <a:t>2020-06-02</a:t>
             </a:fld>
             <a:endParaRPr lang="ko-KR" altLang="en-US"/>
           </a:p>
@@ -2911,7 +2911,7 @@
           <a:p>
             <a:fld id="{5E9156A5-F3EC-48FB-8574-275309479A4C}" type="datetimeFigureOut">
               <a:rPr lang="ko-KR" altLang="en-US" smtClean="0"/>
-              <a:t>2020-05-31</a:t>
+              <a:t>2020-06-02</a:t>
             </a:fld>
             <a:endParaRPr lang="ko-KR" altLang="en-US"/>
           </a:p>
@@ -3953,13 +3953,19 @@
       </p:graphicFrame>
       <p:sp>
         <p:nvSpPr>
-          <p:cNvPr id="7" name="TextBox 6"/>
+          <p:cNvPr id="8" name="TextBox 7">
+            <a:extLst>
+              <a:ext uri="{FF2B5EF4-FFF2-40B4-BE49-F238E27FC236}">
+                <a16:creationId xmlns:a16="http://schemas.microsoft.com/office/drawing/2014/main" id="{7F1B0D98-01A9-4372-9907-F6EDFE167BFE}"/>
+              </a:ext>
+            </a:extLst>
+          </p:cNvPr>
           <p:cNvSpPr txBox="1"/>
           <p:nvPr/>
         </p:nvSpPr>
         <p:spPr>
           <a:xfrm>
-            <a:off x="3488890" y="2026732"/>
+            <a:off x="7850427" y="538451"/>
             <a:ext cx="4341573" cy="523220"/>
           </a:xfrm>
           <a:prstGeom prst="rect">
@@ -5521,20 +5527,12 @@
                         <a:buChar char="•"/>
                       </a:pPr>
                       <a:r>
-                        <a:rPr lang="ko-KR" altLang="en-US" sz="1600" dirty="0" smtClean="0">
-                          <a:solidFill>
-                            <a:schemeClr val="tx1"/>
-                          </a:solidFill>
-                        </a:rPr>
-                        <a:t>페이지 </a:t>
-                      </a:r>
-                      <a:r>
                         <a:rPr lang="ko-KR" altLang="en-US" sz="1600" dirty="0">
                           <a:solidFill>
                             <a:schemeClr val="tx1"/>
                           </a:solidFill>
                         </a:rPr>
-                        <a:t>추가</a:t>
+                        <a:t>페이지 추가</a:t>
                       </a:r>
                       <a:r>
                         <a:rPr lang="en-US" altLang="ko-KR" sz="1600" dirty="0">
@@ -6523,7 +6521,7 @@
           <p:nvPr>
             <p:extLst>
               <p:ext uri="{D42A27DB-BD31-4B8C-83A1-F6EECF244321}">
-                <p14:modId xmlns:p14="http://schemas.microsoft.com/office/powerpoint/2010/main" val="573725362"/>
+                <p14:modId xmlns:p14="http://schemas.microsoft.com/office/powerpoint/2010/main" val="4184163677"/>
               </p:ext>
             </p:extLst>
           </p:nvPr>
@@ -7276,8 +7274,8 @@
                     </a:p>
                     <a:p>
                       <a:pPr marL="360363" indent="-184150" latinLnBrk="1">
-                        <a:buFont typeface="Wingdings" panose="05000000000000000000" pitchFamily="2" charset="2"/>
-                        <a:buChar char="ü"/>
+                        <a:buFont typeface="맑은 고딕" panose="020B0503020000020004" pitchFamily="50" charset="-127"/>
+                        <a:buChar char="-"/>
                       </a:pPr>
                       <a:r>
                         <a:rPr lang="ko-KR" altLang="en-US" sz="1100" dirty="0"/>

--- a/Documents/사이트맵.pptx
+++ b/Documents/사이트맵.pptx
@@ -261,7 +261,7 @@
           <a:p>
             <a:fld id="{5E9156A5-F3EC-48FB-8574-275309479A4C}" type="datetimeFigureOut">
               <a:rPr lang="ko-KR" altLang="en-US" smtClean="0"/>
-              <a:t>2020-06-02</a:t>
+              <a:t>2020-06-03</a:t>
             </a:fld>
             <a:endParaRPr lang="ko-KR" altLang="en-US"/>
           </a:p>
@@ -459,7 +459,7 @@
           <a:p>
             <a:fld id="{5E9156A5-F3EC-48FB-8574-275309479A4C}" type="datetimeFigureOut">
               <a:rPr lang="ko-KR" altLang="en-US" smtClean="0"/>
-              <a:t>2020-06-02</a:t>
+              <a:t>2020-06-03</a:t>
             </a:fld>
             <a:endParaRPr lang="ko-KR" altLang="en-US"/>
           </a:p>
@@ -667,7 +667,7 @@
           <a:p>
             <a:fld id="{5E9156A5-F3EC-48FB-8574-275309479A4C}" type="datetimeFigureOut">
               <a:rPr lang="ko-KR" altLang="en-US" smtClean="0"/>
-              <a:t>2020-06-02</a:t>
+              <a:t>2020-06-03</a:t>
             </a:fld>
             <a:endParaRPr lang="ko-KR" altLang="en-US"/>
           </a:p>
@@ -865,7 +865,7 @@
           <a:p>
             <a:fld id="{5E9156A5-F3EC-48FB-8574-275309479A4C}" type="datetimeFigureOut">
               <a:rPr lang="ko-KR" altLang="en-US" smtClean="0"/>
-              <a:t>2020-06-02</a:t>
+              <a:t>2020-06-03</a:t>
             </a:fld>
             <a:endParaRPr lang="ko-KR" altLang="en-US"/>
           </a:p>
@@ -1140,7 +1140,7 @@
           <a:p>
             <a:fld id="{5E9156A5-F3EC-48FB-8574-275309479A4C}" type="datetimeFigureOut">
               <a:rPr lang="ko-KR" altLang="en-US" smtClean="0"/>
-              <a:t>2020-06-02</a:t>
+              <a:t>2020-06-03</a:t>
             </a:fld>
             <a:endParaRPr lang="ko-KR" altLang="en-US"/>
           </a:p>
@@ -1405,7 +1405,7 @@
           <a:p>
             <a:fld id="{5E9156A5-F3EC-48FB-8574-275309479A4C}" type="datetimeFigureOut">
               <a:rPr lang="ko-KR" altLang="en-US" smtClean="0"/>
-              <a:t>2020-06-02</a:t>
+              <a:t>2020-06-03</a:t>
             </a:fld>
             <a:endParaRPr lang="ko-KR" altLang="en-US"/>
           </a:p>
@@ -1817,7 +1817,7 @@
           <a:p>
             <a:fld id="{5E9156A5-F3EC-48FB-8574-275309479A4C}" type="datetimeFigureOut">
               <a:rPr lang="ko-KR" altLang="en-US" smtClean="0"/>
-              <a:t>2020-06-02</a:t>
+              <a:t>2020-06-03</a:t>
             </a:fld>
             <a:endParaRPr lang="ko-KR" altLang="en-US"/>
           </a:p>
@@ -1958,7 +1958,7 @@
           <a:p>
             <a:fld id="{5E9156A5-F3EC-48FB-8574-275309479A4C}" type="datetimeFigureOut">
               <a:rPr lang="ko-KR" altLang="en-US" smtClean="0"/>
-              <a:t>2020-06-02</a:t>
+              <a:t>2020-06-03</a:t>
             </a:fld>
             <a:endParaRPr lang="ko-KR" altLang="en-US"/>
           </a:p>
@@ -2071,7 +2071,7 @@
           <a:p>
             <a:fld id="{5E9156A5-F3EC-48FB-8574-275309479A4C}" type="datetimeFigureOut">
               <a:rPr lang="ko-KR" altLang="en-US" smtClean="0"/>
-              <a:t>2020-06-02</a:t>
+              <a:t>2020-06-03</a:t>
             </a:fld>
             <a:endParaRPr lang="ko-KR" altLang="en-US"/>
           </a:p>
@@ -2382,7 +2382,7 @@
           <a:p>
             <a:fld id="{5E9156A5-F3EC-48FB-8574-275309479A4C}" type="datetimeFigureOut">
               <a:rPr lang="ko-KR" altLang="en-US" smtClean="0"/>
-              <a:t>2020-06-02</a:t>
+              <a:t>2020-06-03</a:t>
             </a:fld>
             <a:endParaRPr lang="ko-KR" altLang="en-US"/>
           </a:p>
@@ -2670,7 +2670,7 @@
           <a:p>
             <a:fld id="{5E9156A5-F3EC-48FB-8574-275309479A4C}" type="datetimeFigureOut">
               <a:rPr lang="ko-KR" altLang="en-US" smtClean="0"/>
-              <a:t>2020-06-02</a:t>
+              <a:t>2020-06-03</a:t>
             </a:fld>
             <a:endParaRPr lang="ko-KR" altLang="en-US"/>
           </a:p>
@@ -2911,7 +2911,7 @@
           <a:p>
             <a:fld id="{5E9156A5-F3EC-48FB-8574-275309479A4C}" type="datetimeFigureOut">
               <a:rPr lang="ko-KR" altLang="en-US" smtClean="0"/>
-              <a:t>2020-06-02</a:t>
+              <a:t>2020-06-03</a:t>
             </a:fld>
             <a:endParaRPr lang="ko-KR" altLang="en-US"/>
           </a:p>
@@ -4847,14 +4847,14 @@
           <p:nvPr>
             <p:extLst>
               <p:ext uri="{D42A27DB-BD31-4B8C-83A1-F6EECF244321}">
-                <p14:modId xmlns:p14="http://schemas.microsoft.com/office/powerpoint/2010/main" val="430849166"/>
+                <p14:modId xmlns:p14="http://schemas.microsoft.com/office/powerpoint/2010/main" val="2192111807"/>
               </p:ext>
             </p:extLst>
           </p:nvPr>
         </p:nvGraphicFramePr>
         <p:xfrm>
           <a:off x="219403" y="2714092"/>
-          <a:ext cx="11884673" cy="2110705"/>
+          <a:ext cx="11884673" cy="2340836"/>
         </p:xfrm>
         <a:graphic>
           <a:graphicData uri="http://schemas.openxmlformats.org/drawingml/2006/table">
@@ -5521,6 +5521,70 @@
                   <a:txBody>
                     <a:bodyPr/>
                     <a:lstStyle/>
+                    <a:p>
+                      <a:pPr marL="285750" marR="0" lvl="0" indent="-285750" algn="l" defTabSz="914400" rtl="0" eaLnBrk="1" fontAlgn="auto" latinLnBrk="1" hangingPunct="1">
+                        <a:lnSpc>
+                          <a:spcPct val="100000"/>
+                        </a:lnSpc>
+                        <a:spcBef>
+                          <a:spcPts val="0"/>
+                        </a:spcBef>
+                        <a:spcAft>
+                          <a:spcPts val="0"/>
+                        </a:spcAft>
+                        <a:buClrTx/>
+                        <a:buSzTx/>
+                        <a:buFont typeface="Arial" panose="020B0604020202020204" pitchFamily="34" charset="0"/>
+                        <a:buChar char="•"/>
+                        <a:tabLst/>
+                        <a:defRPr/>
+                      </a:pPr>
+                      <a:r>
+                        <a:rPr lang="ko-KR" altLang="en-US" sz="1600" dirty="0">
+                          <a:solidFill>
+                            <a:schemeClr val="tx1"/>
+                          </a:solidFill>
+                        </a:rPr>
+                        <a:t>표지</a:t>
+                      </a:r>
+                      <a:r>
+                        <a:rPr lang="en-US" altLang="ko-KR" sz="1600" dirty="0">
+                          <a:solidFill>
+                            <a:schemeClr val="tx1"/>
+                          </a:solidFill>
+                        </a:rPr>
+                        <a:t>, </a:t>
+                      </a:r>
+                      <a:r>
+                        <a:rPr lang="ko-KR" altLang="en-US" sz="1600" dirty="0">
+                          <a:solidFill>
+                            <a:schemeClr val="tx1"/>
+                          </a:solidFill>
+                        </a:rPr>
+                        <a:t>문서 이력</a:t>
+                      </a:r>
+                      <a:r>
+                        <a:rPr lang="en-US" altLang="ko-KR" sz="1600" dirty="0">
+                          <a:solidFill>
+                            <a:schemeClr val="tx1"/>
+                          </a:solidFill>
+                        </a:rPr>
+                        <a:t> </a:t>
+                      </a:r>
+                      <a:r>
+                        <a:rPr lang="ko-KR" altLang="en-US" sz="1600" dirty="0">
+                          <a:solidFill>
+                            <a:schemeClr val="tx1"/>
+                          </a:solidFill>
+                        </a:rPr>
+                        <a:t>추가</a:t>
+                      </a:r>
+                      <a:endParaRPr lang="en-US" altLang="ko-KR" sz="1600" dirty="0">
+                        <a:solidFill>
+                          <a:schemeClr val="tx1"/>
+                        </a:solidFill>
+                      </a:endParaRPr>
+                    </a:p>
                     <a:p>
                       <a:pPr marL="285750" indent="-285750" algn="l" latinLnBrk="1">
                         <a:buFont typeface="Arial" panose="020B0604020202020204" pitchFamily="34" charset="0"/>

--- a/Documents/사이트맵.pptx
+++ b/Documents/사이트맵.pptx
@@ -261,7 +261,7 @@
           <a:p>
             <a:fld id="{5E9156A5-F3EC-48FB-8574-275309479A4C}" type="datetimeFigureOut">
               <a:rPr lang="ko-KR" altLang="en-US" smtClean="0"/>
-              <a:t>2020-06-03</a:t>
+              <a:t>2020-06-10</a:t>
             </a:fld>
             <a:endParaRPr lang="ko-KR" altLang="en-US"/>
           </a:p>
@@ -459,7 +459,7 @@
           <a:p>
             <a:fld id="{5E9156A5-F3EC-48FB-8574-275309479A4C}" type="datetimeFigureOut">
               <a:rPr lang="ko-KR" altLang="en-US" smtClean="0"/>
-              <a:t>2020-06-03</a:t>
+              <a:t>2020-06-10</a:t>
             </a:fld>
             <a:endParaRPr lang="ko-KR" altLang="en-US"/>
           </a:p>
@@ -667,7 +667,7 @@
           <a:p>
             <a:fld id="{5E9156A5-F3EC-48FB-8574-275309479A4C}" type="datetimeFigureOut">
               <a:rPr lang="ko-KR" altLang="en-US" smtClean="0"/>
-              <a:t>2020-06-03</a:t>
+              <a:t>2020-06-10</a:t>
             </a:fld>
             <a:endParaRPr lang="ko-KR" altLang="en-US"/>
           </a:p>
@@ -865,7 +865,7 @@
           <a:p>
             <a:fld id="{5E9156A5-F3EC-48FB-8574-275309479A4C}" type="datetimeFigureOut">
               <a:rPr lang="ko-KR" altLang="en-US" smtClean="0"/>
-              <a:t>2020-06-03</a:t>
+              <a:t>2020-06-10</a:t>
             </a:fld>
             <a:endParaRPr lang="ko-KR" altLang="en-US"/>
           </a:p>
@@ -1140,7 +1140,7 @@
           <a:p>
             <a:fld id="{5E9156A5-F3EC-48FB-8574-275309479A4C}" type="datetimeFigureOut">
               <a:rPr lang="ko-KR" altLang="en-US" smtClean="0"/>
-              <a:t>2020-06-03</a:t>
+              <a:t>2020-06-10</a:t>
             </a:fld>
             <a:endParaRPr lang="ko-KR" altLang="en-US"/>
           </a:p>
@@ -1405,7 +1405,7 @@
           <a:p>
             <a:fld id="{5E9156A5-F3EC-48FB-8574-275309479A4C}" type="datetimeFigureOut">
               <a:rPr lang="ko-KR" altLang="en-US" smtClean="0"/>
-              <a:t>2020-06-03</a:t>
+              <a:t>2020-06-10</a:t>
             </a:fld>
             <a:endParaRPr lang="ko-KR" altLang="en-US"/>
           </a:p>
@@ -1817,7 +1817,7 @@
           <a:p>
             <a:fld id="{5E9156A5-F3EC-48FB-8574-275309479A4C}" type="datetimeFigureOut">
               <a:rPr lang="ko-KR" altLang="en-US" smtClean="0"/>
-              <a:t>2020-06-03</a:t>
+              <a:t>2020-06-10</a:t>
             </a:fld>
             <a:endParaRPr lang="ko-KR" altLang="en-US"/>
           </a:p>
@@ -1958,7 +1958,7 @@
           <a:p>
             <a:fld id="{5E9156A5-F3EC-48FB-8574-275309479A4C}" type="datetimeFigureOut">
               <a:rPr lang="ko-KR" altLang="en-US" smtClean="0"/>
-              <a:t>2020-06-03</a:t>
+              <a:t>2020-06-10</a:t>
             </a:fld>
             <a:endParaRPr lang="ko-KR" altLang="en-US"/>
           </a:p>
@@ -2071,7 +2071,7 @@
           <a:p>
             <a:fld id="{5E9156A5-F3EC-48FB-8574-275309479A4C}" type="datetimeFigureOut">
               <a:rPr lang="ko-KR" altLang="en-US" smtClean="0"/>
-              <a:t>2020-06-03</a:t>
+              <a:t>2020-06-10</a:t>
             </a:fld>
             <a:endParaRPr lang="ko-KR" altLang="en-US"/>
           </a:p>
@@ -2382,7 +2382,7 @@
           <a:p>
             <a:fld id="{5E9156A5-F3EC-48FB-8574-275309479A4C}" type="datetimeFigureOut">
               <a:rPr lang="ko-KR" altLang="en-US" smtClean="0"/>
-              <a:t>2020-06-03</a:t>
+              <a:t>2020-06-10</a:t>
             </a:fld>
             <a:endParaRPr lang="ko-KR" altLang="en-US"/>
           </a:p>
@@ -2670,7 +2670,7 @@
           <a:p>
             <a:fld id="{5E9156A5-F3EC-48FB-8574-275309479A4C}" type="datetimeFigureOut">
               <a:rPr lang="ko-KR" altLang="en-US" smtClean="0"/>
-              <a:t>2020-06-03</a:t>
+              <a:t>2020-06-10</a:t>
             </a:fld>
             <a:endParaRPr lang="ko-KR" altLang="en-US"/>
           </a:p>
@@ -2911,7 +2911,7 @@
           <a:p>
             <a:fld id="{5E9156A5-F3EC-48FB-8574-275309479A4C}" type="datetimeFigureOut">
               <a:rPr lang="ko-KR" altLang="en-US" smtClean="0"/>
-              <a:t>2020-06-03</a:t>
+              <a:t>2020-06-10</a:t>
             </a:fld>
             <a:endParaRPr lang="ko-KR" altLang="en-US"/>
           </a:p>
@@ -6585,7 +6585,7 @@
           <p:nvPr>
             <p:extLst>
               <p:ext uri="{D42A27DB-BD31-4B8C-83A1-F6EECF244321}">
-                <p14:modId xmlns:p14="http://schemas.microsoft.com/office/powerpoint/2010/main" val="4184163677"/>
+                <p14:modId xmlns:p14="http://schemas.microsoft.com/office/powerpoint/2010/main" val="2654040725"/>
               </p:ext>
             </p:extLst>
           </p:nvPr>
@@ -7342,6 +7342,10 @@
                         <a:buChar char="-"/>
                       </a:pPr>
                       <a:r>
+                        <a:rPr lang="en-US" altLang="ko-KR" sz="1100" dirty="0"/>
+                        <a:t>[</a:t>
+                      </a:r>
+                      <a:r>
                         <a:rPr lang="ko-KR" altLang="en-US" sz="1100" dirty="0"/>
                         <a:t>질문답변 </a:t>
                       </a:r>
@@ -7355,7 +7359,7 @@
                       </a:r>
                       <a:r>
                         <a:rPr lang="en-US" altLang="ko-KR" sz="1100" dirty="0"/>
-                        <a:t>)</a:t>
+                        <a:t>)]</a:t>
                       </a:r>
                     </a:p>
                     <a:p>
@@ -7364,6 +7368,10 @@
                         <a:buChar char="•"/>
                       </a:pPr>
                       <a:r>
+                        <a:rPr lang="en-US" altLang="ko-KR" sz="1100" dirty="0"/>
+                        <a:t>[</a:t>
+                      </a:r>
+                      <a:r>
                         <a:rPr lang="ko-KR" altLang="en-US" sz="1100" dirty="0"/>
                         <a:t>질문답변 </a:t>
                       </a:r>
@@ -7377,7 +7385,7 @@
                       </a:r>
                       <a:r>
                         <a:rPr lang="en-US" altLang="ko-KR" sz="1100" dirty="0"/>
-                        <a:t>)</a:t>
+                        <a:t>)]</a:t>
                       </a:r>
                     </a:p>
                   </a:txBody>
